--- a/ProjectManagement.pptx
+++ b/ProjectManagement.pptx
@@ -4,13 +4,24 @@
   <p:sldMasterIdLst>
     <p:sldMasterId id="2147483648" r:id="rId1"/>
   </p:sldMasterIdLst>
+  <p:notesMasterIdLst>
+    <p:notesMasterId r:id="rId16"/>
+  </p:notesMasterIdLst>
   <p:sldIdLst>
     <p:sldId id="256" r:id="rId2"/>
     <p:sldId id="258" r:id="rId3"/>
     <p:sldId id="259" r:id="rId4"/>
     <p:sldId id="260" r:id="rId5"/>
-    <p:sldId id="261" r:id="rId6"/>
-    <p:sldId id="262" r:id="rId7"/>
+    <p:sldId id="263" r:id="rId6"/>
+    <p:sldId id="261" r:id="rId7"/>
+    <p:sldId id="264" r:id="rId8"/>
+    <p:sldId id="265" r:id="rId9"/>
+    <p:sldId id="266" r:id="rId10"/>
+    <p:sldId id="267" r:id="rId11"/>
+    <p:sldId id="268" r:id="rId12"/>
+    <p:sldId id="269" r:id="rId13"/>
+    <p:sldId id="270" r:id="rId14"/>
+    <p:sldId id="271" r:id="rId15"/>
   </p:sldIdLst>
   <p:sldSz cx="12192000" cy="6858000"/>
   <p:notesSz cx="6858000" cy="9144000"/>
@@ -109,7 +120,361 @@
       </a:defRPr>
     </a:lvl9pPr>
   </p:defaultTextStyle>
+  <p:extLst>
+    <p:ext uri="{EFAFB233-063F-42B5-8137-9DF3F51BA10A}">
+      <p15:sldGuideLst xmlns:p15="http://schemas.microsoft.com/office/powerpoint/2012/main"/>
+    </p:ext>
+  </p:extLst>
 </p:presentation>
+</file>
+
+<file path=ppt/notesMasters/notesMaster1.xml><?xml version="1.0" encoding="utf-8"?>
+<p:notesMaster xmlns:a="http://schemas.openxmlformats.org/drawingml/2006/main" xmlns:r="http://schemas.openxmlformats.org/officeDocument/2006/relationships" xmlns:p="http://schemas.openxmlformats.org/presentationml/2006/main">
+  <p:cSld>
+    <p:bg>
+      <p:bgRef idx="1001">
+        <a:schemeClr val="bg1"/>
+      </p:bgRef>
+    </p:bg>
+    <p:spTree>
+      <p:nvGrpSpPr>
+        <p:cNvPr id="1" name=""/>
+        <p:cNvGrpSpPr/>
+        <p:nvPr/>
+      </p:nvGrpSpPr>
+      <p:grpSpPr>
+        <a:xfrm>
+          <a:off x="0" y="0"/>
+          <a:ext cx="0" cy="0"/>
+          <a:chOff x="0" y="0"/>
+          <a:chExt cx="0" cy="0"/>
+        </a:xfrm>
+      </p:grpSpPr>
+      <p:sp>
+        <p:nvSpPr>
+          <p:cNvPr id="2" name="Header Placeholder 1"/>
+          <p:cNvSpPr>
+            <a:spLocks noGrp="1"/>
+          </p:cNvSpPr>
+          <p:nvPr>
+            <p:ph type="hdr" sz="quarter"/>
+          </p:nvPr>
+        </p:nvSpPr>
+        <p:spPr>
+          <a:xfrm>
+            <a:off x="0" y="0"/>
+            <a:ext cx="2971800" cy="458788"/>
+          </a:xfrm>
+          <a:prstGeom prst="rect">
+            <a:avLst/>
+          </a:prstGeom>
+        </p:spPr>
+        <p:txBody>
+          <a:bodyPr vert="horz" lIns="91440" tIns="45720" rIns="91440" bIns="45720" rtlCol="0"/>
+          <a:lstStyle>
+            <a:lvl1pPr algn="l">
+              <a:defRPr sz="1200"/>
+            </a:lvl1pPr>
+          </a:lstStyle>
+          <a:p>
+            <a:endParaRPr lang="en-US"/>
+          </a:p>
+        </p:txBody>
+      </p:sp>
+      <p:sp>
+        <p:nvSpPr>
+          <p:cNvPr id="3" name="Date Placeholder 2"/>
+          <p:cNvSpPr>
+            <a:spLocks noGrp="1"/>
+          </p:cNvSpPr>
+          <p:nvPr>
+            <p:ph type="dt" idx="1"/>
+          </p:nvPr>
+        </p:nvSpPr>
+        <p:spPr>
+          <a:xfrm>
+            <a:off x="3884613" y="0"/>
+            <a:ext cx="2971800" cy="458788"/>
+          </a:xfrm>
+          <a:prstGeom prst="rect">
+            <a:avLst/>
+          </a:prstGeom>
+        </p:spPr>
+        <p:txBody>
+          <a:bodyPr vert="horz" lIns="91440" tIns="45720" rIns="91440" bIns="45720" rtlCol="0"/>
+          <a:lstStyle>
+            <a:lvl1pPr algn="r">
+              <a:defRPr sz="1200"/>
+            </a:lvl1pPr>
+          </a:lstStyle>
+          <a:p>
+            <a:fld id="{FB032B2A-40E8-4DCE-8EBA-6C528B78972E}" type="datetimeFigureOut">
+              <a:rPr lang="en-US" smtClean="0"/>
+              <a:t>12/14/2019</a:t>
+            </a:fld>
+            <a:endParaRPr lang="en-US"/>
+          </a:p>
+        </p:txBody>
+      </p:sp>
+      <p:sp>
+        <p:nvSpPr>
+          <p:cNvPr id="4" name="Slide Image Placeholder 3"/>
+          <p:cNvSpPr>
+            <a:spLocks noGrp="1" noRot="1" noChangeAspect="1"/>
+          </p:cNvSpPr>
+          <p:nvPr>
+            <p:ph type="sldImg" idx="2"/>
+          </p:nvPr>
+        </p:nvSpPr>
+        <p:spPr>
+          <a:xfrm>
+            <a:off x="685800" y="1143000"/>
+            <a:ext cx="5486400" cy="3086100"/>
+          </a:xfrm>
+          <a:prstGeom prst="rect">
+            <a:avLst/>
+          </a:prstGeom>
+          <a:noFill/>
+          <a:ln w="12700">
+            <a:solidFill>
+              <a:prstClr val="black"/>
+            </a:solidFill>
+          </a:ln>
+        </p:spPr>
+        <p:txBody>
+          <a:bodyPr vert="horz" lIns="91440" tIns="45720" rIns="91440" bIns="45720" rtlCol="0" anchor="ctr"/>
+          <a:lstStyle/>
+          <a:p>
+            <a:endParaRPr lang="en-US"/>
+          </a:p>
+        </p:txBody>
+      </p:sp>
+      <p:sp>
+        <p:nvSpPr>
+          <p:cNvPr id="5" name="Notes Placeholder 4"/>
+          <p:cNvSpPr>
+            <a:spLocks noGrp="1"/>
+          </p:cNvSpPr>
+          <p:nvPr>
+            <p:ph type="body" sz="quarter" idx="3"/>
+          </p:nvPr>
+        </p:nvSpPr>
+        <p:spPr>
+          <a:xfrm>
+            <a:off x="685800" y="4400550"/>
+            <a:ext cx="5486400" cy="3600450"/>
+          </a:xfrm>
+          <a:prstGeom prst="rect">
+            <a:avLst/>
+          </a:prstGeom>
+        </p:spPr>
+        <p:txBody>
+          <a:bodyPr vert="horz" lIns="91440" tIns="45720" rIns="91440" bIns="45720" rtlCol="0"/>
+          <a:lstStyle/>
+          <a:p>
+            <a:pPr lvl="0"/>
+            <a:r>
+              <a:rPr lang="en-US"/>
+              <a:t>Click to edit Master text styles</a:t>
+            </a:r>
+          </a:p>
+          <a:p>
+            <a:pPr lvl="1"/>
+            <a:r>
+              <a:rPr lang="en-US"/>
+              <a:t>Second level</a:t>
+            </a:r>
+          </a:p>
+          <a:p>
+            <a:pPr lvl="2"/>
+            <a:r>
+              <a:rPr lang="en-US"/>
+              <a:t>Third level</a:t>
+            </a:r>
+          </a:p>
+          <a:p>
+            <a:pPr lvl="3"/>
+            <a:r>
+              <a:rPr lang="en-US"/>
+              <a:t>Fourth level</a:t>
+            </a:r>
+          </a:p>
+          <a:p>
+            <a:pPr lvl="4"/>
+            <a:r>
+              <a:rPr lang="en-US"/>
+              <a:t>Fifth level</a:t>
+            </a:r>
+          </a:p>
+        </p:txBody>
+      </p:sp>
+      <p:sp>
+        <p:nvSpPr>
+          <p:cNvPr id="6" name="Footer Placeholder 5"/>
+          <p:cNvSpPr>
+            <a:spLocks noGrp="1"/>
+          </p:cNvSpPr>
+          <p:nvPr>
+            <p:ph type="ftr" sz="quarter" idx="4"/>
+          </p:nvPr>
+        </p:nvSpPr>
+        <p:spPr>
+          <a:xfrm>
+            <a:off x="0" y="8685213"/>
+            <a:ext cx="2971800" cy="458787"/>
+          </a:xfrm>
+          <a:prstGeom prst="rect">
+            <a:avLst/>
+          </a:prstGeom>
+        </p:spPr>
+        <p:txBody>
+          <a:bodyPr vert="horz" lIns="91440" tIns="45720" rIns="91440" bIns="45720" rtlCol="0" anchor="b"/>
+          <a:lstStyle>
+            <a:lvl1pPr algn="l">
+              <a:defRPr sz="1200"/>
+            </a:lvl1pPr>
+          </a:lstStyle>
+          <a:p>
+            <a:endParaRPr lang="en-US"/>
+          </a:p>
+        </p:txBody>
+      </p:sp>
+      <p:sp>
+        <p:nvSpPr>
+          <p:cNvPr id="7" name="Slide Number Placeholder 6"/>
+          <p:cNvSpPr>
+            <a:spLocks noGrp="1"/>
+          </p:cNvSpPr>
+          <p:nvPr>
+            <p:ph type="sldNum" sz="quarter" idx="5"/>
+          </p:nvPr>
+        </p:nvSpPr>
+        <p:spPr>
+          <a:xfrm>
+            <a:off x="3884613" y="8685213"/>
+            <a:ext cx="2971800" cy="458787"/>
+          </a:xfrm>
+          <a:prstGeom prst="rect">
+            <a:avLst/>
+          </a:prstGeom>
+        </p:spPr>
+        <p:txBody>
+          <a:bodyPr vert="horz" lIns="91440" tIns="45720" rIns="91440" bIns="45720" rtlCol="0" anchor="b"/>
+          <a:lstStyle>
+            <a:lvl1pPr algn="r">
+              <a:defRPr sz="1200"/>
+            </a:lvl1pPr>
+          </a:lstStyle>
+          <a:p>
+            <a:fld id="{A3BF5018-C77E-4D46-B528-0C5C822911E7}" type="slidenum">
+              <a:rPr lang="en-US" smtClean="0"/>
+              <a:t>‹#›</a:t>
+            </a:fld>
+            <a:endParaRPr lang="en-US"/>
+          </a:p>
+        </p:txBody>
+      </p:sp>
+    </p:spTree>
+    <p:extLst>
+      <p:ext uri="{BB962C8B-B14F-4D97-AF65-F5344CB8AC3E}">
+        <p14:creationId xmlns:p14="http://schemas.microsoft.com/office/powerpoint/2010/main" val="2948182961"/>
+      </p:ext>
+    </p:extLst>
+  </p:cSld>
+  <p:clrMap bg1="lt1" tx1="dk1" bg2="lt2" tx2="dk2" accent1="accent1" accent2="accent2" accent3="accent3" accent4="accent4" accent5="accent5" accent6="accent6" hlink="hlink" folHlink="folHlink"/>
+  <p:notesStyle>
+    <a:lvl1pPr marL="0" algn="l" defTabSz="914400" rtl="0" eaLnBrk="1" latinLnBrk="0" hangingPunct="1">
+      <a:defRPr sz="1200" kern="1200">
+        <a:solidFill>
+          <a:schemeClr val="tx1"/>
+        </a:solidFill>
+        <a:latin typeface="+mn-lt"/>
+        <a:ea typeface="+mn-ea"/>
+        <a:cs typeface="+mn-cs"/>
+      </a:defRPr>
+    </a:lvl1pPr>
+    <a:lvl2pPr marL="457200" algn="l" defTabSz="914400" rtl="0" eaLnBrk="1" latinLnBrk="0" hangingPunct="1">
+      <a:defRPr sz="1200" kern="1200">
+        <a:solidFill>
+          <a:schemeClr val="tx1"/>
+        </a:solidFill>
+        <a:latin typeface="+mn-lt"/>
+        <a:ea typeface="+mn-ea"/>
+        <a:cs typeface="+mn-cs"/>
+      </a:defRPr>
+    </a:lvl2pPr>
+    <a:lvl3pPr marL="914400" algn="l" defTabSz="914400" rtl="0" eaLnBrk="1" latinLnBrk="0" hangingPunct="1">
+      <a:defRPr sz="1200" kern="1200">
+        <a:solidFill>
+          <a:schemeClr val="tx1"/>
+        </a:solidFill>
+        <a:latin typeface="+mn-lt"/>
+        <a:ea typeface="+mn-ea"/>
+        <a:cs typeface="+mn-cs"/>
+      </a:defRPr>
+    </a:lvl3pPr>
+    <a:lvl4pPr marL="1371600" algn="l" defTabSz="914400" rtl="0" eaLnBrk="1" latinLnBrk="0" hangingPunct="1">
+      <a:defRPr sz="1200" kern="1200">
+        <a:solidFill>
+          <a:schemeClr val="tx1"/>
+        </a:solidFill>
+        <a:latin typeface="+mn-lt"/>
+        <a:ea typeface="+mn-ea"/>
+        <a:cs typeface="+mn-cs"/>
+      </a:defRPr>
+    </a:lvl4pPr>
+    <a:lvl5pPr marL="1828800" algn="l" defTabSz="914400" rtl="0" eaLnBrk="1" latinLnBrk="0" hangingPunct="1">
+      <a:defRPr sz="1200" kern="1200">
+        <a:solidFill>
+          <a:schemeClr val="tx1"/>
+        </a:solidFill>
+        <a:latin typeface="+mn-lt"/>
+        <a:ea typeface="+mn-ea"/>
+        <a:cs typeface="+mn-cs"/>
+      </a:defRPr>
+    </a:lvl5pPr>
+    <a:lvl6pPr marL="2286000" algn="l" defTabSz="914400" rtl="0" eaLnBrk="1" latinLnBrk="0" hangingPunct="1">
+      <a:defRPr sz="1200" kern="1200">
+        <a:solidFill>
+          <a:schemeClr val="tx1"/>
+        </a:solidFill>
+        <a:latin typeface="+mn-lt"/>
+        <a:ea typeface="+mn-ea"/>
+        <a:cs typeface="+mn-cs"/>
+      </a:defRPr>
+    </a:lvl6pPr>
+    <a:lvl7pPr marL="2743200" algn="l" defTabSz="914400" rtl="0" eaLnBrk="1" latinLnBrk="0" hangingPunct="1">
+      <a:defRPr sz="1200" kern="1200">
+        <a:solidFill>
+          <a:schemeClr val="tx1"/>
+        </a:solidFill>
+        <a:latin typeface="+mn-lt"/>
+        <a:ea typeface="+mn-ea"/>
+        <a:cs typeface="+mn-cs"/>
+      </a:defRPr>
+    </a:lvl7pPr>
+    <a:lvl8pPr marL="3200400" algn="l" defTabSz="914400" rtl="0" eaLnBrk="1" latinLnBrk="0" hangingPunct="1">
+      <a:defRPr sz="1200" kern="1200">
+        <a:solidFill>
+          <a:schemeClr val="tx1"/>
+        </a:solidFill>
+        <a:latin typeface="+mn-lt"/>
+        <a:ea typeface="+mn-ea"/>
+        <a:cs typeface="+mn-cs"/>
+      </a:defRPr>
+    </a:lvl8pPr>
+    <a:lvl9pPr marL="3657600" algn="l" defTabSz="914400" rtl="0" eaLnBrk="1" latinLnBrk="0" hangingPunct="1">
+      <a:defRPr sz="1200" kern="1200">
+        <a:solidFill>
+          <a:schemeClr val="tx1"/>
+        </a:solidFill>
+        <a:latin typeface="+mn-lt"/>
+        <a:ea typeface="+mn-ea"/>
+        <a:cs typeface="+mn-cs"/>
+      </a:defRPr>
+    </a:lvl9pPr>
+  </p:notesStyle>
+</p:notesMaster>
 </file>
 
 <file path=ppt/slideLayouts/slideLayout1.xml><?xml version="1.0" encoding="utf-8"?>
@@ -257,9 +622,9 @@
           <a:bodyPr/>
           <a:lstStyle/>
           <a:p>
-            <a:fld id="{57F62216-32F9-426E-A45A-6710B7277495}" type="datetimeFigureOut">
+            <a:fld id="{A10CA381-B139-4E16-A928-08183292F9DE}" type="datetime1">
               <a:rPr lang="en-US" smtClean="0"/>
-              <a:t>12/12/2019</a:t>
+              <a:t>12/14/2019</a:t>
             </a:fld>
             <a:endParaRPr lang="en-US"/>
           </a:p>
@@ -455,9 +820,9 @@
           <a:bodyPr/>
           <a:lstStyle/>
           <a:p>
-            <a:fld id="{57F62216-32F9-426E-A45A-6710B7277495}" type="datetimeFigureOut">
+            <a:fld id="{D9AA8FD2-9169-47E2-AF74-2BDF86DD8D35}" type="datetime1">
               <a:rPr lang="en-US" smtClean="0"/>
-              <a:t>12/12/2019</a:t>
+              <a:t>12/14/2019</a:t>
             </a:fld>
             <a:endParaRPr lang="en-US"/>
           </a:p>
@@ -663,9 +1028,9 @@
           <a:bodyPr/>
           <a:lstStyle/>
           <a:p>
-            <a:fld id="{57F62216-32F9-426E-A45A-6710B7277495}" type="datetimeFigureOut">
+            <a:fld id="{F416B42A-596E-4E7B-821E-1582733EBB1A}" type="datetime1">
               <a:rPr lang="en-US" smtClean="0"/>
-              <a:t>12/12/2019</a:t>
+              <a:t>12/14/2019</a:t>
             </a:fld>
             <a:endParaRPr lang="en-US"/>
           </a:p>
@@ -861,9 +1226,9 @@
           <a:bodyPr/>
           <a:lstStyle/>
           <a:p>
-            <a:fld id="{57F62216-32F9-426E-A45A-6710B7277495}" type="datetimeFigureOut">
+            <a:fld id="{4F9C7E0D-DC84-40F6-9A20-1A84706C2C34}" type="datetime1">
               <a:rPr lang="en-US" smtClean="0"/>
-              <a:t>12/12/2019</a:t>
+              <a:t>12/14/2019</a:t>
             </a:fld>
             <a:endParaRPr lang="en-US"/>
           </a:p>
@@ -1136,9 +1501,9 @@
           <a:bodyPr/>
           <a:lstStyle/>
           <a:p>
-            <a:fld id="{57F62216-32F9-426E-A45A-6710B7277495}" type="datetimeFigureOut">
+            <a:fld id="{A9085993-A8E7-4809-9033-EB220E1967A8}" type="datetime1">
               <a:rPr lang="en-US" smtClean="0"/>
-              <a:t>12/12/2019</a:t>
+              <a:t>12/14/2019</a:t>
             </a:fld>
             <a:endParaRPr lang="en-US"/>
           </a:p>
@@ -1401,9 +1766,9 @@
           <a:bodyPr/>
           <a:lstStyle/>
           <a:p>
-            <a:fld id="{57F62216-32F9-426E-A45A-6710B7277495}" type="datetimeFigureOut">
+            <a:fld id="{580E8D9D-D7D7-4595-AFFD-D073E7645313}" type="datetime1">
               <a:rPr lang="en-US" smtClean="0"/>
-              <a:t>12/12/2019</a:t>
+              <a:t>12/14/2019</a:t>
             </a:fld>
             <a:endParaRPr lang="en-US"/>
           </a:p>
@@ -1813,9 +2178,9 @@
           <a:bodyPr/>
           <a:lstStyle/>
           <a:p>
-            <a:fld id="{57F62216-32F9-426E-A45A-6710B7277495}" type="datetimeFigureOut">
+            <a:fld id="{65A45E80-717F-4C7B-90D1-B19E504A582D}" type="datetime1">
               <a:rPr lang="en-US" smtClean="0"/>
-              <a:t>12/12/2019</a:t>
+              <a:t>12/14/2019</a:t>
             </a:fld>
             <a:endParaRPr lang="en-US"/>
           </a:p>
@@ -1954,9 +2319,9 @@
           <a:bodyPr/>
           <a:lstStyle/>
           <a:p>
-            <a:fld id="{57F62216-32F9-426E-A45A-6710B7277495}" type="datetimeFigureOut">
+            <a:fld id="{2D76657A-3579-4048-B940-26EE3FC47A42}" type="datetime1">
               <a:rPr lang="en-US" smtClean="0"/>
-              <a:t>12/12/2019</a:t>
+              <a:t>12/14/2019</a:t>
             </a:fld>
             <a:endParaRPr lang="en-US"/>
           </a:p>
@@ -2067,9 +2432,9 @@
           <a:bodyPr/>
           <a:lstStyle/>
           <a:p>
-            <a:fld id="{57F62216-32F9-426E-A45A-6710B7277495}" type="datetimeFigureOut">
+            <a:fld id="{1DB9918F-D88C-4D0F-9127-DAE6783C63D2}" type="datetime1">
               <a:rPr lang="en-US" smtClean="0"/>
-              <a:t>12/12/2019</a:t>
+              <a:t>12/14/2019</a:t>
             </a:fld>
             <a:endParaRPr lang="en-US"/>
           </a:p>
@@ -2378,9 +2743,9 @@
           <a:bodyPr/>
           <a:lstStyle/>
           <a:p>
-            <a:fld id="{57F62216-32F9-426E-A45A-6710B7277495}" type="datetimeFigureOut">
+            <a:fld id="{E3862A6D-A955-42D3-8A02-594949CE09BC}" type="datetime1">
               <a:rPr lang="en-US" smtClean="0"/>
-              <a:t>12/12/2019</a:t>
+              <a:t>12/14/2019</a:t>
             </a:fld>
             <a:endParaRPr lang="en-US"/>
           </a:p>
@@ -2666,9 +3031,9 @@
           <a:bodyPr/>
           <a:lstStyle/>
           <a:p>
-            <a:fld id="{57F62216-32F9-426E-A45A-6710B7277495}" type="datetimeFigureOut">
+            <a:fld id="{75530253-CB0A-4132-B57C-A0E36D8563AE}" type="datetime1">
               <a:rPr lang="en-US" smtClean="0"/>
-              <a:t>12/12/2019</a:t>
+              <a:t>12/14/2019</a:t>
             </a:fld>
             <a:endParaRPr lang="en-US"/>
           </a:p>
@@ -2745,9 +3110,12 @@
 <p:sldMaster xmlns:a="http://schemas.openxmlformats.org/drawingml/2006/main" xmlns:r="http://schemas.openxmlformats.org/officeDocument/2006/relationships" xmlns:p="http://schemas.openxmlformats.org/presentationml/2006/main">
   <p:cSld>
     <p:bg>
-      <p:bgRef idx="1001">
-        <a:schemeClr val="bg1"/>
-      </p:bgRef>
+      <p:bgPr>
+        <a:solidFill>
+          <a:srgbClr val="1B1B1B"/>
+        </a:solidFill>
+        <a:effectLst/>
+      </p:bgPr>
     </p:bg>
     <p:spTree>
       <p:nvGrpSpPr>
@@ -2907,9 +3275,9 @@
             </a:lvl1pPr>
           </a:lstStyle>
           <a:p>
-            <a:fld id="{57F62216-32F9-426E-A45A-6710B7277495}" type="datetimeFigureOut">
+            <a:fld id="{6D978E2C-52DB-44FF-9256-976CD8513E61}" type="datetime1">
               <a:rPr lang="en-US" smtClean="0"/>
-              <a:t>12/12/2019</a:t>
+              <a:t>12/14/2019</a:t>
             </a:fld>
             <a:endParaRPr lang="en-US"/>
           </a:p>
@@ -3026,6 +3394,7 @@
     <p:sldLayoutId id="2147483658" r:id="rId10"/>
     <p:sldLayoutId id="2147483659" r:id="rId11"/>
   </p:sldLayoutIdLst>
+  <p:hf hdr="0" ftr="0" dt="0"/>
   <p:txStyles>
     <p:titleStyle>
       <a:lvl1pPr algn="l" defTabSz="914400" rtl="0" eaLnBrk="1" latinLnBrk="0" hangingPunct="1">
@@ -3312,14 +3681,6 @@
 <file path=ppt/slides/slide1.xml><?xml version="1.0" encoding="utf-8"?>
 <p:sld xmlns:a="http://schemas.openxmlformats.org/drawingml/2006/main" xmlns:r="http://schemas.openxmlformats.org/officeDocument/2006/relationships" xmlns:p="http://schemas.openxmlformats.org/presentationml/2006/main">
   <p:cSld>
-    <p:bg>
-      <p:bgPr>
-        <a:solidFill>
-          <a:srgbClr val="1B1B1B"/>
-        </a:solidFill>
-        <a:effectLst/>
-      </p:bgPr>
-    </p:bg>
     <p:spTree>
       <p:nvGrpSpPr>
         <p:cNvPr id="1" name=""/>
@@ -3367,10 +3728,29 @@
                 <a:solidFill>
                   <a:schemeClr val="bg1"/>
                 </a:solidFill>
-                <a:latin typeface="Times New Roman" panose="02020603050405020304" pitchFamily="18" charset="0"/>
-                <a:cs typeface="Times New Roman" panose="02020603050405020304" pitchFamily="18" charset="0"/>
-              </a:rPr>
-              <a:t>XÂY DỰNG WEBSITE XEM PHIM TRỰC TUYẾN VÀ DỊCH VỤ HOSTING</a:t>
+                <a:latin typeface="Arial" panose="020B0604020202020204" pitchFamily="34" charset="0"/>
+                <a:cs typeface="Arial" panose="020B0604020202020204" pitchFamily="34" charset="0"/>
+              </a:rPr>
+              <a:t>XÂY DỰNG WEBSITE </a:t>
+            </a:r>
+            <a:br>
+              <a:rPr lang="en-US" sz="5200" dirty="0">
+                <a:solidFill>
+                  <a:schemeClr val="bg1"/>
+                </a:solidFill>
+                <a:latin typeface="Arial" panose="020B0604020202020204" pitchFamily="34" charset="0"/>
+                <a:cs typeface="Arial" panose="020B0604020202020204" pitchFamily="34" charset="0"/>
+              </a:rPr>
+            </a:br>
+            <a:r>
+              <a:rPr lang="en-US" sz="5200" dirty="0">
+                <a:solidFill>
+                  <a:schemeClr val="bg1"/>
+                </a:solidFill>
+                <a:latin typeface="Arial" panose="020B0604020202020204" pitchFamily="34" charset="0"/>
+                <a:cs typeface="Arial" panose="020B0604020202020204" pitchFamily="34" charset="0"/>
+              </a:rPr>
+              <a:t>XEM PHIM TRỰC TUYẾN VÀ DỊCH VỤ HOSTING</a:t>
             </a:r>
           </a:p>
         </p:txBody>
@@ -3408,8 +3788,8 @@
                 <a:solidFill>
                   <a:schemeClr val="bg1"/>
                 </a:solidFill>
-                <a:latin typeface="Times New Roman" panose="02020603050405020304" pitchFamily="18" charset="0"/>
-                <a:cs typeface="Times New Roman" panose="02020603050405020304" pitchFamily="18" charset="0"/>
+                <a:latin typeface="Arial" panose="020B0604020202020204" pitchFamily="34" charset="0"/>
+                <a:cs typeface="Arial" panose="020B0604020202020204" pitchFamily="34" charset="0"/>
               </a:rPr>
               <a:t>Môn</a:t>
             </a:r>
@@ -3418,8 +3798,8 @@
                 <a:solidFill>
                   <a:schemeClr val="bg1"/>
                 </a:solidFill>
-                <a:latin typeface="Times New Roman" panose="02020603050405020304" pitchFamily="18" charset="0"/>
-                <a:cs typeface="Times New Roman" panose="02020603050405020304" pitchFamily="18" charset="0"/>
+                <a:latin typeface="Arial" panose="020B0604020202020204" pitchFamily="34" charset="0"/>
+                <a:cs typeface="Arial" panose="020B0604020202020204" pitchFamily="34" charset="0"/>
               </a:rPr>
               <a:t>: </a:t>
             </a:r>
@@ -3428,8 +3808,8 @@
                 <a:solidFill>
                   <a:schemeClr val="bg1"/>
                 </a:solidFill>
-                <a:latin typeface="Times New Roman" panose="02020603050405020304" pitchFamily="18" charset="0"/>
-                <a:cs typeface="Times New Roman" panose="02020603050405020304" pitchFamily="18" charset="0"/>
+                <a:latin typeface="Arial" panose="020B0604020202020204" pitchFamily="34" charset="0"/>
+                <a:cs typeface="Arial" panose="020B0604020202020204" pitchFamily="34" charset="0"/>
               </a:rPr>
               <a:t>Quản</a:t>
             </a:r>
@@ -3438,8 +3818,8 @@
                 <a:solidFill>
                   <a:schemeClr val="bg1"/>
                 </a:solidFill>
-                <a:latin typeface="Times New Roman" panose="02020603050405020304" pitchFamily="18" charset="0"/>
-                <a:cs typeface="Times New Roman" panose="02020603050405020304" pitchFamily="18" charset="0"/>
+                <a:latin typeface="Arial" panose="020B0604020202020204" pitchFamily="34" charset="0"/>
+                <a:cs typeface="Arial" panose="020B0604020202020204" pitchFamily="34" charset="0"/>
               </a:rPr>
               <a:t> </a:t>
             </a:r>
@@ -3448,8 +3828,8 @@
                 <a:solidFill>
                   <a:schemeClr val="bg1"/>
                 </a:solidFill>
-                <a:latin typeface="Times New Roman" panose="02020603050405020304" pitchFamily="18" charset="0"/>
-                <a:cs typeface="Times New Roman" panose="02020603050405020304" pitchFamily="18" charset="0"/>
+                <a:latin typeface="Arial" panose="020B0604020202020204" pitchFamily="34" charset="0"/>
+                <a:cs typeface="Arial" panose="020B0604020202020204" pitchFamily="34" charset="0"/>
               </a:rPr>
               <a:t>lý</a:t>
             </a:r>
@@ -3458,8 +3838,8 @@
                 <a:solidFill>
                   <a:schemeClr val="bg1"/>
                 </a:solidFill>
-                <a:latin typeface="Times New Roman" panose="02020603050405020304" pitchFamily="18" charset="0"/>
-                <a:cs typeface="Times New Roman" panose="02020603050405020304" pitchFamily="18" charset="0"/>
+                <a:latin typeface="Arial" panose="020B0604020202020204" pitchFamily="34" charset="0"/>
+                <a:cs typeface="Arial" panose="020B0604020202020204" pitchFamily="34" charset="0"/>
               </a:rPr>
               <a:t> </a:t>
             </a:r>
@@ -3468,8 +3848,8 @@
                 <a:solidFill>
                   <a:schemeClr val="bg1"/>
                 </a:solidFill>
-                <a:latin typeface="Times New Roman" panose="02020603050405020304" pitchFamily="18" charset="0"/>
-                <a:cs typeface="Times New Roman" panose="02020603050405020304" pitchFamily="18" charset="0"/>
+                <a:latin typeface="Arial" panose="020B0604020202020204" pitchFamily="34" charset="0"/>
+                <a:cs typeface="Arial" panose="020B0604020202020204" pitchFamily="34" charset="0"/>
               </a:rPr>
               <a:t>dự</a:t>
             </a:r>
@@ -3478,8 +3858,8 @@
                 <a:solidFill>
                   <a:schemeClr val="bg1"/>
                 </a:solidFill>
-                <a:latin typeface="Times New Roman" panose="02020603050405020304" pitchFamily="18" charset="0"/>
-                <a:cs typeface="Times New Roman" panose="02020603050405020304" pitchFamily="18" charset="0"/>
+                <a:latin typeface="Arial" panose="020B0604020202020204" pitchFamily="34" charset="0"/>
+                <a:cs typeface="Arial" panose="020B0604020202020204" pitchFamily="34" charset="0"/>
               </a:rPr>
               <a:t> </a:t>
             </a:r>
@@ -3488,8 +3868,8 @@
                 <a:solidFill>
                   <a:schemeClr val="bg1"/>
                 </a:solidFill>
-                <a:latin typeface="Times New Roman" panose="02020603050405020304" pitchFamily="18" charset="0"/>
-                <a:cs typeface="Times New Roman" panose="02020603050405020304" pitchFamily="18" charset="0"/>
+                <a:latin typeface="Arial" panose="020B0604020202020204" pitchFamily="34" charset="0"/>
+                <a:cs typeface="Arial" panose="020B0604020202020204" pitchFamily="34" charset="0"/>
               </a:rPr>
               <a:t>án</a:t>
             </a:r>
@@ -3497,8 +3877,8 @@
               <a:solidFill>
                 <a:schemeClr val="bg1"/>
               </a:solidFill>
-              <a:latin typeface="Times New Roman" panose="02020603050405020304" pitchFamily="18" charset="0"/>
-              <a:cs typeface="Times New Roman" panose="02020603050405020304" pitchFamily="18" charset="0"/>
+              <a:latin typeface="Arial" panose="020B0604020202020204" pitchFamily="34" charset="0"/>
+              <a:cs typeface="Arial" panose="020B0604020202020204" pitchFamily="34" charset="0"/>
             </a:endParaRPr>
           </a:p>
         </p:txBody>
@@ -3540,8 +3920,8 @@
                 <a:solidFill>
                   <a:schemeClr val="bg1"/>
                 </a:solidFill>
-                <a:latin typeface="Times New Roman" panose="02020603050405020304" pitchFamily="18" charset="0"/>
-                <a:cs typeface="Times New Roman" panose="02020603050405020304" pitchFamily="18" charset="0"/>
+                <a:latin typeface="Arial" panose="020B0604020202020204" pitchFamily="34" charset="0"/>
+                <a:cs typeface="Arial" panose="020B0604020202020204" pitchFamily="34" charset="0"/>
               </a:rPr>
               <a:t>Lâm</a:t>
             </a:r>
@@ -3550,8 +3930,8 @@
                 <a:solidFill>
                   <a:schemeClr val="bg1"/>
                 </a:solidFill>
-                <a:latin typeface="Times New Roman" panose="02020603050405020304" pitchFamily="18" charset="0"/>
-                <a:cs typeface="Times New Roman" panose="02020603050405020304" pitchFamily="18" charset="0"/>
+                <a:latin typeface="Arial" panose="020B0604020202020204" pitchFamily="34" charset="0"/>
+                <a:cs typeface="Arial" panose="020B0604020202020204" pitchFamily="34" charset="0"/>
               </a:rPr>
               <a:t> </a:t>
             </a:r>
@@ -3560,8 +3940,8 @@
                 <a:solidFill>
                   <a:schemeClr val="bg1"/>
                 </a:solidFill>
-                <a:latin typeface="Times New Roman" panose="02020603050405020304" pitchFamily="18" charset="0"/>
-                <a:cs typeface="Times New Roman" panose="02020603050405020304" pitchFamily="18" charset="0"/>
+                <a:latin typeface="Arial" panose="020B0604020202020204" pitchFamily="34" charset="0"/>
+                <a:cs typeface="Arial" panose="020B0604020202020204" pitchFamily="34" charset="0"/>
               </a:rPr>
               <a:t>Thế</a:t>
             </a:r>
@@ -3570,10 +3950,10 @@
                 <a:solidFill>
                   <a:schemeClr val="bg1"/>
                 </a:solidFill>
-                <a:latin typeface="Times New Roman" panose="02020603050405020304" pitchFamily="18" charset="0"/>
-                <a:cs typeface="Times New Roman" panose="02020603050405020304" pitchFamily="18" charset="0"/>
-              </a:rPr>
-              <a:t> Vinh		16110523</a:t>
+                <a:latin typeface="Arial" panose="020B0604020202020204" pitchFamily="34" charset="0"/>
+                <a:cs typeface="Arial" panose="020B0604020202020204" pitchFamily="34" charset="0"/>
+              </a:rPr>
+              <a:t> Vinh	16110523</a:t>
             </a:r>
           </a:p>
           <a:p>
@@ -3586,8 +3966,8 @@
                 <a:solidFill>
                   <a:schemeClr val="bg1"/>
                 </a:solidFill>
-                <a:latin typeface="Times New Roman" panose="02020603050405020304" pitchFamily="18" charset="0"/>
-                <a:cs typeface="Times New Roman" panose="02020603050405020304" pitchFamily="18" charset="0"/>
+                <a:latin typeface="Arial" panose="020B0604020202020204" pitchFamily="34" charset="0"/>
+                <a:cs typeface="Arial" panose="020B0604020202020204" pitchFamily="34" charset="0"/>
               </a:rPr>
               <a:t>Nguyễn</a:t>
             </a:r>
@@ -3596,8 +3976,8 @@
                 <a:solidFill>
                   <a:schemeClr val="bg1"/>
                 </a:solidFill>
-                <a:latin typeface="Times New Roman" panose="02020603050405020304" pitchFamily="18" charset="0"/>
-                <a:cs typeface="Times New Roman" panose="02020603050405020304" pitchFamily="18" charset="0"/>
+                <a:latin typeface="Arial" panose="020B0604020202020204" pitchFamily="34" charset="0"/>
+                <a:cs typeface="Arial" panose="020B0604020202020204" pitchFamily="34" charset="0"/>
               </a:rPr>
               <a:t> </a:t>
             </a:r>
@@ -3606,8 +3986,8 @@
                 <a:solidFill>
                   <a:schemeClr val="bg1"/>
                 </a:solidFill>
-                <a:latin typeface="Times New Roman" panose="02020603050405020304" pitchFamily="18" charset="0"/>
-                <a:cs typeface="Times New Roman" panose="02020603050405020304" pitchFamily="18" charset="0"/>
+                <a:latin typeface="Arial" panose="020B0604020202020204" pitchFamily="34" charset="0"/>
+                <a:cs typeface="Arial" panose="020B0604020202020204" pitchFamily="34" charset="0"/>
               </a:rPr>
               <a:t>Bá</a:t>
             </a:r>
@@ -3616,8 +3996,8 @@
                 <a:solidFill>
                   <a:schemeClr val="bg1"/>
                 </a:solidFill>
-                <a:latin typeface="Times New Roman" panose="02020603050405020304" pitchFamily="18" charset="0"/>
-                <a:cs typeface="Times New Roman" panose="02020603050405020304" pitchFamily="18" charset="0"/>
+                <a:latin typeface="Arial" panose="020B0604020202020204" pitchFamily="34" charset="0"/>
+                <a:cs typeface="Arial" panose="020B0604020202020204" pitchFamily="34" charset="0"/>
               </a:rPr>
               <a:t> </a:t>
             </a:r>
@@ -3626,8 +4006,8 @@
                 <a:solidFill>
                   <a:schemeClr val="bg1"/>
                 </a:solidFill>
-                <a:latin typeface="Times New Roman" panose="02020603050405020304" pitchFamily="18" charset="0"/>
-                <a:cs typeface="Times New Roman" panose="02020603050405020304" pitchFamily="18" charset="0"/>
+                <a:latin typeface="Arial" panose="020B0604020202020204" pitchFamily="34" charset="0"/>
+                <a:cs typeface="Arial" panose="020B0604020202020204" pitchFamily="34" charset="0"/>
               </a:rPr>
               <a:t>Thuận</a:t>
             </a:r>
@@ -3636,8 +4016,8 @@
                 <a:solidFill>
                   <a:schemeClr val="bg1"/>
                 </a:solidFill>
-                <a:latin typeface="Times New Roman" panose="02020603050405020304" pitchFamily="18" charset="0"/>
-                <a:cs typeface="Times New Roman" panose="02020603050405020304" pitchFamily="18" charset="0"/>
+                <a:latin typeface="Arial" panose="020B0604020202020204" pitchFamily="34" charset="0"/>
+                <a:cs typeface="Arial" panose="020B0604020202020204" pitchFamily="34" charset="0"/>
               </a:rPr>
               <a:t>	</a:t>
             </a:r>
@@ -3652,8 +4032,8 @@
                 <a:solidFill>
                   <a:schemeClr val="bg1"/>
                 </a:solidFill>
-                <a:latin typeface="Times New Roman" panose="02020603050405020304" pitchFamily="18" charset="0"/>
-                <a:cs typeface="Times New Roman" panose="02020603050405020304" pitchFamily="18" charset="0"/>
+                <a:latin typeface="Arial" panose="020B0604020202020204" pitchFamily="34" charset="0"/>
+                <a:cs typeface="Arial" panose="020B0604020202020204" pitchFamily="34" charset="0"/>
               </a:rPr>
               <a:t>Trần</a:t>
             </a:r>
@@ -3662,8 +4042,8 @@
                 <a:solidFill>
                   <a:schemeClr val="bg1"/>
                 </a:solidFill>
-                <a:latin typeface="Times New Roman" panose="02020603050405020304" pitchFamily="18" charset="0"/>
-                <a:cs typeface="Times New Roman" panose="02020603050405020304" pitchFamily="18" charset="0"/>
+                <a:latin typeface="Arial" panose="020B0604020202020204" pitchFamily="34" charset="0"/>
+                <a:cs typeface="Arial" panose="020B0604020202020204" pitchFamily="34" charset="0"/>
               </a:rPr>
               <a:t> </a:t>
             </a:r>
@@ -3672,8 +4052,8 @@
                 <a:solidFill>
                   <a:schemeClr val="bg1"/>
                 </a:solidFill>
-                <a:latin typeface="Times New Roman" panose="02020603050405020304" pitchFamily="18" charset="0"/>
-                <a:cs typeface="Times New Roman" panose="02020603050405020304" pitchFamily="18" charset="0"/>
+                <a:latin typeface="Arial" panose="020B0604020202020204" pitchFamily="34" charset="0"/>
+                <a:cs typeface="Arial" panose="020B0604020202020204" pitchFamily="34" charset="0"/>
               </a:rPr>
               <a:t>Phát</a:t>
             </a:r>
@@ -3682,8 +4062,8 @@
                 <a:solidFill>
                   <a:schemeClr val="bg1"/>
                 </a:solidFill>
-                <a:latin typeface="Times New Roman" panose="02020603050405020304" pitchFamily="18" charset="0"/>
-                <a:cs typeface="Times New Roman" panose="02020603050405020304" pitchFamily="18" charset="0"/>
+                <a:latin typeface="Arial" panose="020B0604020202020204" pitchFamily="34" charset="0"/>
+                <a:cs typeface="Arial" panose="020B0604020202020204" pitchFamily="34" charset="0"/>
               </a:rPr>
               <a:t> H</a:t>
             </a:r>
@@ -3692,8 +4072,8 @@
                 <a:solidFill>
                   <a:schemeClr val="bg1"/>
                 </a:solidFill>
-                <a:latin typeface="Times New Roman" panose="02020603050405020304" pitchFamily="18" charset="0"/>
-                <a:cs typeface="Times New Roman" panose="02020603050405020304" pitchFamily="18" charset="0"/>
+                <a:latin typeface="Arial" panose="020B0604020202020204" pitchFamily="34" charset="0"/>
+                <a:cs typeface="Arial" panose="020B0604020202020204" pitchFamily="34" charset="0"/>
               </a:rPr>
               <a:t>ư</a:t>
             </a:r>
@@ -3702,8 +4082,8 @@
                 <a:solidFill>
                   <a:schemeClr val="bg1"/>
                 </a:solidFill>
-                <a:latin typeface="Times New Roman" panose="02020603050405020304" pitchFamily="18" charset="0"/>
-                <a:cs typeface="Times New Roman" panose="02020603050405020304" pitchFamily="18" charset="0"/>
+                <a:latin typeface="Arial" panose="020B0604020202020204" pitchFamily="34" charset="0"/>
+                <a:cs typeface="Arial" panose="020B0604020202020204" pitchFamily="34" charset="0"/>
               </a:rPr>
               <a:t>ng	16110350</a:t>
             </a:r>
@@ -3743,8 +4123,8 @@
                 <a:solidFill>
                   <a:schemeClr val="bg1"/>
                 </a:solidFill>
-                <a:latin typeface="Times New Roman" panose="02020603050405020304" pitchFamily="18" charset="0"/>
-                <a:cs typeface="Times New Roman" panose="02020603050405020304" pitchFamily="18" charset="0"/>
+                <a:latin typeface="Arial" panose="020B0604020202020204" pitchFamily="34" charset="0"/>
+                <a:cs typeface="Arial" panose="020B0604020202020204" pitchFamily="34" charset="0"/>
               </a:rPr>
               <a:t>GVHD: </a:t>
             </a:r>
@@ -3753,8 +4133,8 @@
                 <a:solidFill>
                   <a:schemeClr val="bg1"/>
                 </a:solidFill>
-                <a:latin typeface="Times New Roman" panose="02020603050405020304" pitchFamily="18" charset="0"/>
-                <a:cs typeface="Times New Roman" panose="02020603050405020304" pitchFamily="18" charset="0"/>
+                <a:latin typeface="Arial" panose="020B0604020202020204" pitchFamily="34" charset="0"/>
+                <a:cs typeface="Arial" panose="020B0604020202020204" pitchFamily="34" charset="0"/>
               </a:rPr>
               <a:t>Thầy</a:t>
             </a:r>
@@ -3763,8 +4143,8 @@
                 <a:solidFill>
                   <a:schemeClr val="bg1"/>
                 </a:solidFill>
-                <a:latin typeface="Times New Roman" panose="02020603050405020304" pitchFamily="18" charset="0"/>
-                <a:cs typeface="Times New Roman" panose="02020603050405020304" pitchFamily="18" charset="0"/>
+                <a:latin typeface="Arial" panose="020B0604020202020204" pitchFamily="34" charset="0"/>
+                <a:cs typeface="Arial" panose="020B0604020202020204" pitchFamily="34" charset="0"/>
               </a:rPr>
               <a:t> </a:t>
             </a:r>
@@ -3773,8 +4153,8 @@
                 <a:solidFill>
                   <a:schemeClr val="bg1"/>
                 </a:solidFill>
-                <a:latin typeface="Times New Roman" panose="02020603050405020304" pitchFamily="18" charset="0"/>
-                <a:cs typeface="Times New Roman" panose="02020603050405020304" pitchFamily="18" charset="0"/>
+                <a:latin typeface="Arial" panose="020B0604020202020204" pitchFamily="34" charset="0"/>
+                <a:cs typeface="Arial" panose="020B0604020202020204" pitchFamily="34" charset="0"/>
               </a:rPr>
               <a:t>Hoàng</a:t>
             </a:r>
@@ -3783,11 +4163,40 @@
                 <a:solidFill>
                   <a:schemeClr val="bg1"/>
                 </a:solidFill>
-                <a:latin typeface="Times New Roman" panose="02020603050405020304" pitchFamily="18" charset="0"/>
-                <a:cs typeface="Times New Roman" panose="02020603050405020304" pitchFamily="18" charset="0"/>
+                <a:latin typeface="Arial" panose="020B0604020202020204" pitchFamily="34" charset="0"/>
+                <a:cs typeface="Arial" panose="020B0604020202020204" pitchFamily="34" charset="0"/>
               </a:rPr>
               <a:t> Long</a:t>
             </a:r>
+          </a:p>
+        </p:txBody>
+      </p:sp>
+      <p:sp>
+        <p:nvSpPr>
+          <p:cNvPr id="6" name="Slide Number Placeholder 5">
+            <a:extLst>
+              <a:ext uri="{FF2B5EF4-FFF2-40B4-BE49-F238E27FC236}">
+                <a16:creationId xmlns:a16="http://schemas.microsoft.com/office/drawing/2014/main" id="{31DA3EA3-EAD9-49F4-B69C-1E6B95C4637B}"/>
+              </a:ext>
+            </a:extLst>
+          </p:cNvPr>
+          <p:cNvSpPr>
+            <a:spLocks noGrp="1"/>
+          </p:cNvSpPr>
+          <p:nvPr>
+            <p:ph type="sldNum" sz="quarter" idx="12"/>
+          </p:nvPr>
+        </p:nvSpPr>
+        <p:spPr/>
+        <p:txBody>
+          <a:bodyPr/>
+          <a:lstStyle/>
+          <a:p>
+            <a:fld id="{06BD3093-E1A9-4AD5-AE9A-BCF471067984}" type="slidenum">
+              <a:rPr lang="en-US" smtClean="0"/>
+              <a:t>1</a:t>
+            </a:fld>
+            <a:endParaRPr lang="en-US"/>
           </a:p>
         </p:txBody>
       </p:sp>
@@ -3804,17 +4213,9 @@
 </p:sld>
 </file>
 
-<file path=ppt/slides/slide2.xml><?xml version="1.0" encoding="utf-8"?>
+<file path=ppt/slides/slide10.xml><?xml version="1.0" encoding="utf-8"?>
 <p:sld xmlns:a="http://schemas.openxmlformats.org/drawingml/2006/main" xmlns:r="http://schemas.openxmlformats.org/officeDocument/2006/relationships" xmlns:p="http://schemas.openxmlformats.org/presentationml/2006/main">
   <p:cSld>
-    <p:bg>
-      <p:bgPr>
-        <a:solidFill>
-          <a:srgbClr val="1B1B1B"/>
-        </a:solidFill>
-        <a:effectLst/>
-      </p:bgPr>
-    </p:bg>
     <p:spTree>
       <p:nvGrpSpPr>
         <p:cNvPr id="1" name=""/>
@@ -3847,8 +4248,8 @@
         </p:nvSpPr>
         <p:spPr>
           <a:xfrm>
-            <a:off x="665871" y="587791"/>
-            <a:ext cx="1739704" cy="481354"/>
+            <a:off x="457200" y="363923"/>
+            <a:ext cx="11277600" cy="481354"/>
           </a:xfrm>
         </p:spPr>
         <p:txBody>
@@ -3863,8 +4264,929 @@
                 <a:solidFill>
                   <a:schemeClr val="bg1"/>
                 </a:solidFill>
-                <a:latin typeface="Times New Roman" panose="02020603050405020304" pitchFamily="18" charset="0"/>
-                <a:cs typeface="Times New Roman" panose="02020603050405020304" pitchFamily="18" charset="0"/>
+                <a:latin typeface="Arial" panose="020B0604020202020204" pitchFamily="34" charset="0"/>
+                <a:cs typeface="Arial" panose="020B0604020202020204" pitchFamily="34" charset="0"/>
+              </a:rPr>
+              <a:t>Phân</a:t>
+            </a:r>
+            <a:r>
+              <a:rPr lang="en-US" sz="3200" dirty="0">
+                <a:solidFill>
+                  <a:schemeClr val="bg1"/>
+                </a:solidFill>
+                <a:latin typeface="Arial" panose="020B0604020202020204" pitchFamily="34" charset="0"/>
+                <a:cs typeface="Arial" panose="020B0604020202020204" pitchFamily="34" charset="0"/>
+              </a:rPr>
+              <a:t> </a:t>
+            </a:r>
+            <a:r>
+              <a:rPr lang="en-US" sz="3200" dirty="0" err="1">
+                <a:solidFill>
+                  <a:schemeClr val="bg1"/>
+                </a:solidFill>
+                <a:latin typeface="Arial" panose="020B0604020202020204" pitchFamily="34" charset="0"/>
+                <a:cs typeface="Arial" panose="020B0604020202020204" pitchFamily="34" charset="0"/>
+              </a:rPr>
+              <a:t>phối</a:t>
+            </a:r>
+            <a:r>
+              <a:rPr lang="en-US" sz="3200" dirty="0">
+                <a:solidFill>
+                  <a:schemeClr val="bg1"/>
+                </a:solidFill>
+                <a:latin typeface="Arial" panose="020B0604020202020204" pitchFamily="34" charset="0"/>
+                <a:cs typeface="Arial" panose="020B0604020202020204" pitchFamily="34" charset="0"/>
+              </a:rPr>
+              <a:t> </a:t>
+            </a:r>
+            <a:r>
+              <a:rPr lang="en-US" sz="3200" dirty="0" err="1">
+                <a:solidFill>
+                  <a:schemeClr val="bg1"/>
+                </a:solidFill>
+                <a:latin typeface="Arial" panose="020B0604020202020204" pitchFamily="34" charset="0"/>
+                <a:cs typeface="Arial" panose="020B0604020202020204" pitchFamily="34" charset="0"/>
+              </a:rPr>
+              <a:t>thời</a:t>
+            </a:r>
+            <a:r>
+              <a:rPr lang="en-US" sz="3200" dirty="0">
+                <a:solidFill>
+                  <a:schemeClr val="bg1"/>
+                </a:solidFill>
+                <a:latin typeface="Arial" panose="020B0604020202020204" pitchFamily="34" charset="0"/>
+                <a:cs typeface="Arial" panose="020B0604020202020204" pitchFamily="34" charset="0"/>
+              </a:rPr>
+              <a:t> </a:t>
+            </a:r>
+            <a:r>
+              <a:rPr lang="en-US" sz="3200" dirty="0" err="1">
+                <a:solidFill>
+                  <a:schemeClr val="bg1"/>
+                </a:solidFill>
+                <a:latin typeface="Arial" panose="020B0604020202020204" pitchFamily="34" charset="0"/>
+                <a:cs typeface="Arial" panose="020B0604020202020204" pitchFamily="34" charset="0"/>
+              </a:rPr>
+              <a:t>gian</a:t>
+            </a:r>
+            <a:endParaRPr lang="en-US" sz="3200" dirty="0">
+              <a:solidFill>
+                <a:schemeClr val="bg1"/>
+              </a:solidFill>
+              <a:latin typeface="Arial" panose="020B0604020202020204" pitchFamily="34" charset="0"/>
+              <a:cs typeface="Arial" panose="020B0604020202020204" pitchFamily="34" charset="0"/>
+            </a:endParaRPr>
+          </a:p>
+        </p:txBody>
+      </p:sp>
+      <p:pic>
+        <p:nvPicPr>
+          <p:cNvPr id="4" name="Picture 3">
+            <a:extLst>
+              <a:ext uri="{FF2B5EF4-FFF2-40B4-BE49-F238E27FC236}">
+                <a16:creationId xmlns:a16="http://schemas.microsoft.com/office/drawing/2014/main" id="{CE541422-2664-48D3-8F94-9878137D5C16}"/>
+              </a:ext>
+            </a:extLst>
+          </p:cNvPr>
+          <p:cNvPicPr>
+            <a:picLocks noChangeAspect="1"/>
+          </p:cNvPicPr>
+          <p:nvPr/>
+        </p:nvPicPr>
+        <p:blipFill>
+          <a:blip r:embed="rId2">
+            <a:extLst>
+              <a:ext uri="{28A0092B-C50C-407E-A947-70E740481C1C}">
+                <a14:useLocalDpi xmlns:a14="http://schemas.microsoft.com/office/drawing/2010/main" val="0"/>
+              </a:ext>
+            </a:extLst>
+          </a:blip>
+          <a:stretch>
+            <a:fillRect/>
+          </a:stretch>
+        </p:blipFill>
+        <p:spPr>
+          <a:xfrm>
+            <a:off x="3728707" y="1085523"/>
+            <a:ext cx="4734586" cy="4686954"/>
+          </a:xfrm>
+          <a:prstGeom prst="rect">
+            <a:avLst/>
+          </a:prstGeom>
+        </p:spPr>
+      </p:pic>
+      <p:pic>
+        <p:nvPicPr>
+          <p:cNvPr id="7" name="Picture 6">
+            <a:extLst>
+              <a:ext uri="{FF2B5EF4-FFF2-40B4-BE49-F238E27FC236}">
+                <a16:creationId xmlns:a16="http://schemas.microsoft.com/office/drawing/2014/main" id="{09A681DD-4E22-4852-AEC8-B9C8F9F975FA}"/>
+              </a:ext>
+            </a:extLst>
+          </p:cNvPr>
+          <p:cNvPicPr>
+            <a:picLocks noChangeAspect="1"/>
+          </p:cNvPicPr>
+          <p:nvPr/>
+        </p:nvPicPr>
+        <p:blipFill>
+          <a:blip r:embed="rId3">
+            <a:extLst>
+              <a:ext uri="{28A0092B-C50C-407E-A947-70E740481C1C}">
+                <a14:useLocalDpi xmlns:a14="http://schemas.microsoft.com/office/drawing/2010/main" val="0"/>
+              </a:ext>
+            </a:extLst>
+          </a:blip>
+          <a:stretch>
+            <a:fillRect/>
+          </a:stretch>
+        </p:blipFill>
+        <p:spPr>
+          <a:xfrm>
+            <a:off x="3728708" y="5775703"/>
+            <a:ext cx="4734586" cy="320669"/>
+          </a:xfrm>
+          <a:prstGeom prst="rect">
+            <a:avLst/>
+          </a:prstGeom>
+        </p:spPr>
+      </p:pic>
+      <p:sp>
+        <p:nvSpPr>
+          <p:cNvPr id="8" name="Slide Number Placeholder 7">
+            <a:extLst>
+              <a:ext uri="{FF2B5EF4-FFF2-40B4-BE49-F238E27FC236}">
+                <a16:creationId xmlns:a16="http://schemas.microsoft.com/office/drawing/2014/main" id="{E0FD14C3-655F-4198-ACF6-EEA793F20D2A}"/>
+              </a:ext>
+            </a:extLst>
+          </p:cNvPr>
+          <p:cNvSpPr>
+            <a:spLocks noGrp="1"/>
+          </p:cNvSpPr>
+          <p:nvPr>
+            <p:ph type="sldNum" sz="quarter" idx="12"/>
+          </p:nvPr>
+        </p:nvSpPr>
+        <p:spPr/>
+        <p:txBody>
+          <a:bodyPr/>
+          <a:lstStyle/>
+          <a:p>
+            <a:fld id="{06BD3093-E1A9-4AD5-AE9A-BCF471067984}" type="slidenum">
+              <a:rPr lang="en-US" smtClean="0"/>
+              <a:t>10</a:t>
+            </a:fld>
+            <a:endParaRPr lang="en-US"/>
+          </a:p>
+        </p:txBody>
+      </p:sp>
+    </p:spTree>
+    <p:extLst>
+      <p:ext uri="{BB962C8B-B14F-4D97-AF65-F5344CB8AC3E}">
+        <p14:creationId xmlns:p14="http://schemas.microsoft.com/office/powerpoint/2010/main" val="182367032"/>
+      </p:ext>
+    </p:extLst>
+  </p:cSld>
+  <p:clrMapOvr>
+    <a:masterClrMapping/>
+  </p:clrMapOvr>
+</p:sld>
+</file>
+
+<file path=ppt/slides/slide11.xml><?xml version="1.0" encoding="utf-8"?>
+<p:sld xmlns:a="http://schemas.openxmlformats.org/drawingml/2006/main" xmlns:r="http://schemas.openxmlformats.org/officeDocument/2006/relationships" xmlns:p="http://schemas.openxmlformats.org/presentationml/2006/main">
+  <p:cSld>
+    <p:spTree>
+      <p:nvGrpSpPr>
+        <p:cNvPr id="1" name=""/>
+        <p:cNvGrpSpPr/>
+        <p:nvPr/>
+      </p:nvGrpSpPr>
+      <p:grpSpPr>
+        <a:xfrm>
+          <a:off x="0" y="0"/>
+          <a:ext cx="0" cy="0"/>
+          <a:chOff x="0" y="0"/>
+          <a:chExt cx="0" cy="0"/>
+        </a:xfrm>
+      </p:grpSpPr>
+      <p:sp>
+        <p:nvSpPr>
+          <p:cNvPr id="2" name="Title 1">
+            <a:extLst>
+              <a:ext uri="{FF2B5EF4-FFF2-40B4-BE49-F238E27FC236}">
+                <a16:creationId xmlns:a16="http://schemas.microsoft.com/office/drawing/2014/main" id="{9925B72B-B7F7-4789-AA83-C077DC0F3014}"/>
+              </a:ext>
+            </a:extLst>
+          </p:cNvPr>
+          <p:cNvSpPr>
+            <a:spLocks noGrp="1"/>
+          </p:cNvSpPr>
+          <p:nvPr>
+            <p:ph type="ctrTitle"/>
+          </p:nvPr>
+        </p:nvSpPr>
+        <p:spPr>
+          <a:xfrm>
+            <a:off x="457200" y="363923"/>
+            <a:ext cx="11277600" cy="481354"/>
+          </a:xfrm>
+        </p:spPr>
+        <p:txBody>
+          <a:bodyPr>
+            <a:noAutofit/>
+          </a:bodyPr>
+          <a:lstStyle/>
+          <a:p>
+            <a:pPr algn="l"/>
+            <a:r>
+              <a:rPr lang="en-US" sz="3200" dirty="0" err="1">
+                <a:solidFill>
+                  <a:schemeClr val="bg1"/>
+                </a:solidFill>
+                <a:latin typeface="Arial" panose="020B0604020202020204" pitchFamily="34" charset="0"/>
+                <a:cs typeface="Arial" panose="020B0604020202020204" pitchFamily="34" charset="0"/>
+              </a:rPr>
+              <a:t>Phân</a:t>
+            </a:r>
+            <a:r>
+              <a:rPr lang="en-US" sz="3200" dirty="0">
+                <a:solidFill>
+                  <a:schemeClr val="bg1"/>
+                </a:solidFill>
+                <a:latin typeface="Arial" panose="020B0604020202020204" pitchFamily="34" charset="0"/>
+                <a:cs typeface="Arial" panose="020B0604020202020204" pitchFamily="34" charset="0"/>
+              </a:rPr>
+              <a:t> </a:t>
+            </a:r>
+            <a:r>
+              <a:rPr lang="en-US" sz="3200" dirty="0" err="1">
+                <a:solidFill>
+                  <a:schemeClr val="bg1"/>
+                </a:solidFill>
+                <a:latin typeface="Arial" panose="020B0604020202020204" pitchFamily="34" charset="0"/>
+                <a:cs typeface="Arial" panose="020B0604020202020204" pitchFamily="34" charset="0"/>
+              </a:rPr>
+              <a:t>phối</a:t>
+            </a:r>
+            <a:r>
+              <a:rPr lang="en-US" sz="3200" dirty="0">
+                <a:solidFill>
+                  <a:schemeClr val="bg1"/>
+                </a:solidFill>
+                <a:latin typeface="Arial" panose="020B0604020202020204" pitchFamily="34" charset="0"/>
+                <a:cs typeface="Arial" panose="020B0604020202020204" pitchFamily="34" charset="0"/>
+              </a:rPr>
+              <a:t> </a:t>
+            </a:r>
+            <a:r>
+              <a:rPr lang="en-US" sz="3200" dirty="0" err="1">
+                <a:solidFill>
+                  <a:schemeClr val="bg1"/>
+                </a:solidFill>
+                <a:latin typeface="Arial" panose="020B0604020202020204" pitchFamily="34" charset="0"/>
+                <a:cs typeface="Arial" panose="020B0604020202020204" pitchFamily="34" charset="0"/>
+              </a:rPr>
+              <a:t>nguồn</a:t>
+            </a:r>
+            <a:r>
+              <a:rPr lang="en-US" sz="3200" dirty="0">
+                <a:solidFill>
+                  <a:schemeClr val="bg1"/>
+                </a:solidFill>
+                <a:latin typeface="Arial" panose="020B0604020202020204" pitchFamily="34" charset="0"/>
+                <a:cs typeface="Arial" panose="020B0604020202020204" pitchFamily="34" charset="0"/>
+              </a:rPr>
+              <a:t> </a:t>
+            </a:r>
+            <a:r>
+              <a:rPr lang="en-US" sz="3200" dirty="0" err="1">
+                <a:solidFill>
+                  <a:schemeClr val="bg1"/>
+                </a:solidFill>
+                <a:latin typeface="Arial" panose="020B0604020202020204" pitchFamily="34" charset="0"/>
+                <a:cs typeface="Arial" panose="020B0604020202020204" pitchFamily="34" charset="0"/>
+              </a:rPr>
+              <a:t>lực</a:t>
+            </a:r>
+            <a:endParaRPr lang="en-US" sz="3200" dirty="0">
+              <a:solidFill>
+                <a:schemeClr val="bg1"/>
+              </a:solidFill>
+              <a:latin typeface="Arial" panose="020B0604020202020204" pitchFamily="34" charset="0"/>
+              <a:cs typeface="Arial" panose="020B0604020202020204" pitchFamily="34" charset="0"/>
+            </a:endParaRPr>
+          </a:p>
+        </p:txBody>
+      </p:sp>
+      <p:pic>
+        <p:nvPicPr>
+          <p:cNvPr id="5" name="Picture 4">
+            <a:extLst>
+              <a:ext uri="{FF2B5EF4-FFF2-40B4-BE49-F238E27FC236}">
+                <a16:creationId xmlns:a16="http://schemas.microsoft.com/office/drawing/2014/main" id="{0C2AF672-A62C-45A1-9B4C-412B530456C0}"/>
+              </a:ext>
+            </a:extLst>
+          </p:cNvPr>
+          <p:cNvPicPr>
+            <a:picLocks noChangeAspect="1"/>
+          </p:cNvPicPr>
+          <p:nvPr/>
+        </p:nvPicPr>
+        <p:blipFill>
+          <a:blip r:embed="rId2">
+            <a:extLst>
+              <a:ext uri="{28A0092B-C50C-407E-A947-70E740481C1C}">
+                <a14:useLocalDpi xmlns:a14="http://schemas.microsoft.com/office/drawing/2010/main" val="0"/>
+              </a:ext>
+            </a:extLst>
+          </a:blip>
+          <a:stretch>
+            <a:fillRect/>
+          </a:stretch>
+        </p:blipFill>
+        <p:spPr>
+          <a:xfrm>
+            <a:off x="3223811" y="1128391"/>
+            <a:ext cx="5744377" cy="4601217"/>
+          </a:xfrm>
+          <a:prstGeom prst="rect">
+            <a:avLst/>
+          </a:prstGeom>
+        </p:spPr>
+      </p:pic>
+      <p:sp>
+        <p:nvSpPr>
+          <p:cNvPr id="6" name="Slide Number Placeholder 5">
+            <a:extLst>
+              <a:ext uri="{FF2B5EF4-FFF2-40B4-BE49-F238E27FC236}">
+                <a16:creationId xmlns:a16="http://schemas.microsoft.com/office/drawing/2014/main" id="{86EA60EF-751D-4E67-8D38-06E5294E8A3C}"/>
+              </a:ext>
+            </a:extLst>
+          </p:cNvPr>
+          <p:cNvSpPr>
+            <a:spLocks noGrp="1"/>
+          </p:cNvSpPr>
+          <p:nvPr>
+            <p:ph type="sldNum" sz="quarter" idx="12"/>
+          </p:nvPr>
+        </p:nvSpPr>
+        <p:spPr/>
+        <p:txBody>
+          <a:bodyPr/>
+          <a:lstStyle/>
+          <a:p>
+            <a:fld id="{06BD3093-E1A9-4AD5-AE9A-BCF471067984}" type="slidenum">
+              <a:rPr lang="en-US" smtClean="0"/>
+              <a:t>11</a:t>
+            </a:fld>
+            <a:endParaRPr lang="en-US"/>
+          </a:p>
+        </p:txBody>
+      </p:sp>
+    </p:spTree>
+    <p:extLst>
+      <p:ext uri="{BB962C8B-B14F-4D97-AF65-F5344CB8AC3E}">
+        <p14:creationId xmlns:p14="http://schemas.microsoft.com/office/powerpoint/2010/main" val="1714055560"/>
+      </p:ext>
+    </p:extLst>
+  </p:cSld>
+  <p:clrMapOvr>
+    <a:masterClrMapping/>
+  </p:clrMapOvr>
+</p:sld>
+</file>
+
+<file path=ppt/slides/slide12.xml><?xml version="1.0" encoding="utf-8"?>
+<p:sld xmlns:a="http://schemas.openxmlformats.org/drawingml/2006/main" xmlns:r="http://schemas.openxmlformats.org/officeDocument/2006/relationships" xmlns:p="http://schemas.openxmlformats.org/presentationml/2006/main">
+  <p:cSld>
+    <p:spTree>
+      <p:nvGrpSpPr>
+        <p:cNvPr id="1" name=""/>
+        <p:cNvGrpSpPr/>
+        <p:nvPr/>
+      </p:nvGrpSpPr>
+      <p:grpSpPr>
+        <a:xfrm>
+          <a:off x="0" y="0"/>
+          <a:ext cx="0" cy="0"/>
+          <a:chOff x="0" y="0"/>
+          <a:chExt cx="0" cy="0"/>
+        </a:xfrm>
+      </p:grpSpPr>
+      <p:sp>
+        <p:nvSpPr>
+          <p:cNvPr id="2" name="Title 1">
+            <a:extLst>
+              <a:ext uri="{FF2B5EF4-FFF2-40B4-BE49-F238E27FC236}">
+                <a16:creationId xmlns:a16="http://schemas.microsoft.com/office/drawing/2014/main" id="{9925B72B-B7F7-4789-AA83-C077DC0F3014}"/>
+              </a:ext>
+            </a:extLst>
+          </p:cNvPr>
+          <p:cNvSpPr>
+            <a:spLocks noGrp="1"/>
+          </p:cNvSpPr>
+          <p:nvPr>
+            <p:ph type="ctrTitle"/>
+          </p:nvPr>
+        </p:nvSpPr>
+        <p:spPr>
+          <a:xfrm>
+            <a:off x="457200" y="363923"/>
+            <a:ext cx="11277600" cy="481354"/>
+          </a:xfrm>
+        </p:spPr>
+        <p:txBody>
+          <a:bodyPr>
+            <a:noAutofit/>
+          </a:bodyPr>
+          <a:lstStyle/>
+          <a:p>
+            <a:pPr algn="l"/>
+            <a:r>
+              <a:rPr lang="en-US" sz="3200" dirty="0" err="1">
+                <a:solidFill>
+                  <a:schemeClr val="bg1"/>
+                </a:solidFill>
+                <a:latin typeface="Arial" panose="020B0604020202020204" pitchFamily="34" charset="0"/>
+                <a:cs typeface="Arial" panose="020B0604020202020204" pitchFamily="34" charset="0"/>
+              </a:rPr>
+              <a:t>Phân</a:t>
+            </a:r>
+            <a:r>
+              <a:rPr lang="en-US" sz="3200" dirty="0">
+                <a:solidFill>
+                  <a:schemeClr val="bg1"/>
+                </a:solidFill>
+                <a:latin typeface="Arial" panose="020B0604020202020204" pitchFamily="34" charset="0"/>
+                <a:cs typeface="Arial" panose="020B0604020202020204" pitchFamily="34" charset="0"/>
+              </a:rPr>
+              <a:t> </a:t>
+            </a:r>
+            <a:r>
+              <a:rPr lang="en-US" sz="3200" dirty="0" err="1">
+                <a:solidFill>
+                  <a:schemeClr val="bg1"/>
+                </a:solidFill>
+                <a:latin typeface="Arial" panose="020B0604020202020204" pitchFamily="34" charset="0"/>
+                <a:cs typeface="Arial" panose="020B0604020202020204" pitchFamily="34" charset="0"/>
+              </a:rPr>
+              <a:t>phối</a:t>
+            </a:r>
+            <a:r>
+              <a:rPr lang="en-US" sz="3200" dirty="0">
+                <a:solidFill>
+                  <a:schemeClr val="bg1"/>
+                </a:solidFill>
+                <a:latin typeface="Arial" panose="020B0604020202020204" pitchFamily="34" charset="0"/>
+                <a:cs typeface="Arial" panose="020B0604020202020204" pitchFamily="34" charset="0"/>
+              </a:rPr>
+              <a:t> </a:t>
+            </a:r>
+            <a:r>
+              <a:rPr lang="en-US" sz="3200" dirty="0" err="1">
+                <a:solidFill>
+                  <a:schemeClr val="bg1"/>
+                </a:solidFill>
+                <a:latin typeface="Arial" panose="020B0604020202020204" pitchFamily="34" charset="0"/>
+                <a:cs typeface="Arial" panose="020B0604020202020204" pitchFamily="34" charset="0"/>
+              </a:rPr>
+              <a:t>nguồn</a:t>
+            </a:r>
+            <a:r>
+              <a:rPr lang="en-US" sz="3200" dirty="0">
+                <a:solidFill>
+                  <a:schemeClr val="bg1"/>
+                </a:solidFill>
+                <a:latin typeface="Arial" panose="020B0604020202020204" pitchFamily="34" charset="0"/>
+                <a:cs typeface="Arial" panose="020B0604020202020204" pitchFamily="34" charset="0"/>
+              </a:rPr>
+              <a:t> </a:t>
+            </a:r>
+            <a:r>
+              <a:rPr lang="en-US" sz="3200" dirty="0" err="1">
+                <a:solidFill>
+                  <a:schemeClr val="bg1"/>
+                </a:solidFill>
+                <a:latin typeface="Arial" panose="020B0604020202020204" pitchFamily="34" charset="0"/>
+                <a:cs typeface="Arial" panose="020B0604020202020204" pitchFamily="34" charset="0"/>
+              </a:rPr>
+              <a:t>lực</a:t>
+            </a:r>
+            <a:endParaRPr lang="en-US" sz="3200" dirty="0">
+              <a:solidFill>
+                <a:schemeClr val="bg1"/>
+              </a:solidFill>
+              <a:latin typeface="Arial" panose="020B0604020202020204" pitchFamily="34" charset="0"/>
+              <a:cs typeface="Arial" panose="020B0604020202020204" pitchFamily="34" charset="0"/>
+            </a:endParaRPr>
+          </a:p>
+        </p:txBody>
+      </p:sp>
+      <p:pic>
+        <p:nvPicPr>
+          <p:cNvPr id="4" name="Picture 3">
+            <a:extLst>
+              <a:ext uri="{FF2B5EF4-FFF2-40B4-BE49-F238E27FC236}">
+                <a16:creationId xmlns:a16="http://schemas.microsoft.com/office/drawing/2014/main" id="{8968CFE0-9919-4832-8AD8-9DABA32044B5}"/>
+              </a:ext>
+            </a:extLst>
+          </p:cNvPr>
+          <p:cNvPicPr>
+            <a:picLocks noChangeAspect="1"/>
+          </p:cNvPicPr>
+          <p:nvPr/>
+        </p:nvPicPr>
+        <p:blipFill>
+          <a:blip r:embed="rId2">
+            <a:extLst>
+              <a:ext uri="{28A0092B-C50C-407E-A947-70E740481C1C}">
+                <a14:useLocalDpi xmlns:a14="http://schemas.microsoft.com/office/drawing/2010/main" val="0"/>
+              </a:ext>
+            </a:extLst>
+          </a:blip>
+          <a:stretch>
+            <a:fillRect/>
+          </a:stretch>
+        </p:blipFill>
+        <p:spPr>
+          <a:xfrm>
+            <a:off x="3233338" y="1071233"/>
+            <a:ext cx="5725324" cy="4715533"/>
+          </a:xfrm>
+          <a:prstGeom prst="rect">
+            <a:avLst/>
+          </a:prstGeom>
+        </p:spPr>
+      </p:pic>
+      <p:sp>
+        <p:nvSpPr>
+          <p:cNvPr id="6" name="Slide Number Placeholder 5">
+            <a:extLst>
+              <a:ext uri="{FF2B5EF4-FFF2-40B4-BE49-F238E27FC236}">
+                <a16:creationId xmlns:a16="http://schemas.microsoft.com/office/drawing/2014/main" id="{8D94524F-659D-4FF8-B4F1-8803B9DB77FF}"/>
+              </a:ext>
+            </a:extLst>
+          </p:cNvPr>
+          <p:cNvSpPr>
+            <a:spLocks noGrp="1"/>
+          </p:cNvSpPr>
+          <p:nvPr>
+            <p:ph type="sldNum" sz="quarter" idx="12"/>
+          </p:nvPr>
+        </p:nvSpPr>
+        <p:spPr/>
+        <p:txBody>
+          <a:bodyPr/>
+          <a:lstStyle/>
+          <a:p>
+            <a:fld id="{06BD3093-E1A9-4AD5-AE9A-BCF471067984}" type="slidenum">
+              <a:rPr lang="en-US" smtClean="0"/>
+              <a:t>12</a:t>
+            </a:fld>
+            <a:endParaRPr lang="en-US"/>
+          </a:p>
+        </p:txBody>
+      </p:sp>
+    </p:spTree>
+    <p:extLst>
+      <p:ext uri="{BB962C8B-B14F-4D97-AF65-F5344CB8AC3E}">
+        <p14:creationId xmlns:p14="http://schemas.microsoft.com/office/powerpoint/2010/main" val="1299886181"/>
+      </p:ext>
+    </p:extLst>
+  </p:cSld>
+  <p:clrMapOvr>
+    <a:masterClrMapping/>
+  </p:clrMapOvr>
+</p:sld>
+</file>
+
+<file path=ppt/slides/slide13.xml><?xml version="1.0" encoding="utf-8"?>
+<p:sld xmlns:a="http://schemas.openxmlformats.org/drawingml/2006/main" xmlns:r="http://schemas.openxmlformats.org/officeDocument/2006/relationships" xmlns:p="http://schemas.openxmlformats.org/presentationml/2006/main">
+  <p:cSld>
+    <p:spTree>
+      <p:nvGrpSpPr>
+        <p:cNvPr id="1" name=""/>
+        <p:cNvGrpSpPr/>
+        <p:nvPr/>
+      </p:nvGrpSpPr>
+      <p:grpSpPr>
+        <a:xfrm>
+          <a:off x="0" y="0"/>
+          <a:ext cx="0" cy="0"/>
+          <a:chOff x="0" y="0"/>
+          <a:chExt cx="0" cy="0"/>
+        </a:xfrm>
+      </p:grpSpPr>
+      <p:sp>
+        <p:nvSpPr>
+          <p:cNvPr id="2" name="Title 1">
+            <a:extLst>
+              <a:ext uri="{FF2B5EF4-FFF2-40B4-BE49-F238E27FC236}">
+                <a16:creationId xmlns:a16="http://schemas.microsoft.com/office/drawing/2014/main" id="{9925B72B-B7F7-4789-AA83-C077DC0F3014}"/>
+              </a:ext>
+            </a:extLst>
+          </p:cNvPr>
+          <p:cNvSpPr>
+            <a:spLocks noGrp="1"/>
+          </p:cNvSpPr>
+          <p:nvPr>
+            <p:ph type="ctrTitle"/>
+          </p:nvPr>
+        </p:nvSpPr>
+        <p:spPr>
+          <a:xfrm>
+            <a:off x="457200" y="363923"/>
+            <a:ext cx="11277600" cy="481354"/>
+          </a:xfrm>
+        </p:spPr>
+        <p:txBody>
+          <a:bodyPr>
+            <a:noAutofit/>
+          </a:bodyPr>
+          <a:lstStyle/>
+          <a:p>
+            <a:pPr algn="l"/>
+            <a:r>
+              <a:rPr lang="en-US" sz="3200" dirty="0" err="1">
+                <a:solidFill>
+                  <a:schemeClr val="bg1"/>
+                </a:solidFill>
+                <a:latin typeface="Arial" panose="020B0604020202020204" pitchFamily="34" charset="0"/>
+                <a:cs typeface="Arial" panose="020B0604020202020204" pitchFamily="34" charset="0"/>
+              </a:rPr>
+              <a:t>Phân</a:t>
+            </a:r>
+            <a:r>
+              <a:rPr lang="en-US" sz="3200" dirty="0">
+                <a:solidFill>
+                  <a:schemeClr val="bg1"/>
+                </a:solidFill>
+                <a:latin typeface="Arial" panose="020B0604020202020204" pitchFamily="34" charset="0"/>
+                <a:cs typeface="Arial" panose="020B0604020202020204" pitchFamily="34" charset="0"/>
+              </a:rPr>
+              <a:t> </a:t>
+            </a:r>
+            <a:r>
+              <a:rPr lang="en-US" sz="3200" dirty="0" err="1">
+                <a:solidFill>
+                  <a:schemeClr val="bg1"/>
+                </a:solidFill>
+                <a:latin typeface="Arial" panose="020B0604020202020204" pitchFamily="34" charset="0"/>
+                <a:cs typeface="Arial" panose="020B0604020202020204" pitchFamily="34" charset="0"/>
+              </a:rPr>
+              <a:t>phối</a:t>
+            </a:r>
+            <a:r>
+              <a:rPr lang="en-US" sz="3200" dirty="0">
+                <a:solidFill>
+                  <a:schemeClr val="bg1"/>
+                </a:solidFill>
+                <a:latin typeface="Arial" panose="020B0604020202020204" pitchFamily="34" charset="0"/>
+                <a:cs typeface="Arial" panose="020B0604020202020204" pitchFamily="34" charset="0"/>
+              </a:rPr>
+              <a:t> </a:t>
+            </a:r>
+            <a:r>
+              <a:rPr lang="en-US" sz="3200" dirty="0" err="1">
+                <a:solidFill>
+                  <a:schemeClr val="bg1"/>
+                </a:solidFill>
+                <a:latin typeface="Arial" panose="020B0604020202020204" pitchFamily="34" charset="0"/>
+                <a:cs typeface="Arial" panose="020B0604020202020204" pitchFamily="34" charset="0"/>
+              </a:rPr>
+              <a:t>nguồn</a:t>
+            </a:r>
+            <a:r>
+              <a:rPr lang="en-US" sz="3200" dirty="0">
+                <a:solidFill>
+                  <a:schemeClr val="bg1"/>
+                </a:solidFill>
+                <a:latin typeface="Arial" panose="020B0604020202020204" pitchFamily="34" charset="0"/>
+                <a:cs typeface="Arial" panose="020B0604020202020204" pitchFamily="34" charset="0"/>
+              </a:rPr>
+              <a:t> </a:t>
+            </a:r>
+            <a:r>
+              <a:rPr lang="en-US" sz="3200" dirty="0" err="1">
+                <a:solidFill>
+                  <a:schemeClr val="bg1"/>
+                </a:solidFill>
+                <a:latin typeface="Arial" panose="020B0604020202020204" pitchFamily="34" charset="0"/>
+                <a:cs typeface="Arial" panose="020B0604020202020204" pitchFamily="34" charset="0"/>
+              </a:rPr>
+              <a:t>lực</a:t>
+            </a:r>
+            <a:endParaRPr lang="en-US" sz="3200" dirty="0">
+              <a:solidFill>
+                <a:schemeClr val="bg1"/>
+              </a:solidFill>
+              <a:latin typeface="Arial" panose="020B0604020202020204" pitchFamily="34" charset="0"/>
+              <a:cs typeface="Arial" panose="020B0604020202020204" pitchFamily="34" charset="0"/>
+            </a:endParaRPr>
+          </a:p>
+        </p:txBody>
+      </p:sp>
+      <p:pic>
+        <p:nvPicPr>
+          <p:cNvPr id="5" name="Picture 4">
+            <a:extLst>
+              <a:ext uri="{FF2B5EF4-FFF2-40B4-BE49-F238E27FC236}">
+                <a16:creationId xmlns:a16="http://schemas.microsoft.com/office/drawing/2014/main" id="{AA862D2E-C3C5-44AB-97E9-35859F7EB305}"/>
+              </a:ext>
+            </a:extLst>
+          </p:cNvPr>
+          <p:cNvPicPr>
+            <a:picLocks noChangeAspect="1"/>
+          </p:cNvPicPr>
+          <p:nvPr/>
+        </p:nvPicPr>
+        <p:blipFill>
+          <a:blip r:embed="rId2">
+            <a:extLst>
+              <a:ext uri="{28A0092B-C50C-407E-A947-70E740481C1C}">
+                <a14:useLocalDpi xmlns:a14="http://schemas.microsoft.com/office/drawing/2010/main" val="0"/>
+              </a:ext>
+            </a:extLst>
+          </a:blip>
+          <a:stretch>
+            <a:fillRect/>
+          </a:stretch>
+        </p:blipFill>
+        <p:spPr>
+          <a:xfrm>
+            <a:off x="3238101" y="1557076"/>
+            <a:ext cx="5715798" cy="3743847"/>
+          </a:xfrm>
+          <a:prstGeom prst="rect">
+            <a:avLst/>
+          </a:prstGeom>
+        </p:spPr>
+      </p:pic>
+      <p:sp>
+        <p:nvSpPr>
+          <p:cNvPr id="6" name="Slide Number Placeholder 5">
+            <a:extLst>
+              <a:ext uri="{FF2B5EF4-FFF2-40B4-BE49-F238E27FC236}">
+                <a16:creationId xmlns:a16="http://schemas.microsoft.com/office/drawing/2014/main" id="{ABCE9B37-82C5-41C3-9FB5-8B0D89FB2080}"/>
+              </a:ext>
+            </a:extLst>
+          </p:cNvPr>
+          <p:cNvSpPr>
+            <a:spLocks noGrp="1"/>
+          </p:cNvSpPr>
+          <p:nvPr>
+            <p:ph type="sldNum" sz="quarter" idx="12"/>
+          </p:nvPr>
+        </p:nvSpPr>
+        <p:spPr/>
+        <p:txBody>
+          <a:bodyPr/>
+          <a:lstStyle/>
+          <a:p>
+            <a:fld id="{06BD3093-E1A9-4AD5-AE9A-BCF471067984}" type="slidenum">
+              <a:rPr lang="en-US" smtClean="0"/>
+              <a:t>13</a:t>
+            </a:fld>
+            <a:endParaRPr lang="en-US"/>
+          </a:p>
+        </p:txBody>
+      </p:sp>
+    </p:spTree>
+    <p:extLst>
+      <p:ext uri="{BB962C8B-B14F-4D97-AF65-F5344CB8AC3E}">
+        <p14:creationId xmlns:p14="http://schemas.microsoft.com/office/powerpoint/2010/main" val="787922474"/>
+      </p:ext>
+    </p:extLst>
+  </p:cSld>
+  <p:clrMapOvr>
+    <a:masterClrMapping/>
+  </p:clrMapOvr>
+</p:sld>
+</file>
+
+<file path=ppt/slides/slide14.xml><?xml version="1.0" encoding="utf-8"?>
+<p:sld xmlns:a="http://schemas.openxmlformats.org/drawingml/2006/main" xmlns:r="http://schemas.openxmlformats.org/officeDocument/2006/relationships" xmlns:p="http://schemas.openxmlformats.org/presentationml/2006/main">
+  <p:cSld>
+    <p:spTree>
+      <p:nvGrpSpPr>
+        <p:cNvPr id="1" name=""/>
+        <p:cNvGrpSpPr/>
+        <p:nvPr/>
+      </p:nvGrpSpPr>
+      <p:grpSpPr>
+        <a:xfrm>
+          <a:off x="0" y="0"/>
+          <a:ext cx="0" cy="0"/>
+          <a:chOff x="0" y="0"/>
+          <a:chExt cx="0" cy="0"/>
+        </a:xfrm>
+      </p:grpSpPr>
+      <p:sp>
+        <p:nvSpPr>
+          <p:cNvPr id="4" name="Title 3">
+            <a:extLst>
+              <a:ext uri="{FF2B5EF4-FFF2-40B4-BE49-F238E27FC236}">
+                <a16:creationId xmlns:a16="http://schemas.microsoft.com/office/drawing/2014/main" id="{3EFDE9A5-B4D8-44DE-92AA-8BC84CD70AA3}"/>
+              </a:ext>
+            </a:extLst>
+          </p:cNvPr>
+          <p:cNvSpPr>
+            <a:spLocks noGrp="1"/>
+          </p:cNvSpPr>
+          <p:nvPr>
+            <p:ph type="ctrTitle"/>
+          </p:nvPr>
+        </p:nvSpPr>
+        <p:spPr>
+          <a:xfrm>
+            <a:off x="1524000" y="2981569"/>
+            <a:ext cx="8731348" cy="894862"/>
+          </a:xfrm>
+        </p:spPr>
+        <p:txBody>
+          <a:bodyPr>
+            <a:normAutofit fontScale="90000"/>
+          </a:bodyPr>
+          <a:lstStyle/>
+          <a:p>
+            <a:r>
+              <a:rPr lang="en-US" dirty="0">
+                <a:solidFill>
+                  <a:schemeClr val="bg1"/>
+                </a:solidFill>
+              </a:rPr>
+              <a:t>Thank you for listening!</a:t>
+            </a:r>
+          </a:p>
+        </p:txBody>
+      </p:sp>
+    </p:spTree>
+    <p:extLst>
+      <p:ext uri="{BB962C8B-B14F-4D97-AF65-F5344CB8AC3E}">
+        <p14:creationId xmlns:p14="http://schemas.microsoft.com/office/powerpoint/2010/main" val="4289195380"/>
+      </p:ext>
+    </p:extLst>
+  </p:cSld>
+  <p:clrMapOvr>
+    <a:masterClrMapping/>
+  </p:clrMapOvr>
+</p:sld>
+</file>
+
+<file path=ppt/slides/slide2.xml><?xml version="1.0" encoding="utf-8"?>
+<p:sld xmlns:a="http://schemas.openxmlformats.org/drawingml/2006/main" xmlns:r="http://schemas.openxmlformats.org/officeDocument/2006/relationships" xmlns:p="http://schemas.openxmlformats.org/presentationml/2006/main">
+  <p:cSld>
+    <p:spTree>
+      <p:nvGrpSpPr>
+        <p:cNvPr id="1" name=""/>
+        <p:cNvGrpSpPr/>
+        <p:nvPr/>
+      </p:nvGrpSpPr>
+      <p:grpSpPr>
+        <a:xfrm>
+          <a:off x="0" y="0"/>
+          <a:ext cx="0" cy="0"/>
+          <a:chOff x="0" y="0"/>
+          <a:chExt cx="0" cy="0"/>
+        </a:xfrm>
+      </p:grpSpPr>
+      <p:sp>
+        <p:nvSpPr>
+          <p:cNvPr id="2" name="Title 1">
+            <a:extLst>
+              <a:ext uri="{FF2B5EF4-FFF2-40B4-BE49-F238E27FC236}">
+                <a16:creationId xmlns:a16="http://schemas.microsoft.com/office/drawing/2014/main" id="{9925B72B-B7F7-4789-AA83-C077DC0F3014}"/>
+              </a:ext>
+            </a:extLst>
+          </p:cNvPr>
+          <p:cNvSpPr>
+            <a:spLocks noGrp="1"/>
+          </p:cNvSpPr>
+          <p:nvPr>
+            <p:ph type="ctrTitle"/>
+          </p:nvPr>
+        </p:nvSpPr>
+        <p:spPr>
+          <a:xfrm>
+            <a:off x="665870" y="587791"/>
+            <a:ext cx="2625969" cy="481354"/>
+          </a:xfrm>
+        </p:spPr>
+        <p:txBody>
+          <a:bodyPr>
+            <a:noAutofit/>
+          </a:bodyPr>
+          <a:lstStyle/>
+          <a:p>
+            <a:pPr algn="l"/>
+            <a:r>
+              <a:rPr lang="en-US" sz="3200" dirty="0" err="1">
+                <a:solidFill>
+                  <a:schemeClr val="bg1"/>
+                </a:solidFill>
+                <a:latin typeface="Arial" panose="020B0604020202020204" pitchFamily="34" charset="0"/>
+                <a:cs typeface="Arial" panose="020B0604020202020204" pitchFamily="34" charset="0"/>
               </a:rPr>
               <a:t>Nội</a:t>
             </a:r>
@@ -3873,8 +5195,8 @@
                 <a:solidFill>
                   <a:schemeClr val="bg1"/>
                 </a:solidFill>
-                <a:latin typeface="Times New Roman" panose="02020603050405020304" pitchFamily="18" charset="0"/>
-                <a:cs typeface="Times New Roman" panose="02020603050405020304" pitchFamily="18" charset="0"/>
+                <a:latin typeface="Arial" panose="020B0604020202020204" pitchFamily="34" charset="0"/>
+                <a:cs typeface="Arial" panose="020B0604020202020204" pitchFamily="34" charset="0"/>
               </a:rPr>
               <a:t> dung</a:t>
             </a:r>
@@ -3921,8 +5243,8 @@
                 <a:solidFill>
                   <a:schemeClr val="bg1"/>
                 </a:solidFill>
-                <a:latin typeface="Times New Roman" panose="02020603050405020304" pitchFamily="18" charset="0"/>
-                <a:cs typeface="Times New Roman" panose="02020603050405020304" pitchFamily="18" charset="0"/>
+                <a:latin typeface="Arial" panose="020B0604020202020204" pitchFamily="34" charset="0"/>
+                <a:cs typeface="Arial" panose="020B0604020202020204" pitchFamily="34" charset="0"/>
               </a:rPr>
               <a:t>Yêu</a:t>
             </a:r>
@@ -3931,8 +5253,8 @@
                 <a:solidFill>
                   <a:schemeClr val="bg1"/>
                 </a:solidFill>
-                <a:latin typeface="Times New Roman" panose="02020603050405020304" pitchFamily="18" charset="0"/>
-                <a:cs typeface="Times New Roman" panose="02020603050405020304" pitchFamily="18" charset="0"/>
+                <a:latin typeface="Arial" panose="020B0604020202020204" pitchFamily="34" charset="0"/>
+                <a:cs typeface="Arial" panose="020B0604020202020204" pitchFamily="34" charset="0"/>
               </a:rPr>
               <a:t> </a:t>
             </a:r>
@@ -3941,8 +5263,8 @@
                 <a:solidFill>
                   <a:schemeClr val="bg1"/>
                 </a:solidFill>
-                <a:latin typeface="Times New Roman" panose="02020603050405020304" pitchFamily="18" charset="0"/>
-                <a:cs typeface="Times New Roman" panose="02020603050405020304" pitchFamily="18" charset="0"/>
+                <a:latin typeface="Arial" panose="020B0604020202020204" pitchFamily="34" charset="0"/>
+                <a:cs typeface="Arial" panose="020B0604020202020204" pitchFamily="34" charset="0"/>
               </a:rPr>
               <a:t>cầu</a:t>
             </a:r>
@@ -3951,8 +5273,8 @@
                 <a:solidFill>
                   <a:schemeClr val="bg1"/>
                 </a:solidFill>
-                <a:latin typeface="Times New Roman" panose="02020603050405020304" pitchFamily="18" charset="0"/>
-                <a:cs typeface="Times New Roman" panose="02020603050405020304" pitchFamily="18" charset="0"/>
+                <a:latin typeface="Arial" panose="020B0604020202020204" pitchFamily="34" charset="0"/>
+                <a:cs typeface="Arial" panose="020B0604020202020204" pitchFamily="34" charset="0"/>
               </a:rPr>
               <a:t> website </a:t>
             </a:r>
@@ -3961,8 +5283,8 @@
                 <a:solidFill>
                   <a:schemeClr val="bg1"/>
                 </a:solidFill>
-                <a:latin typeface="Times New Roman" panose="02020603050405020304" pitchFamily="18" charset="0"/>
-                <a:cs typeface="Times New Roman" panose="02020603050405020304" pitchFamily="18" charset="0"/>
+                <a:latin typeface="Arial" panose="020B0604020202020204" pitchFamily="34" charset="0"/>
+                <a:cs typeface="Arial" panose="020B0604020202020204" pitchFamily="34" charset="0"/>
               </a:rPr>
               <a:t>và</a:t>
             </a:r>
@@ -3971,8 +5293,8 @@
                 <a:solidFill>
                   <a:schemeClr val="bg1"/>
                 </a:solidFill>
-                <a:latin typeface="Times New Roman" panose="02020603050405020304" pitchFamily="18" charset="0"/>
-                <a:cs typeface="Times New Roman" panose="02020603050405020304" pitchFamily="18" charset="0"/>
+                <a:latin typeface="Arial" panose="020B0604020202020204" pitchFamily="34" charset="0"/>
+                <a:cs typeface="Arial" panose="020B0604020202020204" pitchFamily="34" charset="0"/>
               </a:rPr>
               <a:t> </a:t>
             </a:r>
@@ -3981,8 +5303,8 @@
                 <a:solidFill>
                   <a:schemeClr val="bg1"/>
                 </a:solidFill>
-                <a:latin typeface="Times New Roman" panose="02020603050405020304" pitchFamily="18" charset="0"/>
-                <a:cs typeface="Times New Roman" panose="02020603050405020304" pitchFamily="18" charset="0"/>
+                <a:latin typeface="Arial" panose="020B0604020202020204" pitchFamily="34" charset="0"/>
+                <a:cs typeface="Arial" panose="020B0604020202020204" pitchFamily="34" charset="0"/>
               </a:rPr>
               <a:t>dịch</a:t>
             </a:r>
@@ -3991,8 +5313,8 @@
                 <a:solidFill>
                   <a:schemeClr val="bg1"/>
                 </a:solidFill>
-                <a:latin typeface="Times New Roman" panose="02020603050405020304" pitchFamily="18" charset="0"/>
-                <a:cs typeface="Times New Roman" panose="02020603050405020304" pitchFamily="18" charset="0"/>
+                <a:latin typeface="Arial" panose="020B0604020202020204" pitchFamily="34" charset="0"/>
+                <a:cs typeface="Arial" panose="020B0604020202020204" pitchFamily="34" charset="0"/>
               </a:rPr>
               <a:t> </a:t>
             </a:r>
@@ -4001,8 +5323,8 @@
                 <a:solidFill>
                   <a:schemeClr val="bg1"/>
                 </a:solidFill>
-                <a:latin typeface="Times New Roman" panose="02020603050405020304" pitchFamily="18" charset="0"/>
-                <a:cs typeface="Times New Roman" panose="02020603050405020304" pitchFamily="18" charset="0"/>
+                <a:latin typeface="Arial" panose="020B0604020202020204" pitchFamily="34" charset="0"/>
+                <a:cs typeface="Arial" panose="020B0604020202020204" pitchFamily="34" charset="0"/>
               </a:rPr>
               <a:t>vụ</a:t>
             </a:r>
@@ -4011,8 +5333,8 @@
                 <a:solidFill>
                   <a:schemeClr val="bg1"/>
                 </a:solidFill>
-                <a:latin typeface="Times New Roman" panose="02020603050405020304" pitchFamily="18" charset="0"/>
-                <a:cs typeface="Times New Roman" panose="02020603050405020304" pitchFamily="18" charset="0"/>
+                <a:latin typeface="Arial" panose="020B0604020202020204" pitchFamily="34" charset="0"/>
+                <a:cs typeface="Arial" panose="020B0604020202020204" pitchFamily="34" charset="0"/>
               </a:rPr>
               <a:t> hosting</a:t>
             </a:r>
@@ -4030,30 +5352,10 @@
                 <a:solidFill>
                   <a:schemeClr val="bg1"/>
                 </a:solidFill>
-                <a:latin typeface="Times New Roman" panose="02020603050405020304" pitchFamily="18" charset="0"/>
-                <a:cs typeface="Times New Roman" panose="02020603050405020304" pitchFamily="18" charset="0"/>
-              </a:rPr>
-              <a:t>Work </a:t>
-            </a:r>
-            <a:r>
-              <a:rPr lang="en-US" sz="2200" dirty="0" err="1">
-                <a:solidFill>
-                  <a:schemeClr val="bg1"/>
-                </a:solidFill>
-                <a:latin typeface="Times New Roman" panose="02020603050405020304" pitchFamily="18" charset="0"/>
-                <a:cs typeface="Times New Roman" panose="02020603050405020304" pitchFamily="18" charset="0"/>
-              </a:rPr>
-              <a:t>Brakedown</a:t>
-            </a:r>
-            <a:r>
-              <a:rPr lang="en-US" sz="2200" dirty="0">
-                <a:solidFill>
-                  <a:schemeClr val="bg1"/>
-                </a:solidFill>
-                <a:latin typeface="Times New Roman" panose="02020603050405020304" pitchFamily="18" charset="0"/>
-                <a:cs typeface="Times New Roman" panose="02020603050405020304" pitchFamily="18" charset="0"/>
-              </a:rPr>
-              <a:t> Structure (WBS)</a:t>
+                <a:latin typeface="Arial" panose="020B0604020202020204" pitchFamily="34" charset="0"/>
+                <a:cs typeface="Arial" panose="020B0604020202020204" pitchFamily="34" charset="0"/>
+              </a:rPr>
+              <a:t>Work Breakdown Structure (WBS)</a:t>
             </a:r>
           </a:p>
           <a:p>
@@ -4069,8 +5371,8 @@
                 <a:solidFill>
                   <a:schemeClr val="bg1"/>
                 </a:solidFill>
-                <a:latin typeface="Times New Roman" panose="02020603050405020304" pitchFamily="18" charset="0"/>
-                <a:cs typeface="Times New Roman" panose="02020603050405020304" pitchFamily="18" charset="0"/>
+                <a:latin typeface="Arial" panose="020B0604020202020204" pitchFamily="34" charset="0"/>
+                <a:cs typeface="Arial" panose="020B0604020202020204" pitchFamily="34" charset="0"/>
               </a:rPr>
               <a:t>Phân</a:t>
             </a:r>
@@ -4079,8 +5381,8 @@
                 <a:solidFill>
                   <a:schemeClr val="bg1"/>
                 </a:solidFill>
-                <a:latin typeface="Times New Roman" panose="02020603050405020304" pitchFamily="18" charset="0"/>
-                <a:cs typeface="Times New Roman" panose="02020603050405020304" pitchFamily="18" charset="0"/>
+                <a:latin typeface="Arial" panose="020B0604020202020204" pitchFamily="34" charset="0"/>
+                <a:cs typeface="Arial" panose="020B0604020202020204" pitchFamily="34" charset="0"/>
               </a:rPr>
               <a:t> </a:t>
             </a:r>
@@ -4089,8 +5391,8 @@
                 <a:solidFill>
                   <a:schemeClr val="bg1"/>
                 </a:solidFill>
-                <a:latin typeface="Times New Roman" panose="02020603050405020304" pitchFamily="18" charset="0"/>
-                <a:cs typeface="Times New Roman" panose="02020603050405020304" pitchFamily="18" charset="0"/>
+                <a:latin typeface="Arial" panose="020B0604020202020204" pitchFamily="34" charset="0"/>
+                <a:cs typeface="Arial" panose="020B0604020202020204" pitchFamily="34" charset="0"/>
               </a:rPr>
               <a:t>phối</a:t>
             </a:r>
@@ -4099,8 +5401,8 @@
                 <a:solidFill>
                   <a:schemeClr val="bg1"/>
                 </a:solidFill>
-                <a:latin typeface="Times New Roman" panose="02020603050405020304" pitchFamily="18" charset="0"/>
-                <a:cs typeface="Times New Roman" panose="02020603050405020304" pitchFamily="18" charset="0"/>
+                <a:latin typeface="Arial" panose="020B0604020202020204" pitchFamily="34" charset="0"/>
+                <a:cs typeface="Arial" panose="020B0604020202020204" pitchFamily="34" charset="0"/>
               </a:rPr>
               <a:t> </a:t>
             </a:r>
@@ -4109,8 +5411,8 @@
                 <a:solidFill>
                   <a:schemeClr val="bg1"/>
                 </a:solidFill>
-                <a:latin typeface="Times New Roman" panose="02020603050405020304" pitchFamily="18" charset="0"/>
-                <a:cs typeface="Times New Roman" panose="02020603050405020304" pitchFamily="18" charset="0"/>
+                <a:latin typeface="Arial" panose="020B0604020202020204" pitchFamily="34" charset="0"/>
+                <a:cs typeface="Arial" panose="020B0604020202020204" pitchFamily="34" charset="0"/>
               </a:rPr>
               <a:t>nguồn</a:t>
             </a:r>
@@ -4119,8 +5421,8 @@
                 <a:solidFill>
                   <a:schemeClr val="bg1"/>
                 </a:solidFill>
-                <a:latin typeface="Times New Roman" panose="02020603050405020304" pitchFamily="18" charset="0"/>
-                <a:cs typeface="Times New Roman" panose="02020603050405020304" pitchFamily="18" charset="0"/>
+                <a:latin typeface="Arial" panose="020B0604020202020204" pitchFamily="34" charset="0"/>
+                <a:cs typeface="Arial" panose="020B0604020202020204" pitchFamily="34" charset="0"/>
               </a:rPr>
               <a:t> </a:t>
             </a:r>
@@ -4129,8 +5431,8 @@
                 <a:solidFill>
                   <a:schemeClr val="bg1"/>
                 </a:solidFill>
-                <a:latin typeface="Times New Roman" panose="02020603050405020304" pitchFamily="18" charset="0"/>
-                <a:cs typeface="Times New Roman" panose="02020603050405020304" pitchFamily="18" charset="0"/>
+                <a:latin typeface="Arial" panose="020B0604020202020204" pitchFamily="34" charset="0"/>
+                <a:cs typeface="Arial" panose="020B0604020202020204" pitchFamily="34" charset="0"/>
               </a:rPr>
               <a:t>lực</a:t>
             </a:r>
@@ -4138,8 +5440,8 @@
               <a:solidFill>
                 <a:schemeClr val="bg1"/>
               </a:solidFill>
-              <a:latin typeface="Times New Roman" panose="02020603050405020304" pitchFamily="18" charset="0"/>
-              <a:cs typeface="Times New Roman" panose="02020603050405020304" pitchFamily="18" charset="0"/>
+              <a:latin typeface="Arial" panose="020B0604020202020204" pitchFamily="34" charset="0"/>
+              <a:cs typeface="Arial" panose="020B0604020202020204" pitchFamily="34" charset="0"/>
             </a:endParaRPr>
           </a:p>
           <a:p>
@@ -4155,8 +5457,8 @@
                 <a:solidFill>
                   <a:schemeClr val="bg1"/>
                 </a:solidFill>
-                <a:latin typeface="Times New Roman" panose="02020603050405020304" pitchFamily="18" charset="0"/>
-                <a:cs typeface="Times New Roman" panose="02020603050405020304" pitchFamily="18" charset="0"/>
+                <a:latin typeface="Arial" panose="020B0604020202020204" pitchFamily="34" charset="0"/>
+                <a:cs typeface="Arial" panose="020B0604020202020204" pitchFamily="34" charset="0"/>
               </a:rPr>
               <a:t>Quản</a:t>
             </a:r>
@@ -4165,8 +5467,8 @@
                 <a:solidFill>
                   <a:schemeClr val="bg1"/>
                 </a:solidFill>
-                <a:latin typeface="Times New Roman" panose="02020603050405020304" pitchFamily="18" charset="0"/>
-                <a:cs typeface="Times New Roman" panose="02020603050405020304" pitchFamily="18" charset="0"/>
+                <a:latin typeface="Arial" panose="020B0604020202020204" pitchFamily="34" charset="0"/>
+                <a:cs typeface="Arial" panose="020B0604020202020204" pitchFamily="34" charset="0"/>
               </a:rPr>
               <a:t> </a:t>
             </a:r>
@@ -4175,8 +5477,8 @@
                 <a:solidFill>
                   <a:schemeClr val="bg1"/>
                 </a:solidFill>
-                <a:latin typeface="Times New Roman" panose="02020603050405020304" pitchFamily="18" charset="0"/>
-                <a:cs typeface="Times New Roman" panose="02020603050405020304" pitchFamily="18" charset="0"/>
+                <a:latin typeface="Arial" panose="020B0604020202020204" pitchFamily="34" charset="0"/>
+                <a:cs typeface="Arial" panose="020B0604020202020204" pitchFamily="34" charset="0"/>
               </a:rPr>
               <a:t>trị</a:t>
             </a:r>
@@ -4185,8 +5487,8 @@
                 <a:solidFill>
                   <a:schemeClr val="bg1"/>
                 </a:solidFill>
-                <a:latin typeface="Times New Roman" panose="02020603050405020304" pitchFamily="18" charset="0"/>
-                <a:cs typeface="Times New Roman" panose="02020603050405020304" pitchFamily="18" charset="0"/>
+                <a:latin typeface="Arial" panose="020B0604020202020204" pitchFamily="34" charset="0"/>
+                <a:cs typeface="Arial" panose="020B0604020202020204" pitchFamily="34" charset="0"/>
               </a:rPr>
               <a:t> </a:t>
             </a:r>
@@ -4195,8 +5497,8 @@
                 <a:solidFill>
                   <a:schemeClr val="bg1"/>
                 </a:solidFill>
-                <a:latin typeface="Times New Roman" panose="02020603050405020304" pitchFamily="18" charset="0"/>
-                <a:cs typeface="Times New Roman" panose="02020603050405020304" pitchFamily="18" charset="0"/>
+                <a:latin typeface="Arial" panose="020B0604020202020204" pitchFamily="34" charset="0"/>
+                <a:cs typeface="Arial" panose="020B0604020202020204" pitchFamily="34" charset="0"/>
               </a:rPr>
               <a:t>rủi</a:t>
             </a:r>
@@ -4205,8 +5507,8 @@
                 <a:solidFill>
                   <a:schemeClr val="bg1"/>
                 </a:solidFill>
-                <a:latin typeface="Times New Roman" panose="02020603050405020304" pitchFamily="18" charset="0"/>
-                <a:cs typeface="Times New Roman" panose="02020603050405020304" pitchFamily="18" charset="0"/>
+                <a:latin typeface="Arial" panose="020B0604020202020204" pitchFamily="34" charset="0"/>
+                <a:cs typeface="Arial" panose="020B0604020202020204" pitchFamily="34" charset="0"/>
               </a:rPr>
               <a:t> </a:t>
             </a:r>
@@ -4215,8 +5517,8 @@
                 <a:solidFill>
                   <a:schemeClr val="bg1"/>
                 </a:solidFill>
-                <a:latin typeface="Times New Roman" panose="02020603050405020304" pitchFamily="18" charset="0"/>
-                <a:cs typeface="Times New Roman" panose="02020603050405020304" pitchFamily="18" charset="0"/>
+                <a:latin typeface="Arial" panose="020B0604020202020204" pitchFamily="34" charset="0"/>
+                <a:cs typeface="Arial" panose="020B0604020202020204" pitchFamily="34" charset="0"/>
               </a:rPr>
               <a:t>ro</a:t>
             </a:r>
@@ -4224,9 +5526,38 @@
               <a:solidFill>
                 <a:schemeClr val="bg1"/>
               </a:solidFill>
-              <a:latin typeface="Times New Roman" panose="02020603050405020304" pitchFamily="18" charset="0"/>
-              <a:cs typeface="Times New Roman" panose="02020603050405020304" pitchFamily="18" charset="0"/>
+              <a:latin typeface="Arial" panose="020B0604020202020204" pitchFamily="34" charset="0"/>
+              <a:cs typeface="Arial" panose="020B0604020202020204" pitchFamily="34" charset="0"/>
             </a:endParaRPr>
+          </a:p>
+        </p:txBody>
+      </p:sp>
+      <p:sp>
+        <p:nvSpPr>
+          <p:cNvPr id="3" name="Slide Number Placeholder 2">
+            <a:extLst>
+              <a:ext uri="{FF2B5EF4-FFF2-40B4-BE49-F238E27FC236}">
+                <a16:creationId xmlns:a16="http://schemas.microsoft.com/office/drawing/2014/main" id="{65B39249-E5B7-4866-90CC-E0C7E1CAE521}"/>
+              </a:ext>
+            </a:extLst>
+          </p:cNvPr>
+          <p:cNvSpPr>
+            <a:spLocks noGrp="1"/>
+          </p:cNvSpPr>
+          <p:nvPr>
+            <p:ph type="sldNum" sz="quarter" idx="12"/>
+          </p:nvPr>
+        </p:nvSpPr>
+        <p:spPr/>
+        <p:txBody>
+          <a:bodyPr/>
+          <a:lstStyle/>
+          <a:p>
+            <a:fld id="{06BD3093-E1A9-4AD5-AE9A-BCF471067984}" type="slidenum">
+              <a:rPr lang="en-US" smtClean="0"/>
+              <a:t>2</a:t>
+            </a:fld>
+            <a:endParaRPr lang="en-US"/>
           </a:p>
         </p:txBody>
       </p:sp>
@@ -4246,14 +5577,6 @@
 <file path=ppt/slides/slide3.xml><?xml version="1.0" encoding="utf-8"?>
 <p:sld xmlns:a="http://schemas.openxmlformats.org/drawingml/2006/main" xmlns:r="http://schemas.openxmlformats.org/officeDocument/2006/relationships" xmlns:p="http://schemas.openxmlformats.org/presentationml/2006/main">
   <p:cSld>
-    <p:bg>
-      <p:bgPr>
-        <a:solidFill>
-          <a:srgbClr val="1B1B1B"/>
-        </a:solidFill>
-        <a:effectLst/>
-      </p:bgPr>
-    </p:bg>
     <p:spTree>
       <p:nvGrpSpPr>
         <p:cNvPr id="1" name=""/>
@@ -4302,8 +5625,8 @@
                 <a:solidFill>
                   <a:schemeClr val="bg1"/>
                 </a:solidFill>
-                <a:latin typeface="Times New Roman" panose="02020603050405020304" pitchFamily="18" charset="0"/>
-                <a:cs typeface="Times New Roman" panose="02020603050405020304" pitchFamily="18" charset="0"/>
+                <a:latin typeface="Arial" panose="020B0604020202020204" pitchFamily="34" charset="0"/>
+                <a:cs typeface="Arial" panose="020B0604020202020204" pitchFamily="34" charset="0"/>
               </a:rPr>
               <a:t>Yêu</a:t>
             </a:r>
@@ -4312,8 +5635,8 @@
                 <a:solidFill>
                   <a:schemeClr val="bg1"/>
                 </a:solidFill>
-                <a:latin typeface="Times New Roman" panose="02020603050405020304" pitchFamily="18" charset="0"/>
-                <a:cs typeface="Times New Roman" panose="02020603050405020304" pitchFamily="18" charset="0"/>
+                <a:latin typeface="Arial" panose="020B0604020202020204" pitchFamily="34" charset="0"/>
+                <a:cs typeface="Arial" panose="020B0604020202020204" pitchFamily="34" charset="0"/>
               </a:rPr>
               <a:t> </a:t>
             </a:r>
@@ -4322,8 +5645,8 @@
                 <a:solidFill>
                   <a:schemeClr val="bg1"/>
                 </a:solidFill>
-                <a:latin typeface="Times New Roman" panose="02020603050405020304" pitchFamily="18" charset="0"/>
-                <a:cs typeface="Times New Roman" panose="02020603050405020304" pitchFamily="18" charset="0"/>
+                <a:latin typeface="Arial" panose="020B0604020202020204" pitchFamily="34" charset="0"/>
+                <a:cs typeface="Arial" panose="020B0604020202020204" pitchFamily="34" charset="0"/>
               </a:rPr>
               <a:t>cầu</a:t>
             </a:r>
@@ -4332,8 +5655,8 @@
                 <a:solidFill>
                   <a:schemeClr val="bg1"/>
                 </a:solidFill>
-                <a:latin typeface="Times New Roman" panose="02020603050405020304" pitchFamily="18" charset="0"/>
-                <a:cs typeface="Times New Roman" panose="02020603050405020304" pitchFamily="18" charset="0"/>
+                <a:latin typeface="Arial" panose="020B0604020202020204" pitchFamily="34" charset="0"/>
+                <a:cs typeface="Arial" panose="020B0604020202020204" pitchFamily="34" charset="0"/>
               </a:rPr>
               <a:t> website </a:t>
             </a:r>
@@ -4342,8 +5665,8 @@
                 <a:solidFill>
                   <a:schemeClr val="bg1"/>
                 </a:solidFill>
-                <a:latin typeface="Times New Roman" panose="02020603050405020304" pitchFamily="18" charset="0"/>
-                <a:cs typeface="Times New Roman" panose="02020603050405020304" pitchFamily="18" charset="0"/>
+                <a:latin typeface="Arial" panose="020B0604020202020204" pitchFamily="34" charset="0"/>
+                <a:cs typeface="Arial" panose="020B0604020202020204" pitchFamily="34" charset="0"/>
               </a:rPr>
               <a:t>và</a:t>
             </a:r>
@@ -4352,8 +5675,8 @@
                 <a:solidFill>
                   <a:schemeClr val="bg1"/>
                 </a:solidFill>
-                <a:latin typeface="Times New Roman" panose="02020603050405020304" pitchFamily="18" charset="0"/>
-                <a:cs typeface="Times New Roman" panose="02020603050405020304" pitchFamily="18" charset="0"/>
+                <a:latin typeface="Arial" panose="020B0604020202020204" pitchFamily="34" charset="0"/>
+                <a:cs typeface="Arial" panose="020B0604020202020204" pitchFamily="34" charset="0"/>
               </a:rPr>
               <a:t> </a:t>
             </a:r>
@@ -4362,8 +5685,8 @@
                 <a:solidFill>
                   <a:schemeClr val="bg1"/>
                 </a:solidFill>
-                <a:latin typeface="Times New Roman" panose="02020603050405020304" pitchFamily="18" charset="0"/>
-                <a:cs typeface="Times New Roman" panose="02020603050405020304" pitchFamily="18" charset="0"/>
+                <a:latin typeface="Arial" panose="020B0604020202020204" pitchFamily="34" charset="0"/>
+                <a:cs typeface="Arial" panose="020B0604020202020204" pitchFamily="34" charset="0"/>
               </a:rPr>
               <a:t>dịch</a:t>
             </a:r>
@@ -4372,8 +5695,8 @@
                 <a:solidFill>
                   <a:schemeClr val="bg1"/>
                 </a:solidFill>
-                <a:latin typeface="Times New Roman" panose="02020603050405020304" pitchFamily="18" charset="0"/>
-                <a:cs typeface="Times New Roman" panose="02020603050405020304" pitchFamily="18" charset="0"/>
+                <a:latin typeface="Arial" panose="020B0604020202020204" pitchFamily="34" charset="0"/>
+                <a:cs typeface="Arial" panose="020B0604020202020204" pitchFamily="34" charset="0"/>
               </a:rPr>
               <a:t> </a:t>
             </a:r>
@@ -4382,8 +5705,8 @@
                 <a:solidFill>
                   <a:schemeClr val="bg1"/>
                 </a:solidFill>
-                <a:latin typeface="Times New Roman" panose="02020603050405020304" pitchFamily="18" charset="0"/>
-                <a:cs typeface="Times New Roman" panose="02020603050405020304" pitchFamily="18" charset="0"/>
+                <a:latin typeface="Arial" panose="020B0604020202020204" pitchFamily="34" charset="0"/>
+                <a:cs typeface="Arial" panose="020B0604020202020204" pitchFamily="34" charset="0"/>
               </a:rPr>
               <a:t>vụ</a:t>
             </a:r>
@@ -4392,8 +5715,8 @@
                 <a:solidFill>
                   <a:schemeClr val="bg1"/>
                 </a:solidFill>
-                <a:latin typeface="Times New Roman" panose="02020603050405020304" pitchFamily="18" charset="0"/>
-                <a:cs typeface="Times New Roman" panose="02020603050405020304" pitchFamily="18" charset="0"/>
+                <a:latin typeface="Arial" panose="020B0604020202020204" pitchFamily="34" charset="0"/>
+                <a:cs typeface="Arial" panose="020B0604020202020204" pitchFamily="34" charset="0"/>
               </a:rPr>
               <a:t> hosting</a:t>
             </a:r>
@@ -4440,8 +5763,8 @@
                 <a:solidFill>
                   <a:schemeClr val="bg1"/>
                 </a:solidFill>
-                <a:latin typeface="Times New Roman" panose="02020603050405020304" pitchFamily="18" charset="0"/>
-                <a:cs typeface="Times New Roman" panose="02020603050405020304" pitchFamily="18" charset="0"/>
+                <a:latin typeface="Arial" panose="020B0604020202020204" pitchFamily="34" charset="0"/>
+                <a:cs typeface="Arial" panose="020B0604020202020204" pitchFamily="34" charset="0"/>
               </a:rPr>
               <a:t>Yêu</a:t>
             </a:r>
@@ -4450,8 +5773,8 @@
                 <a:solidFill>
                   <a:schemeClr val="bg1"/>
                 </a:solidFill>
-                <a:latin typeface="Times New Roman" panose="02020603050405020304" pitchFamily="18" charset="0"/>
-                <a:cs typeface="Times New Roman" panose="02020603050405020304" pitchFamily="18" charset="0"/>
+                <a:latin typeface="Arial" panose="020B0604020202020204" pitchFamily="34" charset="0"/>
+                <a:cs typeface="Arial" panose="020B0604020202020204" pitchFamily="34" charset="0"/>
               </a:rPr>
               <a:t> </a:t>
             </a:r>
@@ -4460,8 +5783,8 @@
                 <a:solidFill>
                   <a:schemeClr val="bg1"/>
                 </a:solidFill>
-                <a:latin typeface="Times New Roman" panose="02020603050405020304" pitchFamily="18" charset="0"/>
-                <a:cs typeface="Times New Roman" panose="02020603050405020304" pitchFamily="18" charset="0"/>
+                <a:latin typeface="Arial" panose="020B0604020202020204" pitchFamily="34" charset="0"/>
+                <a:cs typeface="Arial" panose="020B0604020202020204" pitchFamily="34" charset="0"/>
               </a:rPr>
               <a:t>cầu</a:t>
             </a:r>
@@ -4470,8 +5793,8 @@
                 <a:solidFill>
                   <a:schemeClr val="bg1"/>
                 </a:solidFill>
-                <a:latin typeface="Times New Roman" panose="02020603050405020304" pitchFamily="18" charset="0"/>
-                <a:cs typeface="Times New Roman" panose="02020603050405020304" pitchFamily="18" charset="0"/>
+                <a:latin typeface="Arial" panose="020B0604020202020204" pitchFamily="34" charset="0"/>
+                <a:cs typeface="Arial" panose="020B0604020202020204" pitchFamily="34" charset="0"/>
               </a:rPr>
               <a:t> website</a:t>
             </a:r>
@@ -4489,8 +5812,8 @@
                 <a:solidFill>
                   <a:schemeClr val="bg1"/>
                 </a:solidFill>
-                <a:latin typeface="Times New Roman" panose="02020603050405020304" pitchFamily="18" charset="0"/>
-                <a:cs typeface="Times New Roman" panose="02020603050405020304" pitchFamily="18" charset="0"/>
+                <a:latin typeface="Arial" panose="020B0604020202020204" pitchFamily="34" charset="0"/>
+                <a:cs typeface="Arial" panose="020B0604020202020204" pitchFamily="34" charset="0"/>
               </a:rPr>
               <a:t>Yêu</a:t>
             </a:r>
@@ -4499,8 +5822,8 @@
                 <a:solidFill>
                   <a:schemeClr val="bg1"/>
                 </a:solidFill>
-                <a:latin typeface="Times New Roman" panose="02020603050405020304" pitchFamily="18" charset="0"/>
-                <a:cs typeface="Times New Roman" panose="02020603050405020304" pitchFamily="18" charset="0"/>
+                <a:latin typeface="Arial" panose="020B0604020202020204" pitchFamily="34" charset="0"/>
+                <a:cs typeface="Arial" panose="020B0604020202020204" pitchFamily="34" charset="0"/>
               </a:rPr>
               <a:t> </a:t>
             </a:r>
@@ -4509,8 +5832,8 @@
                 <a:solidFill>
                   <a:schemeClr val="bg1"/>
                 </a:solidFill>
-                <a:latin typeface="Times New Roman" panose="02020603050405020304" pitchFamily="18" charset="0"/>
-                <a:cs typeface="Times New Roman" panose="02020603050405020304" pitchFamily="18" charset="0"/>
+                <a:latin typeface="Arial" panose="020B0604020202020204" pitchFamily="34" charset="0"/>
+                <a:cs typeface="Arial" panose="020B0604020202020204" pitchFamily="34" charset="0"/>
               </a:rPr>
               <a:t>cầu</a:t>
             </a:r>
@@ -4519,8 +5842,8 @@
                 <a:solidFill>
                   <a:schemeClr val="bg1"/>
                 </a:solidFill>
-                <a:latin typeface="Times New Roman" panose="02020603050405020304" pitchFamily="18" charset="0"/>
-                <a:cs typeface="Times New Roman" panose="02020603050405020304" pitchFamily="18" charset="0"/>
+                <a:latin typeface="Arial" panose="020B0604020202020204" pitchFamily="34" charset="0"/>
+                <a:cs typeface="Arial" panose="020B0604020202020204" pitchFamily="34" charset="0"/>
               </a:rPr>
               <a:t> </a:t>
             </a:r>
@@ -4529,8 +5852,8 @@
                 <a:solidFill>
                   <a:schemeClr val="bg1"/>
                 </a:solidFill>
-                <a:latin typeface="Times New Roman" panose="02020603050405020304" pitchFamily="18" charset="0"/>
-                <a:cs typeface="Times New Roman" panose="02020603050405020304" pitchFamily="18" charset="0"/>
+                <a:latin typeface="Arial" panose="020B0604020202020204" pitchFamily="34" charset="0"/>
+                <a:cs typeface="Arial" panose="020B0604020202020204" pitchFamily="34" charset="0"/>
               </a:rPr>
               <a:t>cho</a:t>
             </a:r>
@@ -4539,8 +5862,8 @@
                 <a:solidFill>
                   <a:schemeClr val="bg1"/>
                 </a:solidFill>
-                <a:latin typeface="Times New Roman" panose="02020603050405020304" pitchFamily="18" charset="0"/>
-                <a:cs typeface="Times New Roman" panose="02020603050405020304" pitchFamily="18" charset="0"/>
+                <a:latin typeface="Arial" panose="020B0604020202020204" pitchFamily="34" charset="0"/>
+                <a:cs typeface="Arial" panose="020B0604020202020204" pitchFamily="34" charset="0"/>
               </a:rPr>
               <a:t> </a:t>
             </a:r>
@@ -4549,8 +5872,8 @@
                 <a:solidFill>
                   <a:schemeClr val="bg1"/>
                 </a:solidFill>
-                <a:latin typeface="Times New Roman" panose="02020603050405020304" pitchFamily="18" charset="0"/>
-                <a:cs typeface="Times New Roman" panose="02020603050405020304" pitchFamily="18" charset="0"/>
+                <a:latin typeface="Arial" panose="020B0604020202020204" pitchFamily="34" charset="0"/>
+                <a:cs typeface="Arial" panose="020B0604020202020204" pitchFamily="34" charset="0"/>
               </a:rPr>
               <a:t>dịch</a:t>
             </a:r>
@@ -4559,8 +5882,8 @@
                 <a:solidFill>
                   <a:schemeClr val="bg1"/>
                 </a:solidFill>
-                <a:latin typeface="Times New Roman" panose="02020603050405020304" pitchFamily="18" charset="0"/>
-                <a:cs typeface="Times New Roman" panose="02020603050405020304" pitchFamily="18" charset="0"/>
+                <a:latin typeface="Arial" panose="020B0604020202020204" pitchFamily="34" charset="0"/>
+                <a:cs typeface="Arial" panose="020B0604020202020204" pitchFamily="34" charset="0"/>
               </a:rPr>
               <a:t> </a:t>
             </a:r>
@@ -4569,8 +5892,8 @@
                 <a:solidFill>
                   <a:schemeClr val="bg1"/>
                 </a:solidFill>
-                <a:latin typeface="Times New Roman" panose="02020603050405020304" pitchFamily="18" charset="0"/>
-                <a:cs typeface="Times New Roman" panose="02020603050405020304" pitchFamily="18" charset="0"/>
+                <a:latin typeface="Arial" panose="020B0604020202020204" pitchFamily="34" charset="0"/>
+                <a:cs typeface="Arial" panose="020B0604020202020204" pitchFamily="34" charset="0"/>
               </a:rPr>
               <a:t>vụ</a:t>
             </a:r>
@@ -4579,11 +5902,40 @@
                 <a:solidFill>
                   <a:schemeClr val="bg1"/>
                 </a:solidFill>
-                <a:latin typeface="Times New Roman" panose="02020603050405020304" pitchFamily="18" charset="0"/>
-                <a:cs typeface="Times New Roman" panose="02020603050405020304" pitchFamily="18" charset="0"/>
+                <a:latin typeface="Arial" panose="020B0604020202020204" pitchFamily="34" charset="0"/>
+                <a:cs typeface="Arial" panose="020B0604020202020204" pitchFamily="34" charset="0"/>
               </a:rPr>
               <a:t> hosting</a:t>
             </a:r>
+          </a:p>
+        </p:txBody>
+      </p:sp>
+      <p:sp>
+        <p:nvSpPr>
+          <p:cNvPr id="3" name="Slide Number Placeholder 2">
+            <a:extLst>
+              <a:ext uri="{FF2B5EF4-FFF2-40B4-BE49-F238E27FC236}">
+                <a16:creationId xmlns:a16="http://schemas.microsoft.com/office/drawing/2014/main" id="{70E3E9E7-953A-4970-A878-1AC643B62A2B}"/>
+              </a:ext>
+            </a:extLst>
+          </p:cNvPr>
+          <p:cNvSpPr>
+            <a:spLocks noGrp="1"/>
+          </p:cNvSpPr>
+          <p:nvPr>
+            <p:ph type="sldNum" sz="quarter" idx="12"/>
+          </p:nvPr>
+        </p:nvSpPr>
+        <p:spPr/>
+        <p:txBody>
+          <a:bodyPr/>
+          <a:lstStyle/>
+          <a:p>
+            <a:fld id="{06BD3093-E1A9-4AD5-AE9A-BCF471067984}" type="slidenum">
+              <a:rPr lang="en-US" smtClean="0"/>
+              <a:t>3</a:t>
+            </a:fld>
+            <a:endParaRPr lang="en-US"/>
           </a:p>
         </p:txBody>
       </p:sp>
@@ -4603,14 +5955,6 @@
 <file path=ppt/slides/slide4.xml><?xml version="1.0" encoding="utf-8"?>
 <p:sld xmlns:a="http://schemas.openxmlformats.org/drawingml/2006/main" xmlns:r="http://schemas.openxmlformats.org/officeDocument/2006/relationships" xmlns:p="http://schemas.openxmlformats.org/presentationml/2006/main">
   <p:cSld>
-    <p:bg>
-      <p:bgPr>
-        <a:solidFill>
-          <a:srgbClr val="1B1B1B"/>
-        </a:solidFill>
-        <a:effectLst/>
-      </p:bgPr>
-    </p:bg>
     <p:spTree>
       <p:nvGrpSpPr>
         <p:cNvPr id="1" name=""/>
@@ -4643,7 +5987,7 @@
         </p:nvSpPr>
         <p:spPr>
           <a:xfrm>
-            <a:off x="665871" y="587791"/>
+            <a:off x="457200" y="363923"/>
             <a:ext cx="11277600" cy="481354"/>
           </a:xfrm>
         </p:spPr>
@@ -4659,146 +6003,76 @@
                 <a:solidFill>
                   <a:schemeClr val="bg1"/>
                 </a:solidFill>
-                <a:latin typeface="Times New Roman" panose="02020603050405020304" pitchFamily="18" charset="0"/>
-                <a:cs typeface="Times New Roman" panose="02020603050405020304" pitchFamily="18" charset="0"/>
-              </a:rPr>
-              <a:t>Work </a:t>
-            </a:r>
-            <a:r>
-              <a:rPr lang="en-US" sz="3200" dirty="0" err="1">
-                <a:solidFill>
-                  <a:schemeClr val="bg1"/>
-                </a:solidFill>
-                <a:latin typeface="Times New Roman" panose="02020603050405020304" pitchFamily="18" charset="0"/>
-                <a:cs typeface="Times New Roman" panose="02020603050405020304" pitchFamily="18" charset="0"/>
-              </a:rPr>
-              <a:t>Brakedown</a:t>
-            </a:r>
-            <a:r>
-              <a:rPr lang="en-US" sz="3200" dirty="0">
-                <a:solidFill>
-                  <a:schemeClr val="bg1"/>
-                </a:solidFill>
-                <a:latin typeface="Times New Roman" panose="02020603050405020304" pitchFamily="18" charset="0"/>
-                <a:cs typeface="Times New Roman" panose="02020603050405020304" pitchFamily="18" charset="0"/>
-              </a:rPr>
-              <a:t> Structure (WBS)</a:t>
-            </a:r>
-          </a:p>
-        </p:txBody>
-      </p:sp>
-      <p:sp>
-        <p:nvSpPr>
-          <p:cNvPr id="8" name="TextBox 7">
-            <a:extLst>
-              <a:ext uri="{FF2B5EF4-FFF2-40B4-BE49-F238E27FC236}">
-                <a16:creationId xmlns:a16="http://schemas.microsoft.com/office/drawing/2014/main" id="{95B79A43-7B99-4499-BD57-0E186E264672}"/>
-              </a:ext>
-            </a:extLst>
-          </p:cNvPr>
-          <p:cNvSpPr txBox="1"/>
+                <a:latin typeface="Arial" panose="020B0604020202020204" pitchFamily="34" charset="0"/>
+                <a:cs typeface="Arial" panose="020B0604020202020204" pitchFamily="34" charset="0"/>
+              </a:rPr>
+              <a:t>Work Breakdown Structure (WBS)</a:t>
+            </a:r>
+          </a:p>
+        </p:txBody>
+      </p:sp>
+      <p:pic>
+        <p:nvPicPr>
+          <p:cNvPr id="4" name="Picture 3">
+            <a:extLst>
+              <a:ext uri="{FF2B5EF4-FFF2-40B4-BE49-F238E27FC236}">
+                <a16:creationId xmlns:a16="http://schemas.microsoft.com/office/drawing/2014/main" id="{A2F7E09C-6748-4964-BC7D-B13CAEF60E4E}"/>
+              </a:ext>
+            </a:extLst>
+          </p:cNvPr>
+          <p:cNvPicPr>
+            <a:picLocks noChangeAspect="1"/>
+          </p:cNvPicPr>
           <p:nvPr/>
-        </p:nvSpPr>
+        </p:nvPicPr>
+        <p:blipFill>
+          <a:blip r:embed="rId2">
+            <a:extLst>
+              <a:ext uri="{28A0092B-C50C-407E-A947-70E740481C1C}">
+                <a14:useLocalDpi xmlns:a14="http://schemas.microsoft.com/office/drawing/2010/main" val="0"/>
+              </a:ext>
+            </a:extLst>
+          </a:blip>
+          <a:stretch>
+            <a:fillRect/>
+          </a:stretch>
+        </p:blipFill>
         <p:spPr>
           <a:xfrm>
-            <a:off x="773723" y="1448972"/>
-            <a:ext cx="9467557" cy="539378"/>
+            <a:off x="0" y="845277"/>
+            <a:ext cx="12192000" cy="5167446"/>
           </a:xfrm>
           <a:prstGeom prst="rect">
             <a:avLst/>
           </a:prstGeom>
-          <a:noFill/>
         </p:spPr>
-        <p:txBody>
-          <a:bodyPr wrap="square" rtlCol="0">
-            <a:spAutoFit/>
-          </a:bodyPr>
-          <a:lstStyle/>
-          <a:p>
-            <a:pPr marL="285750" indent="-285750">
-              <a:lnSpc>
-                <a:spcPct val="150000"/>
-              </a:lnSpc>
-              <a:buFont typeface="Arial" panose="020B0604020202020204" pitchFamily="34" charset="0"/>
-              <a:buChar char="•"/>
-            </a:pPr>
-            <a:r>
-              <a:rPr lang="en-US" sz="2200" dirty="0" err="1">
-                <a:solidFill>
-                  <a:schemeClr val="bg1"/>
-                </a:solidFill>
-                <a:latin typeface="Times New Roman" panose="02020603050405020304" pitchFamily="18" charset="0"/>
-                <a:cs typeface="Times New Roman" panose="02020603050405020304" pitchFamily="18" charset="0"/>
-              </a:rPr>
-              <a:t>Chèn</a:t>
-            </a:r>
-            <a:r>
-              <a:rPr lang="en-US" sz="2200" dirty="0">
-                <a:solidFill>
-                  <a:schemeClr val="bg1"/>
-                </a:solidFill>
-                <a:latin typeface="Times New Roman" panose="02020603050405020304" pitchFamily="18" charset="0"/>
-                <a:cs typeface="Times New Roman" panose="02020603050405020304" pitchFamily="18" charset="0"/>
-              </a:rPr>
-              <a:t> </a:t>
-            </a:r>
-            <a:r>
-              <a:rPr lang="en-US" sz="2200" dirty="0" err="1">
-                <a:solidFill>
-                  <a:schemeClr val="bg1"/>
-                </a:solidFill>
-                <a:latin typeface="Times New Roman" panose="02020603050405020304" pitchFamily="18" charset="0"/>
-                <a:cs typeface="Times New Roman" panose="02020603050405020304" pitchFamily="18" charset="0"/>
-              </a:rPr>
-              <a:t>hình</a:t>
-            </a:r>
-            <a:r>
-              <a:rPr lang="en-US" sz="2200" dirty="0">
-                <a:solidFill>
-                  <a:schemeClr val="bg1"/>
-                </a:solidFill>
-                <a:latin typeface="Times New Roman" panose="02020603050405020304" pitchFamily="18" charset="0"/>
-                <a:cs typeface="Times New Roman" panose="02020603050405020304" pitchFamily="18" charset="0"/>
-              </a:rPr>
-              <a:t> </a:t>
-            </a:r>
-            <a:r>
-              <a:rPr lang="en-US" sz="2200" dirty="0" err="1">
-                <a:solidFill>
-                  <a:schemeClr val="bg1"/>
-                </a:solidFill>
-                <a:latin typeface="Times New Roman" panose="02020603050405020304" pitchFamily="18" charset="0"/>
-                <a:cs typeface="Times New Roman" panose="02020603050405020304" pitchFamily="18" charset="0"/>
-              </a:rPr>
-              <a:t>vô</a:t>
-            </a:r>
-            <a:r>
-              <a:rPr lang="en-US" sz="2200" dirty="0">
-                <a:solidFill>
-                  <a:schemeClr val="bg1"/>
-                </a:solidFill>
-                <a:latin typeface="Times New Roman" panose="02020603050405020304" pitchFamily="18" charset="0"/>
-                <a:cs typeface="Times New Roman" panose="02020603050405020304" pitchFamily="18" charset="0"/>
-              </a:rPr>
-              <a:t> </a:t>
-            </a:r>
-            <a:r>
-              <a:rPr lang="en-US" sz="2200" dirty="0" err="1">
-                <a:solidFill>
-                  <a:schemeClr val="bg1"/>
-                </a:solidFill>
-                <a:latin typeface="Times New Roman" panose="02020603050405020304" pitchFamily="18" charset="0"/>
-                <a:cs typeface="Times New Roman" panose="02020603050405020304" pitchFamily="18" charset="0"/>
-              </a:rPr>
-              <a:t>đây</a:t>
-            </a:r>
-            <a:endParaRPr lang="en-US" sz="2200" dirty="0">
-              <a:solidFill>
-                <a:schemeClr val="bg1"/>
-              </a:solidFill>
-              <a:latin typeface="Times New Roman" panose="02020603050405020304" pitchFamily="18" charset="0"/>
-              <a:cs typeface="Times New Roman" panose="02020603050405020304" pitchFamily="18" charset="0"/>
-            </a:endParaRPr>
+      </p:pic>
+      <p:sp>
+        <p:nvSpPr>
+          <p:cNvPr id="3" name="Slide Number Placeholder 2">
+            <a:extLst>
+              <a:ext uri="{FF2B5EF4-FFF2-40B4-BE49-F238E27FC236}">
+                <a16:creationId xmlns:a16="http://schemas.microsoft.com/office/drawing/2014/main" id="{B8E7B1E9-A98E-4640-943D-A85E9B24E8A5}"/>
+              </a:ext>
+            </a:extLst>
+          </p:cNvPr>
+          <p:cNvSpPr>
+            <a:spLocks noGrp="1"/>
+          </p:cNvSpPr>
+          <p:nvPr>
+            <p:ph type="sldNum" sz="quarter" idx="12"/>
+          </p:nvPr>
+        </p:nvSpPr>
+        <p:spPr/>
+        <p:txBody>
+          <a:bodyPr/>
+          <a:lstStyle/>
+          <a:p>
+            <a:fld id="{06BD3093-E1A9-4AD5-AE9A-BCF471067984}" type="slidenum">
+              <a:rPr lang="en-US" smtClean="0"/>
+              <a:t>4</a:t>
+            </a:fld>
+            <a:endParaRPr lang="en-US"/>
           </a:p>
         </p:txBody>
       </p:sp>
@@ -4818,14 +6092,6 @@
 <file path=ppt/slides/slide5.xml><?xml version="1.0" encoding="utf-8"?>
 <p:sld xmlns:a="http://schemas.openxmlformats.org/drawingml/2006/main" xmlns:r="http://schemas.openxmlformats.org/officeDocument/2006/relationships" xmlns:p="http://schemas.openxmlformats.org/presentationml/2006/main">
   <p:cSld>
-    <p:bg>
-      <p:bgPr>
-        <a:solidFill>
-          <a:srgbClr val="1B1B1B"/>
-        </a:solidFill>
-        <a:effectLst/>
-      </p:bgPr>
-    </p:bg>
     <p:spTree>
       <p:nvGrpSpPr>
         <p:cNvPr id="1" name=""/>
@@ -4858,7 +6124,7 @@
         </p:nvSpPr>
         <p:spPr>
           <a:xfrm>
-            <a:off x="665871" y="587791"/>
+            <a:off x="457200" y="363923"/>
             <a:ext cx="11277600" cy="481354"/>
           </a:xfrm>
         </p:spPr>
@@ -4874,306 +6140,93 @@
                 <a:solidFill>
                   <a:schemeClr val="bg1"/>
                 </a:solidFill>
-                <a:latin typeface="Times New Roman" panose="02020603050405020304" pitchFamily="18" charset="0"/>
-                <a:cs typeface="Times New Roman" panose="02020603050405020304" pitchFamily="18" charset="0"/>
-              </a:rPr>
-              <a:t>Phân</a:t>
+                <a:latin typeface="Arial" panose="020B0604020202020204" pitchFamily="34" charset="0"/>
+                <a:cs typeface="Arial" panose="020B0604020202020204" pitchFamily="34" charset="0"/>
+              </a:rPr>
+              <a:t>Reposibility</a:t>
             </a:r>
             <a:r>
               <a:rPr lang="en-US" sz="3200" dirty="0">
                 <a:solidFill>
                   <a:schemeClr val="bg1"/>
                 </a:solidFill>
-                <a:latin typeface="Times New Roman" panose="02020603050405020304" pitchFamily="18" charset="0"/>
-                <a:cs typeface="Times New Roman" panose="02020603050405020304" pitchFamily="18" charset="0"/>
-              </a:rPr>
-              <a:t> </a:t>
-            </a:r>
-            <a:r>
-              <a:rPr lang="en-US" sz="3200" dirty="0" err="1">
-                <a:solidFill>
-                  <a:schemeClr val="bg1"/>
-                </a:solidFill>
-                <a:latin typeface="Times New Roman" panose="02020603050405020304" pitchFamily="18" charset="0"/>
-                <a:cs typeface="Times New Roman" panose="02020603050405020304" pitchFamily="18" charset="0"/>
-              </a:rPr>
-              <a:t>phối</a:t>
-            </a:r>
-            <a:r>
-              <a:rPr lang="en-US" sz="3200" dirty="0">
-                <a:solidFill>
-                  <a:schemeClr val="bg1"/>
-                </a:solidFill>
-                <a:latin typeface="Times New Roman" panose="02020603050405020304" pitchFamily="18" charset="0"/>
-                <a:cs typeface="Times New Roman" panose="02020603050405020304" pitchFamily="18" charset="0"/>
-              </a:rPr>
-              <a:t> </a:t>
-            </a:r>
-            <a:r>
-              <a:rPr lang="en-US" sz="3200" dirty="0" err="1">
-                <a:solidFill>
-                  <a:schemeClr val="bg1"/>
-                </a:solidFill>
-                <a:latin typeface="Times New Roman" panose="02020603050405020304" pitchFamily="18" charset="0"/>
-                <a:cs typeface="Times New Roman" panose="02020603050405020304" pitchFamily="18" charset="0"/>
-              </a:rPr>
-              <a:t>nguồn</a:t>
-            </a:r>
-            <a:r>
-              <a:rPr lang="en-US" sz="3200" dirty="0">
-                <a:solidFill>
-                  <a:schemeClr val="bg1"/>
-                </a:solidFill>
-                <a:latin typeface="Times New Roman" panose="02020603050405020304" pitchFamily="18" charset="0"/>
-                <a:cs typeface="Times New Roman" panose="02020603050405020304" pitchFamily="18" charset="0"/>
-              </a:rPr>
-              <a:t> </a:t>
-            </a:r>
-            <a:r>
-              <a:rPr lang="en-US" sz="3200" dirty="0" err="1">
-                <a:solidFill>
-                  <a:schemeClr val="bg1"/>
-                </a:solidFill>
-                <a:latin typeface="Times New Roman" panose="02020603050405020304" pitchFamily="18" charset="0"/>
-                <a:cs typeface="Times New Roman" panose="02020603050405020304" pitchFamily="18" charset="0"/>
-              </a:rPr>
-              <a:t>lực</a:t>
-            </a:r>
-            <a:endParaRPr lang="en-US" sz="3200" dirty="0">
-              <a:solidFill>
-                <a:schemeClr val="bg1"/>
-              </a:solidFill>
-              <a:latin typeface="Times New Roman" panose="02020603050405020304" pitchFamily="18" charset="0"/>
-              <a:cs typeface="Times New Roman" panose="02020603050405020304" pitchFamily="18" charset="0"/>
-            </a:endParaRPr>
-          </a:p>
-        </p:txBody>
-      </p:sp>
-      <p:sp>
-        <p:nvSpPr>
-          <p:cNvPr id="8" name="TextBox 7">
-            <a:extLst>
-              <a:ext uri="{FF2B5EF4-FFF2-40B4-BE49-F238E27FC236}">
-                <a16:creationId xmlns:a16="http://schemas.microsoft.com/office/drawing/2014/main" id="{95B79A43-7B99-4499-BD57-0E186E264672}"/>
-              </a:ext>
-            </a:extLst>
-          </p:cNvPr>
-          <p:cNvSpPr txBox="1"/>
+                <a:latin typeface="Arial" panose="020B0604020202020204" pitchFamily="34" charset="0"/>
+                <a:cs typeface="Arial" panose="020B0604020202020204" pitchFamily="34" charset="0"/>
+              </a:rPr>
+              <a:t> Matrix</a:t>
+            </a:r>
+          </a:p>
+        </p:txBody>
+      </p:sp>
+      <p:pic>
+        <p:nvPicPr>
+          <p:cNvPr id="5" name="Picture 4">
+            <a:extLst>
+              <a:ext uri="{FF2B5EF4-FFF2-40B4-BE49-F238E27FC236}">
+                <a16:creationId xmlns:a16="http://schemas.microsoft.com/office/drawing/2014/main" id="{C59B5084-4610-4540-A892-1A7F7D031923}"/>
+              </a:ext>
+            </a:extLst>
+          </p:cNvPr>
+          <p:cNvPicPr>
+            <a:picLocks noChangeAspect="1"/>
+          </p:cNvPicPr>
           <p:nvPr/>
-        </p:nvSpPr>
+        </p:nvPicPr>
+        <p:blipFill>
+          <a:blip r:embed="rId2">
+            <a:extLst>
+              <a:ext uri="{28A0092B-C50C-407E-A947-70E740481C1C}">
+                <a14:useLocalDpi xmlns:a14="http://schemas.microsoft.com/office/drawing/2010/main" val="0"/>
+              </a:ext>
+            </a:extLst>
+          </a:blip>
+          <a:stretch>
+            <a:fillRect/>
+          </a:stretch>
+        </p:blipFill>
         <p:spPr>
           <a:xfrm>
-            <a:off x="773723" y="1448972"/>
-            <a:ext cx="9467557" cy="1047210"/>
+            <a:off x="3257153" y="845277"/>
+            <a:ext cx="6097861" cy="5260101"/>
           </a:xfrm>
           <a:prstGeom prst="rect">
             <a:avLst/>
           </a:prstGeom>
-          <a:noFill/>
         </p:spPr>
-        <p:txBody>
-          <a:bodyPr wrap="square" rtlCol="0">
-            <a:spAutoFit/>
-          </a:bodyPr>
-          <a:lstStyle/>
-          <a:p>
-            <a:pPr marL="285750" indent="-285750">
-              <a:lnSpc>
-                <a:spcPct val="150000"/>
-              </a:lnSpc>
-              <a:buFont typeface="Arial" panose="020B0604020202020204" pitchFamily="34" charset="0"/>
-              <a:buChar char="•"/>
-            </a:pPr>
-            <a:r>
-              <a:rPr lang="en-US" sz="2200" dirty="0" err="1">
-                <a:solidFill>
-                  <a:schemeClr val="bg1"/>
-                </a:solidFill>
-                <a:latin typeface="Times New Roman" panose="02020603050405020304" pitchFamily="18" charset="0"/>
-                <a:cs typeface="Times New Roman" panose="02020603050405020304" pitchFamily="18" charset="0"/>
-              </a:rPr>
-              <a:t>Nguồn</a:t>
-            </a:r>
-            <a:r>
-              <a:rPr lang="en-US" sz="2200" dirty="0">
-                <a:solidFill>
-                  <a:schemeClr val="bg1"/>
-                </a:solidFill>
-                <a:latin typeface="Times New Roman" panose="02020603050405020304" pitchFamily="18" charset="0"/>
-                <a:cs typeface="Times New Roman" panose="02020603050405020304" pitchFamily="18" charset="0"/>
-              </a:rPr>
-              <a:t> </a:t>
-            </a:r>
-            <a:r>
-              <a:rPr lang="en-US" sz="2200" dirty="0" err="1">
-                <a:solidFill>
-                  <a:schemeClr val="bg1"/>
-                </a:solidFill>
-                <a:latin typeface="Times New Roman" panose="02020603050405020304" pitchFamily="18" charset="0"/>
-                <a:cs typeface="Times New Roman" panose="02020603050405020304" pitchFamily="18" charset="0"/>
-              </a:rPr>
-              <a:t>lực</a:t>
-            </a:r>
-            <a:r>
-              <a:rPr lang="en-US" sz="2200" dirty="0">
-                <a:solidFill>
-                  <a:schemeClr val="bg1"/>
-                </a:solidFill>
-                <a:latin typeface="Times New Roman" panose="02020603050405020304" pitchFamily="18" charset="0"/>
-                <a:cs typeface="Times New Roman" panose="02020603050405020304" pitchFamily="18" charset="0"/>
-              </a:rPr>
-              <a:t> </a:t>
-            </a:r>
-            <a:r>
-              <a:rPr lang="en-US" sz="2200" dirty="0" err="1">
-                <a:solidFill>
-                  <a:schemeClr val="bg1"/>
-                </a:solidFill>
-                <a:latin typeface="Times New Roman" panose="02020603050405020304" pitchFamily="18" charset="0"/>
-                <a:cs typeface="Times New Roman" panose="02020603050405020304" pitchFamily="18" charset="0"/>
-              </a:rPr>
-              <a:t>hiện</a:t>
-            </a:r>
-            <a:r>
-              <a:rPr lang="en-US" sz="2200" dirty="0">
-                <a:solidFill>
-                  <a:schemeClr val="bg1"/>
-                </a:solidFill>
-                <a:latin typeface="Times New Roman" panose="02020603050405020304" pitchFamily="18" charset="0"/>
-                <a:cs typeface="Times New Roman" panose="02020603050405020304" pitchFamily="18" charset="0"/>
-              </a:rPr>
-              <a:t> </a:t>
-            </a:r>
-            <a:r>
-              <a:rPr lang="en-US" sz="2200" dirty="0" err="1">
-                <a:solidFill>
-                  <a:schemeClr val="bg1"/>
-                </a:solidFill>
-                <a:latin typeface="Times New Roman" panose="02020603050405020304" pitchFamily="18" charset="0"/>
-                <a:cs typeface="Times New Roman" panose="02020603050405020304" pitchFamily="18" charset="0"/>
-              </a:rPr>
-              <a:t>có</a:t>
-            </a:r>
-            <a:endParaRPr lang="en-US" sz="2200" dirty="0">
-              <a:solidFill>
-                <a:schemeClr val="bg1"/>
-              </a:solidFill>
-              <a:latin typeface="Times New Roman" panose="02020603050405020304" pitchFamily="18" charset="0"/>
-              <a:cs typeface="Times New Roman" panose="02020603050405020304" pitchFamily="18" charset="0"/>
-            </a:endParaRPr>
-          </a:p>
-          <a:p>
-            <a:pPr marL="285750" indent="-285750">
-              <a:lnSpc>
-                <a:spcPct val="150000"/>
-              </a:lnSpc>
-              <a:buFont typeface="Arial" panose="020B0604020202020204" pitchFamily="34" charset="0"/>
-              <a:buChar char="•"/>
-            </a:pPr>
-            <a:r>
-              <a:rPr lang="en-US" sz="2200" dirty="0" err="1">
-                <a:solidFill>
-                  <a:schemeClr val="bg1"/>
-                </a:solidFill>
-                <a:latin typeface="Times New Roman" panose="02020603050405020304" pitchFamily="18" charset="0"/>
-                <a:cs typeface="Times New Roman" panose="02020603050405020304" pitchFamily="18" charset="0"/>
-              </a:rPr>
-              <a:t>Phân</a:t>
-            </a:r>
-            <a:r>
-              <a:rPr lang="en-US" sz="2200" dirty="0">
-                <a:solidFill>
-                  <a:schemeClr val="bg1"/>
-                </a:solidFill>
-                <a:latin typeface="Times New Roman" panose="02020603050405020304" pitchFamily="18" charset="0"/>
-                <a:cs typeface="Times New Roman" panose="02020603050405020304" pitchFamily="18" charset="0"/>
-              </a:rPr>
-              <a:t> </a:t>
-            </a:r>
-            <a:r>
-              <a:rPr lang="en-US" sz="2200" dirty="0" err="1">
-                <a:solidFill>
-                  <a:schemeClr val="bg1"/>
-                </a:solidFill>
-                <a:latin typeface="Times New Roman" panose="02020603050405020304" pitchFamily="18" charset="0"/>
-                <a:cs typeface="Times New Roman" panose="02020603050405020304" pitchFamily="18" charset="0"/>
-              </a:rPr>
-              <a:t>phối</a:t>
-            </a:r>
-            <a:r>
-              <a:rPr lang="en-US" sz="2200" dirty="0">
-                <a:solidFill>
-                  <a:schemeClr val="bg1"/>
-                </a:solidFill>
-                <a:latin typeface="Times New Roman" panose="02020603050405020304" pitchFamily="18" charset="0"/>
-                <a:cs typeface="Times New Roman" panose="02020603050405020304" pitchFamily="18" charset="0"/>
-              </a:rPr>
-              <a:t> </a:t>
-            </a:r>
-            <a:r>
-              <a:rPr lang="en-US" sz="2200" dirty="0" err="1">
-                <a:solidFill>
-                  <a:schemeClr val="bg1"/>
-                </a:solidFill>
-                <a:latin typeface="Times New Roman" panose="02020603050405020304" pitchFamily="18" charset="0"/>
-                <a:cs typeface="Times New Roman" panose="02020603050405020304" pitchFamily="18" charset="0"/>
-              </a:rPr>
-              <a:t>và</a:t>
-            </a:r>
-            <a:r>
-              <a:rPr lang="en-US" sz="2200" dirty="0">
-                <a:solidFill>
-                  <a:schemeClr val="bg1"/>
-                </a:solidFill>
-                <a:latin typeface="Times New Roman" panose="02020603050405020304" pitchFamily="18" charset="0"/>
-                <a:cs typeface="Times New Roman" panose="02020603050405020304" pitchFamily="18" charset="0"/>
-              </a:rPr>
-              <a:t> leveling </a:t>
-            </a:r>
-            <a:r>
-              <a:rPr lang="en-US" sz="2200" dirty="0" err="1">
-                <a:solidFill>
-                  <a:schemeClr val="bg1"/>
-                </a:solidFill>
-                <a:latin typeface="Times New Roman" panose="02020603050405020304" pitchFamily="18" charset="0"/>
-                <a:cs typeface="Times New Roman" panose="02020603050405020304" pitchFamily="18" charset="0"/>
-              </a:rPr>
-              <a:t>nguồn</a:t>
-            </a:r>
-            <a:r>
-              <a:rPr lang="en-US" sz="2200" dirty="0">
-                <a:solidFill>
-                  <a:schemeClr val="bg1"/>
-                </a:solidFill>
-                <a:latin typeface="Times New Roman" panose="02020603050405020304" pitchFamily="18" charset="0"/>
-                <a:cs typeface="Times New Roman" panose="02020603050405020304" pitchFamily="18" charset="0"/>
-              </a:rPr>
-              <a:t> </a:t>
-            </a:r>
-            <a:r>
-              <a:rPr lang="en-US" sz="2200" dirty="0" err="1">
-                <a:solidFill>
-                  <a:schemeClr val="bg1"/>
-                </a:solidFill>
-                <a:latin typeface="Times New Roman" panose="02020603050405020304" pitchFamily="18" charset="0"/>
-                <a:cs typeface="Times New Roman" panose="02020603050405020304" pitchFamily="18" charset="0"/>
-              </a:rPr>
-              <a:t>lực</a:t>
-            </a:r>
-            <a:endParaRPr lang="en-US" sz="2200" dirty="0">
-              <a:solidFill>
-                <a:schemeClr val="bg1"/>
-              </a:solidFill>
-              <a:latin typeface="Times New Roman" panose="02020603050405020304" pitchFamily="18" charset="0"/>
-              <a:cs typeface="Times New Roman" panose="02020603050405020304" pitchFamily="18" charset="0"/>
-            </a:endParaRPr>
+      </p:pic>
+      <p:sp>
+        <p:nvSpPr>
+          <p:cNvPr id="10" name="Slide Number Placeholder 9">
+            <a:extLst>
+              <a:ext uri="{FF2B5EF4-FFF2-40B4-BE49-F238E27FC236}">
+                <a16:creationId xmlns:a16="http://schemas.microsoft.com/office/drawing/2014/main" id="{65B5101A-E836-4DB9-8C30-CCF1302568C8}"/>
+              </a:ext>
+            </a:extLst>
+          </p:cNvPr>
+          <p:cNvSpPr>
+            <a:spLocks noGrp="1"/>
+          </p:cNvSpPr>
+          <p:nvPr>
+            <p:ph type="sldNum" sz="quarter" idx="12"/>
+          </p:nvPr>
+        </p:nvSpPr>
+        <p:spPr/>
+        <p:txBody>
+          <a:bodyPr/>
+          <a:lstStyle/>
+          <a:p>
+            <a:fld id="{06BD3093-E1A9-4AD5-AE9A-BCF471067984}" type="slidenum">
+              <a:rPr lang="en-US" smtClean="0"/>
+              <a:t>5</a:t>
+            </a:fld>
+            <a:endParaRPr lang="en-US"/>
           </a:p>
         </p:txBody>
       </p:sp>
     </p:spTree>
     <p:extLst>
       <p:ext uri="{BB962C8B-B14F-4D97-AF65-F5344CB8AC3E}">
-        <p14:creationId xmlns:p14="http://schemas.microsoft.com/office/powerpoint/2010/main" val="515675212"/>
+        <p14:creationId xmlns:p14="http://schemas.microsoft.com/office/powerpoint/2010/main" val="2685114075"/>
       </p:ext>
     </p:extLst>
   </p:cSld>
@@ -5186,14 +6239,6 @@
 <file path=ppt/slides/slide6.xml><?xml version="1.0" encoding="utf-8"?>
 <p:sld xmlns:a="http://schemas.openxmlformats.org/drawingml/2006/main" xmlns:r="http://schemas.openxmlformats.org/officeDocument/2006/relationships" xmlns:p="http://schemas.openxmlformats.org/presentationml/2006/main">
   <p:cSld>
-    <p:bg>
-      <p:bgPr>
-        <a:solidFill>
-          <a:srgbClr val="1B1B1B"/>
-        </a:solidFill>
-        <a:effectLst/>
-      </p:bgPr>
-    </p:bg>
     <p:spTree>
       <p:nvGrpSpPr>
         <p:cNvPr id="1" name=""/>
@@ -5245,7 +6290,7 @@
                 <a:latin typeface="Times New Roman" panose="02020603050405020304" pitchFamily="18" charset="0"/>
                 <a:cs typeface="Times New Roman" panose="02020603050405020304" pitchFamily="18" charset="0"/>
               </a:rPr>
-              <a:t>Quản</a:t>
+              <a:t>Phân</a:t>
             </a:r>
             <a:r>
               <a:rPr lang="en-US" sz="3200" dirty="0">
@@ -5265,7 +6310,7 @@
                 <a:latin typeface="Times New Roman" panose="02020603050405020304" pitchFamily="18" charset="0"/>
                 <a:cs typeface="Times New Roman" panose="02020603050405020304" pitchFamily="18" charset="0"/>
               </a:rPr>
-              <a:t>trị</a:t>
+              <a:t>phối</a:t>
             </a:r>
             <a:r>
               <a:rPr lang="en-US" sz="3200" dirty="0">
@@ -5285,7 +6330,7 @@
                 <a:latin typeface="Times New Roman" panose="02020603050405020304" pitchFamily="18" charset="0"/>
                 <a:cs typeface="Times New Roman" panose="02020603050405020304" pitchFamily="18" charset="0"/>
               </a:rPr>
-              <a:t>rủi</a:t>
+              <a:t>nguồn</a:t>
             </a:r>
             <a:r>
               <a:rPr lang="en-US" sz="3200" dirty="0">
@@ -5305,7 +6350,7 @@
                 <a:latin typeface="Times New Roman" panose="02020603050405020304" pitchFamily="18" charset="0"/>
                 <a:cs typeface="Times New Roman" panose="02020603050405020304" pitchFamily="18" charset="0"/>
               </a:rPr>
-              <a:t>ro</a:t>
+              <a:t>lực</a:t>
             </a:r>
             <a:endParaRPr lang="en-US" sz="3200" dirty="0">
               <a:solidFill>
@@ -5331,8 +6376,8 @@
         </p:nvSpPr>
         <p:spPr>
           <a:xfrm>
-            <a:off x="773723" y="1448972"/>
-            <a:ext cx="9467557" cy="1047210"/>
+            <a:off x="773723" y="1519311"/>
+            <a:ext cx="9467557" cy="4094198"/>
           </a:xfrm>
           <a:prstGeom prst="rect">
             <a:avLst/>
@@ -5360,7 +6405,7 @@
                 <a:latin typeface="Times New Roman" panose="02020603050405020304" pitchFamily="18" charset="0"/>
                 <a:cs typeface="Times New Roman" panose="02020603050405020304" pitchFamily="18" charset="0"/>
               </a:rPr>
-              <a:t>Các</a:t>
+              <a:t>Nguồn</a:t>
             </a:r>
             <a:r>
               <a:rPr lang="en-US" sz="2200" dirty="0">
@@ -5380,7 +6425,7 @@
                 <a:latin typeface="Times New Roman" panose="02020603050405020304" pitchFamily="18" charset="0"/>
                 <a:cs typeface="Times New Roman" panose="02020603050405020304" pitchFamily="18" charset="0"/>
               </a:rPr>
-              <a:t>rủi</a:t>
+              <a:t>lực</a:t>
             </a:r>
             <a:r>
               <a:rPr lang="en-US" sz="2200" dirty="0">
@@ -5400,7 +6445,7 @@
                 <a:latin typeface="Times New Roman" panose="02020603050405020304" pitchFamily="18" charset="0"/>
                 <a:cs typeface="Times New Roman" panose="02020603050405020304" pitchFamily="18" charset="0"/>
               </a:rPr>
-              <a:t>ro</a:t>
+              <a:t>hiện</a:t>
             </a:r>
             <a:r>
               <a:rPr lang="en-US" sz="2200" dirty="0">
@@ -5422,6 +6467,22 @@
               </a:rPr>
               <a:t>có</a:t>
             </a:r>
+            <a:endParaRPr lang="en-US" sz="2200" dirty="0">
+              <a:solidFill>
+                <a:schemeClr val="bg1"/>
+              </a:solidFill>
+              <a:latin typeface="Times New Roman" panose="02020603050405020304" pitchFamily="18" charset="0"/>
+              <a:cs typeface="Times New Roman" panose="02020603050405020304" pitchFamily="18" charset="0"/>
+            </a:endParaRPr>
+          </a:p>
+          <a:p>
+            <a:pPr marL="800100" lvl="1" indent="-342900">
+              <a:lnSpc>
+                <a:spcPct val="150000"/>
+              </a:lnSpc>
+              <a:buFont typeface="Wingdings" panose="05000000000000000000" pitchFamily="2" charset="2"/>
+              <a:buChar char="§"/>
+            </a:pPr>
             <a:r>
               <a:rPr lang="en-US" sz="2200" dirty="0">
                 <a:solidFill>
@@ -5430,18 +6491,36 @@
                 <a:latin typeface="Times New Roman" panose="02020603050405020304" pitchFamily="18" charset="0"/>
                 <a:cs typeface="Times New Roman" panose="02020603050405020304" pitchFamily="18" charset="0"/>
               </a:rPr>
-              <a:t> </a:t>
-            </a:r>
-            <a:r>
-              <a:rPr lang="en-US" sz="2200" dirty="0" err="1">
+              <a:t>Front-end Dev : 2</a:t>
+            </a:r>
+          </a:p>
+          <a:p>
+            <a:pPr marL="800100" lvl="1" indent="-342900">
+              <a:lnSpc>
+                <a:spcPct val="150000"/>
+              </a:lnSpc>
+              <a:buFont typeface="Wingdings" panose="05000000000000000000" pitchFamily="2" charset="2"/>
+              <a:buChar char="§"/>
+            </a:pPr>
+            <a:r>
+              <a:rPr lang="en-US" sz="2200" dirty="0">
                 <a:solidFill>
                   <a:schemeClr val="bg1"/>
                 </a:solidFill>
                 <a:latin typeface="Times New Roman" panose="02020603050405020304" pitchFamily="18" charset="0"/>
                 <a:cs typeface="Times New Roman" panose="02020603050405020304" pitchFamily="18" charset="0"/>
               </a:rPr>
-              <a:t>thể</a:t>
-            </a:r>
+              <a:t>Designer: 1</a:t>
+            </a:r>
+          </a:p>
+          <a:p>
+            <a:pPr marL="800100" lvl="1" indent="-342900">
+              <a:lnSpc>
+                <a:spcPct val="150000"/>
+              </a:lnSpc>
+              <a:buFont typeface="Wingdings" panose="05000000000000000000" pitchFamily="2" charset="2"/>
+              <a:buChar char="§"/>
+            </a:pPr>
             <a:r>
               <a:rPr lang="en-US" sz="2200" dirty="0">
                 <a:solidFill>
@@ -5450,18 +6529,36 @@
                 <a:latin typeface="Times New Roman" panose="02020603050405020304" pitchFamily="18" charset="0"/>
                 <a:cs typeface="Times New Roman" panose="02020603050405020304" pitchFamily="18" charset="0"/>
               </a:rPr>
-              <a:t> </a:t>
-            </a:r>
-            <a:r>
-              <a:rPr lang="en-US" sz="2200" dirty="0" err="1">
+              <a:t>Tester: 2</a:t>
+            </a:r>
+          </a:p>
+          <a:p>
+            <a:pPr marL="800100" lvl="1" indent="-342900">
+              <a:lnSpc>
+                <a:spcPct val="150000"/>
+              </a:lnSpc>
+              <a:buFont typeface="Wingdings" panose="05000000000000000000" pitchFamily="2" charset="2"/>
+              <a:buChar char="§"/>
+            </a:pPr>
+            <a:r>
+              <a:rPr lang="en-US" sz="2200" dirty="0">
                 <a:solidFill>
                   <a:schemeClr val="bg1"/>
                 </a:solidFill>
                 <a:latin typeface="Times New Roman" panose="02020603050405020304" pitchFamily="18" charset="0"/>
                 <a:cs typeface="Times New Roman" panose="02020603050405020304" pitchFamily="18" charset="0"/>
               </a:rPr>
-              <a:t>xảy</a:t>
-            </a:r>
+              <a:t>BA:1</a:t>
+            </a:r>
+          </a:p>
+          <a:p>
+            <a:pPr marL="800100" lvl="1" indent="-342900">
+              <a:lnSpc>
+                <a:spcPct val="150000"/>
+              </a:lnSpc>
+              <a:buFont typeface="Wingdings" panose="05000000000000000000" pitchFamily="2" charset="2"/>
+              <a:buChar char="§"/>
+            </a:pPr>
             <a:r>
               <a:rPr lang="en-US" sz="2200" dirty="0">
                 <a:solidFill>
@@ -5470,7 +6567,7 @@
                 <a:latin typeface="Times New Roman" panose="02020603050405020304" pitchFamily="18" charset="0"/>
                 <a:cs typeface="Times New Roman" panose="02020603050405020304" pitchFamily="18" charset="0"/>
               </a:rPr>
-              <a:t> ra</a:t>
+              <a:t>Back-end Dev: 3</a:t>
             </a:r>
           </a:p>
           <a:p>
@@ -5489,7 +6586,7 @@
                 <a:latin typeface="Times New Roman" panose="02020603050405020304" pitchFamily="18" charset="0"/>
                 <a:cs typeface="Times New Roman" panose="02020603050405020304" pitchFamily="18" charset="0"/>
               </a:rPr>
-              <a:t>Cách</a:t>
+              <a:t>Phân</a:t>
             </a:r>
             <a:r>
               <a:rPr lang="en-US" sz="2200" dirty="0">
@@ -5509,7 +6606,7 @@
                 <a:latin typeface="Times New Roman" panose="02020603050405020304" pitchFamily="18" charset="0"/>
                 <a:cs typeface="Times New Roman" panose="02020603050405020304" pitchFamily="18" charset="0"/>
               </a:rPr>
-              <a:t>ứng</a:t>
+              <a:t>phối</a:t>
             </a:r>
             <a:r>
               <a:rPr lang="en-US" sz="2200" dirty="0">
@@ -5529,7 +6626,7 @@
                 <a:latin typeface="Times New Roman" panose="02020603050405020304" pitchFamily="18" charset="0"/>
                 <a:cs typeface="Times New Roman" panose="02020603050405020304" pitchFamily="18" charset="0"/>
               </a:rPr>
-              <a:t>phó</a:t>
+              <a:t>thời</a:t>
             </a:r>
             <a:r>
               <a:rPr lang="en-US" sz="2200" dirty="0">
@@ -5549,67 +6646,7 @@
                 <a:latin typeface="Times New Roman" panose="02020603050405020304" pitchFamily="18" charset="0"/>
                 <a:cs typeface="Times New Roman" panose="02020603050405020304" pitchFamily="18" charset="0"/>
               </a:rPr>
-              <a:t>với</a:t>
-            </a:r>
-            <a:r>
-              <a:rPr lang="en-US" sz="2200" dirty="0">
-                <a:solidFill>
-                  <a:schemeClr val="bg1"/>
-                </a:solidFill>
-                <a:latin typeface="Times New Roman" panose="02020603050405020304" pitchFamily="18" charset="0"/>
-                <a:cs typeface="Times New Roman" panose="02020603050405020304" pitchFamily="18" charset="0"/>
-              </a:rPr>
-              <a:t> </a:t>
-            </a:r>
-            <a:r>
-              <a:rPr lang="en-US" sz="2200" dirty="0" err="1">
-                <a:solidFill>
-                  <a:schemeClr val="bg1"/>
-                </a:solidFill>
-                <a:latin typeface="Times New Roman" panose="02020603050405020304" pitchFamily="18" charset="0"/>
-                <a:cs typeface="Times New Roman" panose="02020603050405020304" pitchFamily="18" charset="0"/>
-              </a:rPr>
-              <a:t>các</a:t>
-            </a:r>
-            <a:r>
-              <a:rPr lang="en-US" sz="2200" dirty="0">
-                <a:solidFill>
-                  <a:schemeClr val="bg1"/>
-                </a:solidFill>
-                <a:latin typeface="Times New Roman" panose="02020603050405020304" pitchFamily="18" charset="0"/>
-                <a:cs typeface="Times New Roman" panose="02020603050405020304" pitchFamily="18" charset="0"/>
-              </a:rPr>
-              <a:t> </a:t>
-            </a:r>
-            <a:r>
-              <a:rPr lang="en-US" sz="2200" dirty="0" err="1">
-                <a:solidFill>
-                  <a:schemeClr val="bg1"/>
-                </a:solidFill>
-                <a:latin typeface="Times New Roman" panose="02020603050405020304" pitchFamily="18" charset="0"/>
-                <a:cs typeface="Times New Roman" panose="02020603050405020304" pitchFamily="18" charset="0"/>
-              </a:rPr>
-              <a:t>rủi</a:t>
-            </a:r>
-            <a:r>
-              <a:rPr lang="en-US" sz="2200" dirty="0">
-                <a:solidFill>
-                  <a:schemeClr val="bg1"/>
-                </a:solidFill>
-                <a:latin typeface="Times New Roman" panose="02020603050405020304" pitchFamily="18" charset="0"/>
-                <a:cs typeface="Times New Roman" panose="02020603050405020304" pitchFamily="18" charset="0"/>
-              </a:rPr>
-              <a:t> </a:t>
-            </a:r>
-            <a:r>
-              <a:rPr lang="en-US" sz="2200" dirty="0" err="1">
-                <a:solidFill>
-                  <a:schemeClr val="bg1"/>
-                </a:solidFill>
-                <a:latin typeface="Times New Roman" panose="02020603050405020304" pitchFamily="18" charset="0"/>
-                <a:cs typeface="Times New Roman" panose="02020603050405020304" pitchFamily="18" charset="0"/>
-              </a:rPr>
-              <a:t>ro</a:t>
+              <a:t>gian</a:t>
             </a:r>
             <a:endParaRPr lang="en-US" sz="2200" dirty="0">
               <a:solidFill>
@@ -5619,12 +6656,739 @@
               <a:cs typeface="Times New Roman" panose="02020603050405020304" pitchFamily="18" charset="0"/>
             </a:endParaRPr>
           </a:p>
+          <a:p>
+            <a:pPr marL="285750" indent="-285750">
+              <a:lnSpc>
+                <a:spcPct val="150000"/>
+              </a:lnSpc>
+              <a:buFont typeface="Arial" panose="020B0604020202020204" pitchFamily="34" charset="0"/>
+              <a:buChar char="•"/>
+            </a:pPr>
+            <a:r>
+              <a:rPr lang="en-US" sz="2200" dirty="0" err="1">
+                <a:solidFill>
+                  <a:schemeClr val="bg1"/>
+                </a:solidFill>
+                <a:latin typeface="Times New Roman" panose="02020603050405020304" pitchFamily="18" charset="0"/>
+                <a:cs typeface="Times New Roman" panose="02020603050405020304" pitchFamily="18" charset="0"/>
+              </a:rPr>
+              <a:t>Phân</a:t>
+            </a:r>
+            <a:r>
+              <a:rPr lang="en-US" sz="2200" dirty="0">
+                <a:solidFill>
+                  <a:schemeClr val="bg1"/>
+                </a:solidFill>
+                <a:latin typeface="Times New Roman" panose="02020603050405020304" pitchFamily="18" charset="0"/>
+                <a:cs typeface="Times New Roman" panose="02020603050405020304" pitchFamily="18" charset="0"/>
+              </a:rPr>
+              <a:t> </a:t>
+            </a:r>
+            <a:r>
+              <a:rPr lang="en-US" sz="2200" dirty="0" err="1">
+                <a:solidFill>
+                  <a:schemeClr val="bg1"/>
+                </a:solidFill>
+                <a:latin typeface="Times New Roman" panose="02020603050405020304" pitchFamily="18" charset="0"/>
+                <a:cs typeface="Times New Roman" panose="02020603050405020304" pitchFamily="18" charset="0"/>
+              </a:rPr>
+              <a:t>phối</a:t>
+            </a:r>
+            <a:r>
+              <a:rPr lang="en-US" sz="2200" dirty="0">
+                <a:solidFill>
+                  <a:schemeClr val="bg1"/>
+                </a:solidFill>
+                <a:latin typeface="Times New Roman" panose="02020603050405020304" pitchFamily="18" charset="0"/>
+                <a:cs typeface="Times New Roman" panose="02020603050405020304" pitchFamily="18" charset="0"/>
+              </a:rPr>
+              <a:t> </a:t>
+            </a:r>
+            <a:r>
+              <a:rPr lang="en-US" sz="2200" dirty="0" err="1">
+                <a:solidFill>
+                  <a:schemeClr val="bg1"/>
+                </a:solidFill>
+                <a:latin typeface="Times New Roman" panose="02020603050405020304" pitchFamily="18" charset="0"/>
+                <a:cs typeface="Times New Roman" panose="02020603050405020304" pitchFamily="18" charset="0"/>
+              </a:rPr>
+              <a:t>nguồn</a:t>
+            </a:r>
+            <a:r>
+              <a:rPr lang="en-US" sz="2200" dirty="0">
+                <a:solidFill>
+                  <a:schemeClr val="bg1"/>
+                </a:solidFill>
+                <a:latin typeface="Times New Roman" panose="02020603050405020304" pitchFamily="18" charset="0"/>
+                <a:cs typeface="Times New Roman" panose="02020603050405020304" pitchFamily="18" charset="0"/>
+              </a:rPr>
+              <a:t> </a:t>
+            </a:r>
+            <a:r>
+              <a:rPr lang="en-US" sz="2200" dirty="0" err="1">
+                <a:solidFill>
+                  <a:schemeClr val="bg1"/>
+                </a:solidFill>
+                <a:latin typeface="Times New Roman" panose="02020603050405020304" pitchFamily="18" charset="0"/>
+                <a:cs typeface="Times New Roman" panose="02020603050405020304" pitchFamily="18" charset="0"/>
+              </a:rPr>
+              <a:t>lực</a:t>
+            </a:r>
+            <a:endParaRPr lang="en-US" sz="2200" dirty="0">
+              <a:solidFill>
+                <a:schemeClr val="bg1"/>
+              </a:solidFill>
+              <a:latin typeface="Times New Roman" panose="02020603050405020304" pitchFamily="18" charset="0"/>
+              <a:cs typeface="Times New Roman" panose="02020603050405020304" pitchFamily="18" charset="0"/>
+            </a:endParaRPr>
+          </a:p>
+        </p:txBody>
+      </p:sp>
+      <p:sp>
+        <p:nvSpPr>
+          <p:cNvPr id="4" name="Slide Number Placeholder 3">
+            <a:extLst>
+              <a:ext uri="{FF2B5EF4-FFF2-40B4-BE49-F238E27FC236}">
+                <a16:creationId xmlns:a16="http://schemas.microsoft.com/office/drawing/2014/main" id="{4E52F411-86F7-4048-B067-ABBE5C892013}"/>
+              </a:ext>
+            </a:extLst>
+          </p:cNvPr>
+          <p:cNvSpPr>
+            <a:spLocks noGrp="1"/>
+          </p:cNvSpPr>
+          <p:nvPr>
+            <p:ph type="sldNum" sz="quarter" idx="12"/>
+          </p:nvPr>
+        </p:nvSpPr>
+        <p:spPr/>
+        <p:txBody>
+          <a:bodyPr/>
+          <a:lstStyle/>
+          <a:p>
+            <a:fld id="{06BD3093-E1A9-4AD5-AE9A-BCF471067984}" type="slidenum">
+              <a:rPr lang="en-US" smtClean="0"/>
+              <a:t>6</a:t>
+            </a:fld>
+            <a:endParaRPr lang="en-US"/>
+          </a:p>
         </p:txBody>
       </p:sp>
     </p:spTree>
     <p:extLst>
       <p:ext uri="{BB962C8B-B14F-4D97-AF65-F5344CB8AC3E}">
-        <p14:creationId xmlns:p14="http://schemas.microsoft.com/office/powerpoint/2010/main" val="3662528453"/>
+        <p14:creationId xmlns:p14="http://schemas.microsoft.com/office/powerpoint/2010/main" val="515675212"/>
+      </p:ext>
+    </p:extLst>
+  </p:cSld>
+  <p:clrMapOvr>
+    <a:masterClrMapping/>
+  </p:clrMapOvr>
+</p:sld>
+</file>
+
+<file path=ppt/slides/slide7.xml><?xml version="1.0" encoding="utf-8"?>
+<p:sld xmlns:a="http://schemas.openxmlformats.org/drawingml/2006/main" xmlns:r="http://schemas.openxmlformats.org/officeDocument/2006/relationships" xmlns:p="http://schemas.openxmlformats.org/presentationml/2006/main">
+  <p:cSld>
+    <p:spTree>
+      <p:nvGrpSpPr>
+        <p:cNvPr id="1" name=""/>
+        <p:cNvGrpSpPr/>
+        <p:nvPr/>
+      </p:nvGrpSpPr>
+      <p:grpSpPr>
+        <a:xfrm>
+          <a:off x="0" y="0"/>
+          <a:ext cx="0" cy="0"/>
+          <a:chOff x="0" y="0"/>
+          <a:chExt cx="0" cy="0"/>
+        </a:xfrm>
+      </p:grpSpPr>
+      <p:sp>
+        <p:nvSpPr>
+          <p:cNvPr id="2" name="Title 1">
+            <a:extLst>
+              <a:ext uri="{FF2B5EF4-FFF2-40B4-BE49-F238E27FC236}">
+                <a16:creationId xmlns:a16="http://schemas.microsoft.com/office/drawing/2014/main" id="{9925B72B-B7F7-4789-AA83-C077DC0F3014}"/>
+              </a:ext>
+            </a:extLst>
+          </p:cNvPr>
+          <p:cNvSpPr>
+            <a:spLocks noGrp="1"/>
+          </p:cNvSpPr>
+          <p:nvPr>
+            <p:ph type="ctrTitle"/>
+          </p:nvPr>
+        </p:nvSpPr>
+        <p:spPr>
+          <a:xfrm>
+            <a:off x="457200" y="363923"/>
+            <a:ext cx="11277600" cy="481354"/>
+          </a:xfrm>
+        </p:spPr>
+        <p:txBody>
+          <a:bodyPr>
+            <a:noAutofit/>
+          </a:bodyPr>
+          <a:lstStyle/>
+          <a:p>
+            <a:pPr algn="l"/>
+            <a:r>
+              <a:rPr lang="en-US" sz="3200" dirty="0" err="1">
+                <a:solidFill>
+                  <a:schemeClr val="bg1"/>
+                </a:solidFill>
+                <a:latin typeface="Arial" panose="020B0604020202020204" pitchFamily="34" charset="0"/>
+                <a:cs typeface="Arial" panose="020B0604020202020204" pitchFamily="34" charset="0"/>
+              </a:rPr>
+              <a:t>Phân</a:t>
+            </a:r>
+            <a:r>
+              <a:rPr lang="en-US" sz="3200" dirty="0">
+                <a:solidFill>
+                  <a:schemeClr val="bg1"/>
+                </a:solidFill>
+                <a:latin typeface="Arial" panose="020B0604020202020204" pitchFamily="34" charset="0"/>
+                <a:cs typeface="Arial" panose="020B0604020202020204" pitchFamily="34" charset="0"/>
+              </a:rPr>
+              <a:t> </a:t>
+            </a:r>
+            <a:r>
+              <a:rPr lang="en-US" sz="3200" dirty="0" err="1">
+                <a:solidFill>
+                  <a:schemeClr val="bg1"/>
+                </a:solidFill>
+                <a:latin typeface="Arial" panose="020B0604020202020204" pitchFamily="34" charset="0"/>
+                <a:cs typeface="Arial" panose="020B0604020202020204" pitchFamily="34" charset="0"/>
+              </a:rPr>
+              <a:t>phối</a:t>
+            </a:r>
+            <a:r>
+              <a:rPr lang="en-US" sz="3200" dirty="0">
+                <a:solidFill>
+                  <a:schemeClr val="bg1"/>
+                </a:solidFill>
+                <a:latin typeface="Arial" panose="020B0604020202020204" pitchFamily="34" charset="0"/>
+                <a:cs typeface="Arial" panose="020B0604020202020204" pitchFamily="34" charset="0"/>
+              </a:rPr>
+              <a:t> </a:t>
+            </a:r>
+            <a:r>
+              <a:rPr lang="en-US" sz="3200" dirty="0" err="1">
+                <a:solidFill>
+                  <a:schemeClr val="bg1"/>
+                </a:solidFill>
+                <a:latin typeface="Arial" panose="020B0604020202020204" pitchFamily="34" charset="0"/>
+                <a:cs typeface="Arial" panose="020B0604020202020204" pitchFamily="34" charset="0"/>
+              </a:rPr>
+              <a:t>thời</a:t>
+            </a:r>
+            <a:r>
+              <a:rPr lang="en-US" sz="3200" dirty="0">
+                <a:solidFill>
+                  <a:schemeClr val="bg1"/>
+                </a:solidFill>
+                <a:latin typeface="Arial" panose="020B0604020202020204" pitchFamily="34" charset="0"/>
+                <a:cs typeface="Arial" panose="020B0604020202020204" pitchFamily="34" charset="0"/>
+              </a:rPr>
+              <a:t> </a:t>
+            </a:r>
+            <a:r>
+              <a:rPr lang="en-US" sz="3200" dirty="0" err="1">
+                <a:solidFill>
+                  <a:schemeClr val="bg1"/>
+                </a:solidFill>
+                <a:latin typeface="Arial" panose="020B0604020202020204" pitchFamily="34" charset="0"/>
+                <a:cs typeface="Arial" panose="020B0604020202020204" pitchFamily="34" charset="0"/>
+              </a:rPr>
+              <a:t>gian</a:t>
+            </a:r>
+            <a:endParaRPr lang="en-US" sz="3200" dirty="0">
+              <a:solidFill>
+                <a:schemeClr val="bg1"/>
+              </a:solidFill>
+              <a:latin typeface="Arial" panose="020B0604020202020204" pitchFamily="34" charset="0"/>
+              <a:cs typeface="Arial" panose="020B0604020202020204" pitchFamily="34" charset="0"/>
+            </a:endParaRPr>
+          </a:p>
+        </p:txBody>
+      </p:sp>
+      <p:pic>
+        <p:nvPicPr>
+          <p:cNvPr id="5" name="Picture 4">
+            <a:extLst>
+              <a:ext uri="{FF2B5EF4-FFF2-40B4-BE49-F238E27FC236}">
+                <a16:creationId xmlns:a16="http://schemas.microsoft.com/office/drawing/2014/main" id="{32BBC9E5-B091-4F83-BAB1-E57854572E2E}"/>
+              </a:ext>
+            </a:extLst>
+          </p:cNvPr>
+          <p:cNvPicPr>
+            <a:picLocks noChangeAspect="1"/>
+          </p:cNvPicPr>
+          <p:nvPr/>
+        </p:nvPicPr>
+        <p:blipFill>
+          <a:blip r:embed="rId2">
+            <a:extLst>
+              <a:ext uri="{28A0092B-C50C-407E-A947-70E740481C1C}">
+                <a14:useLocalDpi xmlns:a14="http://schemas.microsoft.com/office/drawing/2010/main" val="0"/>
+              </a:ext>
+            </a:extLst>
+          </a:blip>
+          <a:stretch>
+            <a:fillRect/>
+          </a:stretch>
+        </p:blipFill>
+        <p:spPr>
+          <a:xfrm>
+            <a:off x="3723944" y="1090286"/>
+            <a:ext cx="4744112" cy="4677428"/>
+          </a:xfrm>
+          <a:prstGeom prst="rect">
+            <a:avLst/>
+          </a:prstGeom>
+        </p:spPr>
+      </p:pic>
+      <p:sp>
+        <p:nvSpPr>
+          <p:cNvPr id="6" name="Slide Number Placeholder 5">
+            <a:extLst>
+              <a:ext uri="{FF2B5EF4-FFF2-40B4-BE49-F238E27FC236}">
+                <a16:creationId xmlns:a16="http://schemas.microsoft.com/office/drawing/2014/main" id="{80B96663-F00D-4CDB-B18D-1B79F725D689}"/>
+              </a:ext>
+            </a:extLst>
+          </p:cNvPr>
+          <p:cNvSpPr>
+            <a:spLocks noGrp="1"/>
+          </p:cNvSpPr>
+          <p:nvPr>
+            <p:ph type="sldNum" sz="quarter" idx="12"/>
+          </p:nvPr>
+        </p:nvSpPr>
+        <p:spPr/>
+        <p:txBody>
+          <a:bodyPr/>
+          <a:lstStyle/>
+          <a:p>
+            <a:fld id="{06BD3093-E1A9-4AD5-AE9A-BCF471067984}" type="slidenum">
+              <a:rPr lang="en-US" smtClean="0"/>
+              <a:t>7</a:t>
+            </a:fld>
+            <a:endParaRPr lang="en-US"/>
+          </a:p>
+        </p:txBody>
+      </p:sp>
+    </p:spTree>
+    <p:extLst>
+      <p:ext uri="{BB962C8B-B14F-4D97-AF65-F5344CB8AC3E}">
+        <p14:creationId xmlns:p14="http://schemas.microsoft.com/office/powerpoint/2010/main" val="3246703059"/>
+      </p:ext>
+    </p:extLst>
+  </p:cSld>
+  <p:clrMapOvr>
+    <a:masterClrMapping/>
+  </p:clrMapOvr>
+</p:sld>
+</file>
+
+<file path=ppt/slides/slide8.xml><?xml version="1.0" encoding="utf-8"?>
+<p:sld xmlns:a="http://schemas.openxmlformats.org/drawingml/2006/main" xmlns:r="http://schemas.openxmlformats.org/officeDocument/2006/relationships" xmlns:p="http://schemas.openxmlformats.org/presentationml/2006/main">
+  <p:cSld>
+    <p:spTree>
+      <p:nvGrpSpPr>
+        <p:cNvPr id="1" name=""/>
+        <p:cNvGrpSpPr/>
+        <p:nvPr/>
+      </p:nvGrpSpPr>
+      <p:grpSpPr>
+        <a:xfrm>
+          <a:off x="0" y="0"/>
+          <a:ext cx="0" cy="0"/>
+          <a:chOff x="0" y="0"/>
+          <a:chExt cx="0" cy="0"/>
+        </a:xfrm>
+      </p:grpSpPr>
+      <p:sp>
+        <p:nvSpPr>
+          <p:cNvPr id="2" name="Title 1">
+            <a:extLst>
+              <a:ext uri="{FF2B5EF4-FFF2-40B4-BE49-F238E27FC236}">
+                <a16:creationId xmlns:a16="http://schemas.microsoft.com/office/drawing/2014/main" id="{9925B72B-B7F7-4789-AA83-C077DC0F3014}"/>
+              </a:ext>
+            </a:extLst>
+          </p:cNvPr>
+          <p:cNvSpPr>
+            <a:spLocks noGrp="1"/>
+          </p:cNvSpPr>
+          <p:nvPr>
+            <p:ph type="ctrTitle"/>
+          </p:nvPr>
+        </p:nvSpPr>
+        <p:spPr>
+          <a:xfrm>
+            <a:off x="457200" y="363923"/>
+            <a:ext cx="11277600" cy="481354"/>
+          </a:xfrm>
+        </p:spPr>
+        <p:txBody>
+          <a:bodyPr>
+            <a:noAutofit/>
+          </a:bodyPr>
+          <a:lstStyle/>
+          <a:p>
+            <a:pPr algn="l"/>
+            <a:r>
+              <a:rPr lang="en-US" sz="3200" dirty="0" err="1">
+                <a:solidFill>
+                  <a:schemeClr val="bg1"/>
+                </a:solidFill>
+                <a:latin typeface="Arial" panose="020B0604020202020204" pitchFamily="34" charset="0"/>
+                <a:cs typeface="Arial" panose="020B0604020202020204" pitchFamily="34" charset="0"/>
+              </a:rPr>
+              <a:t>Phân</a:t>
+            </a:r>
+            <a:r>
+              <a:rPr lang="en-US" sz="3200" dirty="0">
+                <a:solidFill>
+                  <a:schemeClr val="bg1"/>
+                </a:solidFill>
+                <a:latin typeface="Arial" panose="020B0604020202020204" pitchFamily="34" charset="0"/>
+                <a:cs typeface="Arial" panose="020B0604020202020204" pitchFamily="34" charset="0"/>
+              </a:rPr>
+              <a:t> </a:t>
+            </a:r>
+            <a:r>
+              <a:rPr lang="en-US" sz="3200" dirty="0" err="1">
+                <a:solidFill>
+                  <a:schemeClr val="bg1"/>
+                </a:solidFill>
+                <a:latin typeface="Arial" panose="020B0604020202020204" pitchFamily="34" charset="0"/>
+                <a:cs typeface="Arial" panose="020B0604020202020204" pitchFamily="34" charset="0"/>
+              </a:rPr>
+              <a:t>phối</a:t>
+            </a:r>
+            <a:r>
+              <a:rPr lang="en-US" sz="3200" dirty="0">
+                <a:solidFill>
+                  <a:schemeClr val="bg1"/>
+                </a:solidFill>
+                <a:latin typeface="Arial" panose="020B0604020202020204" pitchFamily="34" charset="0"/>
+                <a:cs typeface="Arial" panose="020B0604020202020204" pitchFamily="34" charset="0"/>
+              </a:rPr>
+              <a:t> </a:t>
+            </a:r>
+            <a:r>
+              <a:rPr lang="en-US" sz="3200" dirty="0" err="1">
+                <a:solidFill>
+                  <a:schemeClr val="bg1"/>
+                </a:solidFill>
+                <a:latin typeface="Arial" panose="020B0604020202020204" pitchFamily="34" charset="0"/>
+                <a:cs typeface="Arial" panose="020B0604020202020204" pitchFamily="34" charset="0"/>
+              </a:rPr>
+              <a:t>thời</a:t>
+            </a:r>
+            <a:r>
+              <a:rPr lang="en-US" sz="3200" dirty="0">
+                <a:solidFill>
+                  <a:schemeClr val="bg1"/>
+                </a:solidFill>
+                <a:latin typeface="Arial" panose="020B0604020202020204" pitchFamily="34" charset="0"/>
+                <a:cs typeface="Arial" panose="020B0604020202020204" pitchFamily="34" charset="0"/>
+              </a:rPr>
+              <a:t> </a:t>
+            </a:r>
+            <a:r>
+              <a:rPr lang="en-US" sz="3200" dirty="0" err="1">
+                <a:solidFill>
+                  <a:schemeClr val="bg1"/>
+                </a:solidFill>
+                <a:latin typeface="Arial" panose="020B0604020202020204" pitchFamily="34" charset="0"/>
+                <a:cs typeface="Arial" panose="020B0604020202020204" pitchFamily="34" charset="0"/>
+              </a:rPr>
+              <a:t>gian</a:t>
+            </a:r>
+            <a:endParaRPr lang="en-US" sz="3200" dirty="0">
+              <a:solidFill>
+                <a:schemeClr val="bg1"/>
+              </a:solidFill>
+              <a:latin typeface="Arial" panose="020B0604020202020204" pitchFamily="34" charset="0"/>
+              <a:cs typeface="Arial" panose="020B0604020202020204" pitchFamily="34" charset="0"/>
+            </a:endParaRPr>
+          </a:p>
+        </p:txBody>
+      </p:sp>
+      <p:pic>
+        <p:nvPicPr>
+          <p:cNvPr id="4" name="Picture 3">
+            <a:extLst>
+              <a:ext uri="{FF2B5EF4-FFF2-40B4-BE49-F238E27FC236}">
+                <a16:creationId xmlns:a16="http://schemas.microsoft.com/office/drawing/2014/main" id="{927490F0-AA04-4708-8F39-37B7F7487355}"/>
+              </a:ext>
+            </a:extLst>
+          </p:cNvPr>
+          <p:cNvPicPr>
+            <a:picLocks noChangeAspect="1"/>
+          </p:cNvPicPr>
+          <p:nvPr/>
+        </p:nvPicPr>
+        <p:blipFill>
+          <a:blip r:embed="rId2">
+            <a:extLst>
+              <a:ext uri="{28A0092B-C50C-407E-A947-70E740481C1C}">
+                <a14:useLocalDpi xmlns:a14="http://schemas.microsoft.com/office/drawing/2010/main" val="0"/>
+              </a:ext>
+            </a:extLst>
+          </a:blip>
+          <a:stretch>
+            <a:fillRect/>
+          </a:stretch>
+        </p:blipFill>
+        <p:spPr>
+          <a:xfrm>
+            <a:off x="3738233" y="1085523"/>
+            <a:ext cx="4715533" cy="4686954"/>
+          </a:xfrm>
+          <a:prstGeom prst="rect">
+            <a:avLst/>
+          </a:prstGeom>
+        </p:spPr>
+      </p:pic>
+      <p:sp>
+        <p:nvSpPr>
+          <p:cNvPr id="6" name="Slide Number Placeholder 5">
+            <a:extLst>
+              <a:ext uri="{FF2B5EF4-FFF2-40B4-BE49-F238E27FC236}">
+                <a16:creationId xmlns:a16="http://schemas.microsoft.com/office/drawing/2014/main" id="{9829B418-6477-4941-B9BE-F55E8617DE93}"/>
+              </a:ext>
+            </a:extLst>
+          </p:cNvPr>
+          <p:cNvSpPr>
+            <a:spLocks noGrp="1"/>
+          </p:cNvSpPr>
+          <p:nvPr>
+            <p:ph type="sldNum" sz="quarter" idx="12"/>
+          </p:nvPr>
+        </p:nvSpPr>
+        <p:spPr/>
+        <p:txBody>
+          <a:bodyPr/>
+          <a:lstStyle/>
+          <a:p>
+            <a:fld id="{06BD3093-E1A9-4AD5-AE9A-BCF471067984}" type="slidenum">
+              <a:rPr lang="en-US" smtClean="0"/>
+              <a:t>8</a:t>
+            </a:fld>
+            <a:endParaRPr lang="en-US"/>
+          </a:p>
+        </p:txBody>
+      </p:sp>
+    </p:spTree>
+    <p:extLst>
+      <p:ext uri="{BB962C8B-B14F-4D97-AF65-F5344CB8AC3E}">
+        <p14:creationId xmlns:p14="http://schemas.microsoft.com/office/powerpoint/2010/main" val="2020149820"/>
+      </p:ext>
+    </p:extLst>
+  </p:cSld>
+  <p:clrMapOvr>
+    <a:masterClrMapping/>
+  </p:clrMapOvr>
+</p:sld>
+</file>
+
+<file path=ppt/slides/slide9.xml><?xml version="1.0" encoding="utf-8"?>
+<p:sld xmlns:a="http://schemas.openxmlformats.org/drawingml/2006/main" xmlns:r="http://schemas.openxmlformats.org/officeDocument/2006/relationships" xmlns:p="http://schemas.openxmlformats.org/presentationml/2006/main">
+  <p:cSld>
+    <p:spTree>
+      <p:nvGrpSpPr>
+        <p:cNvPr id="1" name=""/>
+        <p:cNvGrpSpPr/>
+        <p:nvPr/>
+      </p:nvGrpSpPr>
+      <p:grpSpPr>
+        <a:xfrm>
+          <a:off x="0" y="0"/>
+          <a:ext cx="0" cy="0"/>
+          <a:chOff x="0" y="0"/>
+          <a:chExt cx="0" cy="0"/>
+        </a:xfrm>
+      </p:grpSpPr>
+      <p:sp>
+        <p:nvSpPr>
+          <p:cNvPr id="2" name="Title 1">
+            <a:extLst>
+              <a:ext uri="{FF2B5EF4-FFF2-40B4-BE49-F238E27FC236}">
+                <a16:creationId xmlns:a16="http://schemas.microsoft.com/office/drawing/2014/main" id="{9925B72B-B7F7-4789-AA83-C077DC0F3014}"/>
+              </a:ext>
+            </a:extLst>
+          </p:cNvPr>
+          <p:cNvSpPr>
+            <a:spLocks noGrp="1"/>
+          </p:cNvSpPr>
+          <p:nvPr>
+            <p:ph type="ctrTitle"/>
+          </p:nvPr>
+        </p:nvSpPr>
+        <p:spPr>
+          <a:xfrm>
+            <a:off x="457200" y="363923"/>
+            <a:ext cx="11277600" cy="481354"/>
+          </a:xfrm>
+        </p:spPr>
+        <p:txBody>
+          <a:bodyPr>
+            <a:noAutofit/>
+          </a:bodyPr>
+          <a:lstStyle/>
+          <a:p>
+            <a:pPr algn="l"/>
+            <a:r>
+              <a:rPr lang="en-US" sz="3200" dirty="0" err="1">
+                <a:solidFill>
+                  <a:schemeClr val="bg1"/>
+                </a:solidFill>
+                <a:latin typeface="Arial" panose="020B0604020202020204" pitchFamily="34" charset="0"/>
+                <a:cs typeface="Arial" panose="020B0604020202020204" pitchFamily="34" charset="0"/>
+              </a:rPr>
+              <a:t>Phân</a:t>
+            </a:r>
+            <a:r>
+              <a:rPr lang="en-US" sz="3200" dirty="0">
+                <a:solidFill>
+                  <a:schemeClr val="bg1"/>
+                </a:solidFill>
+                <a:latin typeface="Arial" panose="020B0604020202020204" pitchFamily="34" charset="0"/>
+                <a:cs typeface="Arial" panose="020B0604020202020204" pitchFamily="34" charset="0"/>
+              </a:rPr>
+              <a:t> </a:t>
+            </a:r>
+            <a:r>
+              <a:rPr lang="en-US" sz="3200" dirty="0" err="1">
+                <a:solidFill>
+                  <a:schemeClr val="bg1"/>
+                </a:solidFill>
+                <a:latin typeface="Arial" panose="020B0604020202020204" pitchFamily="34" charset="0"/>
+                <a:cs typeface="Arial" panose="020B0604020202020204" pitchFamily="34" charset="0"/>
+              </a:rPr>
+              <a:t>phối</a:t>
+            </a:r>
+            <a:r>
+              <a:rPr lang="en-US" sz="3200" dirty="0">
+                <a:solidFill>
+                  <a:schemeClr val="bg1"/>
+                </a:solidFill>
+                <a:latin typeface="Arial" panose="020B0604020202020204" pitchFamily="34" charset="0"/>
+                <a:cs typeface="Arial" panose="020B0604020202020204" pitchFamily="34" charset="0"/>
+              </a:rPr>
+              <a:t> </a:t>
+            </a:r>
+            <a:r>
+              <a:rPr lang="en-US" sz="3200" dirty="0" err="1">
+                <a:solidFill>
+                  <a:schemeClr val="bg1"/>
+                </a:solidFill>
+                <a:latin typeface="Arial" panose="020B0604020202020204" pitchFamily="34" charset="0"/>
+                <a:cs typeface="Arial" panose="020B0604020202020204" pitchFamily="34" charset="0"/>
+              </a:rPr>
+              <a:t>thời</a:t>
+            </a:r>
+            <a:r>
+              <a:rPr lang="en-US" sz="3200" dirty="0">
+                <a:solidFill>
+                  <a:schemeClr val="bg1"/>
+                </a:solidFill>
+                <a:latin typeface="Arial" panose="020B0604020202020204" pitchFamily="34" charset="0"/>
+                <a:cs typeface="Arial" panose="020B0604020202020204" pitchFamily="34" charset="0"/>
+              </a:rPr>
+              <a:t> </a:t>
+            </a:r>
+            <a:r>
+              <a:rPr lang="en-US" sz="3200" dirty="0" err="1">
+                <a:solidFill>
+                  <a:schemeClr val="bg1"/>
+                </a:solidFill>
+                <a:latin typeface="Arial" panose="020B0604020202020204" pitchFamily="34" charset="0"/>
+                <a:cs typeface="Arial" panose="020B0604020202020204" pitchFamily="34" charset="0"/>
+              </a:rPr>
+              <a:t>gian</a:t>
+            </a:r>
+            <a:endParaRPr lang="en-US" sz="3200" dirty="0">
+              <a:solidFill>
+                <a:schemeClr val="bg1"/>
+              </a:solidFill>
+              <a:latin typeface="Arial" panose="020B0604020202020204" pitchFamily="34" charset="0"/>
+              <a:cs typeface="Arial" panose="020B0604020202020204" pitchFamily="34" charset="0"/>
+            </a:endParaRPr>
+          </a:p>
+        </p:txBody>
+      </p:sp>
+      <p:pic>
+        <p:nvPicPr>
+          <p:cNvPr id="5" name="Picture 4">
+            <a:extLst>
+              <a:ext uri="{FF2B5EF4-FFF2-40B4-BE49-F238E27FC236}">
+                <a16:creationId xmlns:a16="http://schemas.microsoft.com/office/drawing/2014/main" id="{0B9B7414-CB65-4667-AD82-0A66F31E2370}"/>
+              </a:ext>
+            </a:extLst>
+          </p:cNvPr>
+          <p:cNvPicPr>
+            <a:picLocks noChangeAspect="1"/>
+          </p:cNvPicPr>
+          <p:nvPr/>
+        </p:nvPicPr>
+        <p:blipFill>
+          <a:blip r:embed="rId2">
+            <a:extLst>
+              <a:ext uri="{28A0092B-C50C-407E-A947-70E740481C1C}">
+                <a14:useLocalDpi xmlns:a14="http://schemas.microsoft.com/office/drawing/2010/main" val="0"/>
+              </a:ext>
+            </a:extLst>
+          </a:blip>
+          <a:stretch>
+            <a:fillRect/>
+          </a:stretch>
+        </p:blipFill>
+        <p:spPr>
+          <a:xfrm>
+            <a:off x="3714417" y="1214128"/>
+            <a:ext cx="4763165" cy="4429743"/>
+          </a:xfrm>
+          <a:prstGeom prst="rect">
+            <a:avLst/>
+          </a:prstGeom>
+        </p:spPr>
+      </p:pic>
+      <p:sp>
+        <p:nvSpPr>
+          <p:cNvPr id="6" name="Slide Number Placeholder 5">
+            <a:extLst>
+              <a:ext uri="{FF2B5EF4-FFF2-40B4-BE49-F238E27FC236}">
+                <a16:creationId xmlns:a16="http://schemas.microsoft.com/office/drawing/2014/main" id="{6CE6BE41-C7D5-4842-96F7-D83FB7DDB330}"/>
+              </a:ext>
+            </a:extLst>
+          </p:cNvPr>
+          <p:cNvSpPr>
+            <a:spLocks noGrp="1"/>
+          </p:cNvSpPr>
+          <p:nvPr>
+            <p:ph type="sldNum" sz="quarter" idx="12"/>
+          </p:nvPr>
+        </p:nvSpPr>
+        <p:spPr/>
+        <p:txBody>
+          <a:bodyPr/>
+          <a:lstStyle/>
+          <a:p>
+            <a:fld id="{06BD3093-E1A9-4AD5-AE9A-BCF471067984}" type="slidenum">
+              <a:rPr lang="en-US" smtClean="0"/>
+              <a:t>9</a:t>
+            </a:fld>
+            <a:endParaRPr lang="en-US"/>
+          </a:p>
+        </p:txBody>
+      </p:sp>
+    </p:spTree>
+    <p:extLst>
+      <p:ext uri="{BB962C8B-B14F-4D97-AF65-F5344CB8AC3E}">
+        <p14:creationId xmlns:p14="http://schemas.microsoft.com/office/powerpoint/2010/main" val="3267136460"/>
       </p:ext>
     </p:extLst>
   </p:cSld>
@@ -5927,4 +7691,299 @@
     </a:ext>
   </a:extLst>
 </a:theme>
+</file>
+
+<file path=ppt/theme/theme2.xml><?xml version="1.0" encoding="utf-8"?>
+<a:theme xmlns:a="http://schemas.openxmlformats.org/drawingml/2006/main" name="Office Theme">
+  <a:themeElements>
+    <a:clrScheme name="Office">
+      <a:dk1>
+        <a:sysClr val="windowText" lastClr="000000"/>
+      </a:dk1>
+      <a:lt1>
+        <a:sysClr val="window" lastClr="FFFFFF"/>
+      </a:lt1>
+      <a:dk2>
+        <a:srgbClr val="44546A"/>
+      </a:dk2>
+      <a:lt2>
+        <a:srgbClr val="E7E6E6"/>
+      </a:lt2>
+      <a:accent1>
+        <a:srgbClr val="4472C4"/>
+      </a:accent1>
+      <a:accent2>
+        <a:srgbClr val="ED7D31"/>
+      </a:accent2>
+      <a:accent3>
+        <a:srgbClr val="A5A5A5"/>
+      </a:accent3>
+      <a:accent4>
+        <a:srgbClr val="FFC000"/>
+      </a:accent4>
+      <a:accent5>
+        <a:srgbClr val="5B9BD5"/>
+      </a:accent5>
+      <a:accent6>
+        <a:srgbClr val="70AD47"/>
+      </a:accent6>
+      <a:hlink>
+        <a:srgbClr val="0563C1"/>
+      </a:hlink>
+      <a:folHlink>
+        <a:srgbClr val="954F72"/>
+      </a:folHlink>
+    </a:clrScheme>
+    <a:fontScheme name="Office">
+      <a:majorFont>
+        <a:latin typeface="Calibri Light" panose="020F0302020204030204"/>
+        <a:ea typeface=""/>
+        <a:cs typeface=""/>
+        <a:font script="Jpan" typeface="游ゴシック Light"/>
+        <a:font script="Hang" typeface="맑은 고딕"/>
+        <a:font script="Hans" typeface="等线 Light"/>
+        <a:font script="Hant" typeface="新細明體"/>
+        <a:font script="Arab" typeface="Times New Roman"/>
+        <a:font script="Hebr" typeface="Times New Roman"/>
+        <a:font script="Thai" typeface="Angsana New"/>
+        <a:font script="Ethi" typeface="Nyala"/>
+        <a:font script="Beng" typeface="Vrinda"/>
+        <a:font script="Gujr" typeface="Shruti"/>
+        <a:font script="Khmr" typeface="MoolBoran"/>
+        <a:font script="Knda" typeface="Tunga"/>
+        <a:font script="Guru" typeface="Raavi"/>
+        <a:font script="Cans" typeface="Euphemia"/>
+        <a:font script="Cher" typeface="Plantagenet Cherokee"/>
+        <a:font script="Yiii" typeface="Microsoft Yi Baiti"/>
+        <a:font script="Tibt" typeface="Microsoft Himalaya"/>
+        <a:font script="Thaa" typeface="MV Boli"/>
+        <a:font script="Deva" typeface="Mangal"/>
+        <a:font script="Telu" typeface="Gautami"/>
+        <a:font script="Taml" typeface="Latha"/>
+        <a:font script="Syrc" typeface="Estrangelo Edessa"/>
+        <a:font script="Orya" typeface="Kalinga"/>
+        <a:font script="Mlym" typeface="Kartika"/>
+        <a:font script="Laoo" typeface="DokChampa"/>
+        <a:font script="Sinh" typeface="Iskoola Pota"/>
+        <a:font script="Mong" typeface="Mongolian Baiti"/>
+        <a:font script="Viet" typeface="Times New Roman"/>
+        <a:font script="Uigh" typeface="Microsoft Uighur"/>
+        <a:font script="Geor" typeface="Sylfaen"/>
+        <a:font script="Armn" typeface="Arial"/>
+        <a:font script="Bugi" typeface="Leelawadee UI"/>
+        <a:font script="Bopo" typeface="Microsoft JhengHei"/>
+        <a:font script="Java" typeface="Javanese Text"/>
+        <a:font script="Lisu" typeface="Segoe UI"/>
+        <a:font script="Mymr" typeface="Myanmar Text"/>
+        <a:font script="Nkoo" typeface="Ebrima"/>
+        <a:font script="Olck" typeface="Nirmala UI"/>
+        <a:font script="Osma" typeface="Ebrima"/>
+        <a:font script="Phag" typeface="Phagspa"/>
+        <a:font script="Syrn" typeface="Estrangelo Edessa"/>
+        <a:font script="Syrj" typeface="Estrangelo Edessa"/>
+        <a:font script="Syre" typeface="Estrangelo Edessa"/>
+        <a:font script="Sora" typeface="Nirmala UI"/>
+        <a:font script="Tale" typeface="Microsoft Tai Le"/>
+        <a:font script="Talu" typeface="Microsoft New Tai Lue"/>
+        <a:font script="Tfng" typeface="Ebrima"/>
+      </a:majorFont>
+      <a:minorFont>
+        <a:latin typeface="Calibri" panose="020F0502020204030204"/>
+        <a:ea typeface=""/>
+        <a:cs typeface=""/>
+        <a:font script="Jpan" typeface="游ゴシック"/>
+        <a:font script="Hang" typeface="맑은 고딕"/>
+        <a:font script="Hans" typeface="等线"/>
+        <a:font script="Hant" typeface="新細明體"/>
+        <a:font script="Arab" typeface="Arial"/>
+        <a:font script="Hebr" typeface="Arial"/>
+        <a:font script="Thai" typeface="Cordia New"/>
+        <a:font script="Ethi" typeface="Nyala"/>
+        <a:font script="Beng" typeface="Vrinda"/>
+        <a:font script="Gujr" typeface="Shruti"/>
+        <a:font script="Khmr" typeface="DaunPenh"/>
+        <a:font script="Knda" typeface="Tunga"/>
+        <a:font script="Guru" typeface="Raavi"/>
+        <a:font script="Cans" typeface="Euphemia"/>
+        <a:font script="Cher" typeface="Plantagenet Cherokee"/>
+        <a:font script="Yiii" typeface="Microsoft Yi Baiti"/>
+        <a:font script="Tibt" typeface="Microsoft Himalaya"/>
+        <a:font script="Thaa" typeface="MV Boli"/>
+        <a:font script="Deva" typeface="Mangal"/>
+        <a:font script="Telu" typeface="Gautami"/>
+        <a:font script="Taml" typeface="Latha"/>
+        <a:font script="Syrc" typeface="Estrangelo Edessa"/>
+        <a:font script="Orya" typeface="Kalinga"/>
+        <a:font script="Mlym" typeface="Kartika"/>
+        <a:font script="Laoo" typeface="DokChampa"/>
+        <a:font script="Sinh" typeface="Iskoola Pota"/>
+        <a:font script="Mong" typeface="Mongolian Baiti"/>
+        <a:font script="Viet" typeface="Arial"/>
+        <a:font script="Uigh" typeface="Microsoft Uighur"/>
+        <a:font script="Geor" typeface="Sylfaen"/>
+        <a:font script="Armn" typeface="Arial"/>
+        <a:font script="Bugi" typeface="Leelawadee UI"/>
+        <a:font script="Bopo" typeface="Microsoft JhengHei"/>
+        <a:font script="Java" typeface="Javanese Text"/>
+        <a:font script="Lisu" typeface="Segoe UI"/>
+        <a:font script="Mymr" typeface="Myanmar Text"/>
+        <a:font script="Nkoo" typeface="Ebrima"/>
+        <a:font script="Olck" typeface="Nirmala UI"/>
+        <a:font script="Osma" typeface="Ebrima"/>
+        <a:font script="Phag" typeface="Phagspa"/>
+        <a:font script="Syrn" typeface="Estrangelo Edessa"/>
+        <a:font script="Syrj" typeface="Estrangelo Edessa"/>
+        <a:font script="Syre" typeface="Estrangelo Edessa"/>
+        <a:font script="Sora" typeface="Nirmala UI"/>
+        <a:font script="Tale" typeface="Microsoft Tai Le"/>
+        <a:font script="Talu" typeface="Microsoft New Tai Lue"/>
+        <a:font script="Tfng" typeface="Ebrima"/>
+      </a:minorFont>
+    </a:fontScheme>
+    <a:fmtScheme name="Office">
+      <a:fillStyleLst>
+        <a:solidFill>
+          <a:schemeClr val="phClr"/>
+        </a:solidFill>
+        <a:gradFill rotWithShape="1">
+          <a:gsLst>
+            <a:gs pos="0">
+              <a:schemeClr val="phClr">
+                <a:lumMod val="110000"/>
+                <a:satMod val="105000"/>
+                <a:tint val="67000"/>
+              </a:schemeClr>
+            </a:gs>
+            <a:gs pos="50000">
+              <a:schemeClr val="phClr">
+                <a:lumMod val="105000"/>
+                <a:satMod val="103000"/>
+                <a:tint val="73000"/>
+              </a:schemeClr>
+            </a:gs>
+            <a:gs pos="100000">
+              <a:schemeClr val="phClr">
+                <a:lumMod val="105000"/>
+                <a:satMod val="109000"/>
+                <a:tint val="81000"/>
+              </a:schemeClr>
+            </a:gs>
+          </a:gsLst>
+          <a:lin ang="5400000" scaled="0"/>
+        </a:gradFill>
+        <a:gradFill rotWithShape="1">
+          <a:gsLst>
+            <a:gs pos="0">
+              <a:schemeClr val="phClr">
+                <a:satMod val="103000"/>
+                <a:lumMod val="102000"/>
+                <a:tint val="94000"/>
+              </a:schemeClr>
+            </a:gs>
+            <a:gs pos="50000">
+              <a:schemeClr val="phClr">
+                <a:satMod val="110000"/>
+                <a:lumMod val="100000"/>
+                <a:shade val="100000"/>
+              </a:schemeClr>
+            </a:gs>
+            <a:gs pos="100000">
+              <a:schemeClr val="phClr">
+                <a:lumMod val="99000"/>
+                <a:satMod val="120000"/>
+                <a:shade val="78000"/>
+              </a:schemeClr>
+            </a:gs>
+          </a:gsLst>
+          <a:lin ang="5400000" scaled="0"/>
+        </a:gradFill>
+      </a:fillStyleLst>
+      <a:lnStyleLst>
+        <a:ln w="6350" cap="flat" cmpd="sng" algn="ctr">
+          <a:solidFill>
+            <a:schemeClr val="phClr"/>
+          </a:solidFill>
+          <a:prstDash val="solid"/>
+          <a:miter lim="800000"/>
+        </a:ln>
+        <a:ln w="12700" cap="flat" cmpd="sng" algn="ctr">
+          <a:solidFill>
+            <a:schemeClr val="phClr"/>
+          </a:solidFill>
+          <a:prstDash val="solid"/>
+          <a:miter lim="800000"/>
+        </a:ln>
+        <a:ln w="19050" cap="flat" cmpd="sng" algn="ctr">
+          <a:solidFill>
+            <a:schemeClr val="phClr"/>
+          </a:solidFill>
+          <a:prstDash val="solid"/>
+          <a:miter lim="800000"/>
+        </a:ln>
+      </a:lnStyleLst>
+      <a:effectStyleLst>
+        <a:effectStyle>
+          <a:effectLst/>
+        </a:effectStyle>
+        <a:effectStyle>
+          <a:effectLst/>
+        </a:effectStyle>
+        <a:effectStyle>
+          <a:effectLst>
+            <a:outerShdw blurRad="57150" dist="19050" dir="5400000" algn="ctr" rotWithShape="0">
+              <a:srgbClr val="000000">
+                <a:alpha val="63000"/>
+              </a:srgbClr>
+            </a:outerShdw>
+          </a:effectLst>
+        </a:effectStyle>
+      </a:effectStyleLst>
+      <a:bgFillStyleLst>
+        <a:solidFill>
+          <a:schemeClr val="phClr"/>
+        </a:solidFill>
+        <a:solidFill>
+          <a:schemeClr val="phClr">
+            <a:tint val="95000"/>
+            <a:satMod val="170000"/>
+          </a:schemeClr>
+        </a:solidFill>
+        <a:gradFill rotWithShape="1">
+          <a:gsLst>
+            <a:gs pos="0">
+              <a:schemeClr val="phClr">
+                <a:tint val="93000"/>
+                <a:satMod val="150000"/>
+                <a:shade val="98000"/>
+                <a:lumMod val="102000"/>
+              </a:schemeClr>
+            </a:gs>
+            <a:gs pos="50000">
+              <a:schemeClr val="phClr">
+                <a:tint val="98000"/>
+                <a:satMod val="130000"/>
+                <a:shade val="90000"/>
+                <a:lumMod val="103000"/>
+              </a:schemeClr>
+            </a:gs>
+            <a:gs pos="100000">
+              <a:schemeClr val="phClr">
+                <a:shade val="63000"/>
+                <a:satMod val="120000"/>
+              </a:schemeClr>
+            </a:gs>
+          </a:gsLst>
+          <a:lin ang="5400000" scaled="0"/>
+        </a:gradFill>
+      </a:bgFillStyleLst>
+    </a:fmtScheme>
+  </a:themeElements>
+  <a:objectDefaults/>
+  <a:extraClrSchemeLst/>
+  <a:extLst>
+    <a:ext uri="{05A4C25C-085E-4340-85A3-A5531E510DB2}">
+      <thm15:themeFamily xmlns:thm15="http://schemas.microsoft.com/office/thememl/2012/main" name="Office Theme" id="{62F939B6-93AF-4DB8-9C6B-D6C7DFDC589F}" vid="{4A3C46E8-61CC-4603-A589-7422A47A8E4A}"/>
+    </a:ext>
+  </a:extLst>
+</a:theme>
 </file>